--- a/CSharpProgramming/Presentations/ProgPartIII/Tasks.pptx
+++ b/CSharpProgramming/Presentations/ProgPartIII/Tasks.pptx
@@ -39,21 +39,6 @@
     <p:sldId id="362" r:id="rId33"/>
     <p:sldId id="364" r:id="rId34"/>
     <p:sldId id="363" r:id="rId35"/>
-    <p:sldId id="365" r:id="rId36"/>
-    <p:sldId id="368" r:id="rId37"/>
-    <p:sldId id="366" r:id="rId38"/>
-    <p:sldId id="367" r:id="rId39"/>
-    <p:sldId id="369" r:id="rId40"/>
-    <p:sldId id="370" r:id="rId41"/>
-    <p:sldId id="371" r:id="rId42"/>
-    <p:sldId id="372" r:id="rId43"/>
-    <p:sldId id="373" r:id="rId44"/>
-    <p:sldId id="374" r:id="rId45"/>
-    <p:sldId id="375" r:id="rId46"/>
-    <p:sldId id="376" r:id="rId47"/>
-    <p:sldId id="377" r:id="rId48"/>
-    <p:sldId id="378" r:id="rId49"/>
-    <p:sldId id="379" r:id="rId50"/>
   </p:sldIdLst>
   <p:sldSz cx="12192000" cy="6858000"/>
   <p:notesSz cx="6858000" cy="9144000"/>
@@ -291,7 +276,7 @@
           <a:p>
             <a:fld id="{E15B7D8E-2A20-4C0E-991C-872DBB7459A8}" type="datetimeFigureOut">
               <a:rPr lang="da-DK" smtClean="0"/>
-              <a:t>10-10-2017</a:t>
+              <a:t>17-02-2018</a:t>
             </a:fld>
             <a:endParaRPr lang="da-DK"/>
           </a:p>
@@ -461,7 +446,7 @@
           <a:p>
             <a:fld id="{E15B7D8E-2A20-4C0E-991C-872DBB7459A8}" type="datetimeFigureOut">
               <a:rPr lang="da-DK" smtClean="0"/>
-              <a:t>10-10-2017</a:t>
+              <a:t>17-02-2018</a:t>
             </a:fld>
             <a:endParaRPr lang="da-DK"/>
           </a:p>
@@ -641,7 +626,7 @@
           <a:p>
             <a:fld id="{E15B7D8E-2A20-4C0E-991C-872DBB7459A8}" type="datetimeFigureOut">
               <a:rPr lang="da-DK" smtClean="0"/>
-              <a:t>10-10-2017</a:t>
+              <a:t>17-02-2018</a:t>
             </a:fld>
             <a:endParaRPr lang="da-DK"/>
           </a:p>
@@ -811,7 +796,7 @@
           <a:p>
             <a:fld id="{E15B7D8E-2A20-4C0E-991C-872DBB7459A8}" type="datetimeFigureOut">
               <a:rPr lang="da-DK" smtClean="0"/>
-              <a:t>10-10-2017</a:t>
+              <a:t>17-02-2018</a:t>
             </a:fld>
             <a:endParaRPr lang="da-DK"/>
           </a:p>
@@ -1057,7 +1042,7 @@
           <a:p>
             <a:fld id="{E15B7D8E-2A20-4C0E-991C-872DBB7459A8}" type="datetimeFigureOut">
               <a:rPr lang="da-DK" smtClean="0"/>
-              <a:t>10-10-2017</a:t>
+              <a:t>17-02-2018</a:t>
             </a:fld>
             <a:endParaRPr lang="da-DK"/>
           </a:p>
@@ -1289,7 +1274,7 @@
           <a:p>
             <a:fld id="{E15B7D8E-2A20-4C0E-991C-872DBB7459A8}" type="datetimeFigureOut">
               <a:rPr lang="da-DK" smtClean="0"/>
-              <a:t>10-10-2017</a:t>
+              <a:t>17-02-2018</a:t>
             </a:fld>
             <a:endParaRPr lang="da-DK"/>
           </a:p>
@@ -1656,7 +1641,7 @@
           <a:p>
             <a:fld id="{E15B7D8E-2A20-4C0E-991C-872DBB7459A8}" type="datetimeFigureOut">
               <a:rPr lang="da-DK" smtClean="0"/>
-              <a:t>10-10-2017</a:t>
+              <a:t>17-02-2018</a:t>
             </a:fld>
             <a:endParaRPr lang="da-DK"/>
           </a:p>
@@ -1774,7 +1759,7 @@
           <a:p>
             <a:fld id="{E15B7D8E-2A20-4C0E-991C-872DBB7459A8}" type="datetimeFigureOut">
               <a:rPr lang="da-DK" smtClean="0"/>
-              <a:t>10-10-2017</a:t>
+              <a:t>17-02-2018</a:t>
             </a:fld>
             <a:endParaRPr lang="da-DK"/>
           </a:p>
@@ -1869,7 +1854,7 @@
           <a:p>
             <a:fld id="{E15B7D8E-2A20-4C0E-991C-872DBB7459A8}" type="datetimeFigureOut">
               <a:rPr lang="da-DK" smtClean="0"/>
-              <a:t>10-10-2017</a:t>
+              <a:t>17-02-2018</a:t>
             </a:fld>
             <a:endParaRPr lang="da-DK"/>
           </a:p>
@@ -2146,7 +2131,7 @@
           <a:p>
             <a:fld id="{E15B7D8E-2A20-4C0E-991C-872DBB7459A8}" type="datetimeFigureOut">
               <a:rPr lang="da-DK" smtClean="0"/>
-              <a:t>10-10-2017</a:t>
+              <a:t>17-02-2018</a:t>
             </a:fld>
             <a:endParaRPr lang="da-DK"/>
           </a:p>
@@ -2399,7 +2384,7 @@
           <a:p>
             <a:fld id="{E15B7D8E-2A20-4C0E-991C-872DBB7459A8}" type="datetimeFigureOut">
               <a:rPr lang="da-DK" smtClean="0"/>
-              <a:t>10-10-2017</a:t>
+              <a:t>17-02-2018</a:t>
             </a:fld>
             <a:endParaRPr lang="da-DK"/>
           </a:p>
@@ -2612,7 +2597,7 @@
           <a:p>
             <a:fld id="{E15B7D8E-2A20-4C0E-991C-872DBB7459A8}" type="datetimeFigureOut">
               <a:rPr lang="da-DK" smtClean="0"/>
-              <a:t>10-10-2017</a:t>
+              <a:t>17-02-2018</a:t>
             </a:fld>
             <a:endParaRPr lang="da-DK"/>
           </a:p>
@@ -10795,11 +10780,7 @@
           <a:p>
             <a:r>
               <a:rPr lang="da-DK" b="1" smtClean="0"/>
-              <a:t>Opdeling</a:t>
-            </a:r>
-            <a:r>
-              <a:rPr lang="da-DK" smtClean="0"/>
-              <a:t> af Tasks</a:t>
+              <a:t>Division into independent tasks</a:t>
             </a:r>
             <a:endParaRPr lang="da-DK"/>
           </a:p>
@@ -10822,19 +10803,19 @@
           <a:p>
             <a:r>
               <a:rPr lang="da-DK" smtClean="0"/>
-              <a:t>Dikteret af problemets logik</a:t>
+              <a:t>Dictated by the structure of the calculation</a:t>
             </a:r>
           </a:p>
           <a:p>
             <a:r>
               <a:rPr lang="da-DK" smtClean="0"/>
-              <a:t>Nogle gange meget enkelt, andre gange umuligt…</a:t>
+              <a:t>Ranging from very simple to impossible…</a:t>
             </a:r>
           </a:p>
           <a:p>
             <a:r>
               <a:rPr lang="da-DK" smtClean="0"/>
-              <a:t>Hver del-beregning ”pakkes ind” i et </a:t>
+              <a:t>Each partial calculation is ”wrapped” into a </a:t>
             </a:r>
             <a:r>
               <a:rPr lang="da-DK" b="1" smtClean="0"/>
@@ -10842,13 +10823,13 @@
             </a:r>
             <a:r>
               <a:rPr lang="da-DK" smtClean="0"/>
-              <a:t> objekt</a:t>
+              <a:t> object</a:t>
             </a:r>
           </a:p>
           <a:p>
             <a:r>
               <a:rPr lang="da-DK" smtClean="0"/>
-              <a:t>Sættes i gang med </a:t>
+              <a:t>Started with </a:t>
             </a:r>
             <a:r>
               <a:rPr lang="da-DK" b="1" smtClean="0"/>
@@ -10856,7 +10837,7 @@
             </a:r>
             <a:r>
               <a:rPr lang="da-DK" smtClean="0"/>
-              <a:t>eller </a:t>
+              <a:t>or </a:t>
             </a:r>
             <a:r>
               <a:rPr lang="da-DK" b="1" smtClean="0"/>
@@ -10918,12 +10899,8 @@
           <a:lstStyle/>
           <a:p>
             <a:r>
-              <a:rPr lang="da-DK" b="1" smtClean="0"/>
-              <a:t>Opdeling</a:t>
-            </a:r>
-            <a:r>
-              <a:rPr lang="da-DK" smtClean="0"/>
-              <a:t> af Tasks – almindelig konstruktion</a:t>
+              <a:rPr lang="da-DK" b="1"/>
+              <a:t>Division into independent tasks</a:t>
             </a:r>
             <a:endParaRPr lang="da-DK"/>
           </a:p>
@@ -11010,7 +10987,7 @@
                 </a:solidFill>
                 <a:latin typeface="Consolas" panose="020B0609020204030204" pitchFamily="49" charset="0"/>
               </a:rPr>
-              <a:t>// bliver til:</a:t>
+              <a:t>// becomes:</a:t>
             </a:r>
           </a:p>
           <a:p>
@@ -11190,11 +11167,7 @@
           <a:p>
             <a:r>
               <a:rPr lang="da-DK" b="1" smtClean="0"/>
-              <a:t>Synkronisering</a:t>
-            </a:r>
-            <a:r>
-              <a:rPr lang="da-DK" smtClean="0"/>
-              <a:t> af Tasks</a:t>
+              <a:t>Synchronisation of tasks</a:t>
             </a:r>
             <a:endParaRPr lang="da-DK"/>
           </a:p>
@@ -11213,7 +11186,7 @@
         <p:spPr>
           <a:xfrm>
             <a:off x="838200" y="1825625"/>
-            <a:ext cx="9071187" cy="4351338"/>
+            <a:ext cx="7938837" cy="4351338"/>
           </a:xfrm>
         </p:spPr>
         <p:txBody>
@@ -11222,15 +11195,7 @@
           <a:p>
             <a:r>
               <a:rPr lang="da-DK" smtClean="0"/>
-              <a:t>På et tidspunkt giver det muligvis ikke mening at fortsætte, før betingelser omkring de startede </a:t>
-            </a:r>
-            <a:r>
-              <a:rPr lang="da-DK" b="1" smtClean="0"/>
-              <a:t>Tasks</a:t>
-            </a:r>
-            <a:r>
-              <a:rPr lang="da-DK" smtClean="0"/>
-              <a:t> er opfyldt</a:t>
+              <a:t>At some point, it might not make sense to continue until certain conditions for the tasks are true</a:t>
             </a:r>
           </a:p>
           <a:p>
@@ -11241,7 +11206,7 @@
             </a:r>
             <a:r>
               <a:rPr lang="da-DK" smtClean="0"/>
-              <a:t>: Vent, indtil </a:t>
+              <a:t>: Wait until </a:t>
             </a:r>
             <a:r>
               <a:rPr lang="da-DK" b="1" smtClean="0"/>
@@ -11249,7 +11214,7 @@
             </a:r>
             <a:r>
               <a:rPr lang="da-DK" smtClean="0"/>
-              <a:t> er færdig</a:t>
+              <a:t> has completed</a:t>
             </a:r>
           </a:p>
           <a:p>
@@ -11260,15 +11225,15 @@
             </a:r>
             <a:r>
               <a:rPr lang="da-DK" smtClean="0"/>
-              <a:t>: Vent, indtil </a:t>
+              <a:t>: Wait until </a:t>
             </a:r>
             <a:r>
               <a:rPr lang="da-DK" u="sng" smtClean="0"/>
-              <a:t>alle</a:t>
+              <a:t>all</a:t>
             </a:r>
             <a:r>
               <a:rPr lang="da-DK" smtClean="0"/>
-              <a:t> de angivne tasks er færdige</a:t>
+              <a:t> the specified tasks are completed</a:t>
             </a:r>
           </a:p>
           <a:p>
@@ -11283,25 +11248,20 @@
             </a:r>
             <a:r>
               <a:rPr lang="da-DK"/>
-              <a:t>: Vent, indtil </a:t>
+              <a:t>: Wait until </a:t>
             </a:r>
             <a:r>
               <a:rPr lang="da-DK" u="sng" smtClean="0"/>
-              <a:t>mindst en</a:t>
+              <a:t>at least one of</a:t>
             </a:r>
             <a:r>
               <a:rPr lang="da-DK" smtClean="0"/>
-              <a:t> af de </a:t>
+              <a:t> the </a:t>
             </a:r>
             <a:r>
               <a:rPr lang="da-DK"/>
-              <a:t>angivne tasks er </a:t>
-            </a:r>
-            <a:r>
-              <a:rPr lang="da-DK" smtClean="0"/>
-              <a:t>færdige</a:t>
-            </a:r>
-            <a:endParaRPr lang="da-DK"/>
+              <a:t>specified tasks are completed</a:t>
+            </a:r>
           </a:p>
         </p:txBody>
       </p:sp>
@@ -11973,11 +11933,7 @@
           <a:p>
             <a:r>
               <a:rPr lang="da-DK" b="1" smtClean="0"/>
-              <a:t>Annullering</a:t>
-            </a:r>
-            <a:r>
-              <a:rPr lang="da-DK" smtClean="0"/>
-              <a:t> af Tasks</a:t>
+              <a:t>Cancellation of tasks</a:t>
             </a:r>
             <a:endParaRPr lang="da-DK"/>
           </a:p>
@@ -11996,7 +11952,7 @@
         <p:spPr>
           <a:xfrm>
             <a:off x="838200" y="1825625"/>
-            <a:ext cx="9545320" cy="4351338"/>
+            <a:ext cx="8787063" cy="4351338"/>
           </a:xfrm>
         </p:spPr>
         <p:txBody>
@@ -12005,61 +11961,43 @@
           <a:p>
             <a:r>
               <a:rPr lang="da-DK" smtClean="0"/>
-              <a:t>Skaberen af en </a:t>
-            </a:r>
-            <a:r>
-              <a:rPr lang="da-DK" b="1" smtClean="0"/>
-              <a:t>Task</a:t>
+              <a:t>Creator of task cannot ”force” cancellation of a task</a:t>
+            </a:r>
+            <a:endParaRPr lang="da-DK" b="1" smtClean="0"/>
+          </a:p>
+          <a:p>
+            <a:r>
+              <a:rPr lang="da-DK"/>
+              <a:t>Creator of </a:t>
             </a:r>
             <a:r>
               <a:rPr lang="da-DK" smtClean="0"/>
-              <a:t> kan </a:t>
+              <a:t>task can </a:t>
             </a:r>
             <a:r>
               <a:rPr lang="da-DK" u="sng" smtClean="0"/>
-              <a:t>ikke</a:t>
+              <a:t>request</a:t>
             </a:r>
             <a:r>
               <a:rPr lang="da-DK" smtClean="0"/>
-              <a:t> uden videre annullere en </a:t>
-            </a:r>
-            <a:r>
-              <a:rPr lang="da-DK" b="1" smtClean="0"/>
-              <a:t>Task</a:t>
-            </a:r>
+              <a:t> </a:t>
+            </a:r>
+            <a:r>
+              <a:rPr lang="da-DK"/>
+              <a:t>cancellation of a task</a:t>
+            </a:r>
+            <a:endParaRPr lang="da-DK" smtClean="0"/>
           </a:p>
           <a:p>
             <a:r>
               <a:rPr lang="da-DK" smtClean="0"/>
-              <a:t>Skaberen kan ”anmode” en </a:t>
-            </a:r>
-            <a:r>
-              <a:rPr lang="da-DK" b="1" smtClean="0"/>
-              <a:t>Task</a:t>
-            </a:r>
+              <a:t>The to-be-cancelled task can now perform any necessary final operations before shutting down</a:t>
+            </a:r>
+          </a:p>
+          <a:p>
             <a:r>
               <a:rPr lang="da-DK" smtClean="0"/>
-              <a:t> om at stoppe</a:t>
-            </a:r>
-          </a:p>
-          <a:p>
-            <a:r>
-              <a:rPr lang="da-DK" smtClean="0"/>
-              <a:t>Den anmodede </a:t>
-            </a:r>
-            <a:r>
-              <a:rPr lang="da-DK" b="1" smtClean="0"/>
-              <a:t>Task</a:t>
-            </a:r>
-            <a:r>
-              <a:rPr lang="da-DK" smtClean="0"/>
-              <a:t> kan nu rydde pænt op efter sig, og efterfølgende lukke ned</a:t>
-            </a:r>
-          </a:p>
-          <a:p>
-            <a:r>
-              <a:rPr lang="da-DK" smtClean="0"/>
-              <a:t>Samarbejdet foregår via et såkaldt </a:t>
+              <a:t>Cancellation coordinated via a </a:t>
             </a:r>
             <a:r>
               <a:rPr lang="da-DK" b="1" smtClean="0"/>
@@ -13450,7 +13388,7 @@
           <a:p>
             <a:r>
               <a:rPr lang="da-DK" smtClean="0"/>
-              <a:t>Komplikationer…</a:t>
+              <a:t>Complications…</a:t>
             </a:r>
             <a:endParaRPr lang="da-DK"/>
           </a:p>
@@ -13473,7 +13411,7 @@
           <a:p>
             <a:r>
               <a:rPr lang="da-DK" smtClean="0"/>
-              <a:t>En </a:t>
+              <a:t>A </a:t>
             </a:r>
             <a:r>
               <a:rPr lang="da-DK" b="1" smtClean="0"/>
@@ -13481,7 +13419,15 @@
             </a:r>
             <a:r>
               <a:rPr lang="da-DK" smtClean="0"/>
-              <a:t> kan til et givent tidspunkt være i en af disse tilstande:</a:t>
+              <a:t> object can at any time be in one of several </a:t>
+            </a:r>
+            <a:r>
+              <a:rPr lang="da-DK" u="sng" smtClean="0"/>
+              <a:t>states</a:t>
+            </a:r>
+            <a:r>
+              <a:rPr lang="da-DK" smtClean="0"/>
+              <a:t>:</a:t>
             </a:r>
           </a:p>
           <a:p>
@@ -13496,7 +13442,7 @@
             </a:r>
             <a:r>
               <a:rPr lang="en-US" smtClean="0"/>
-              <a:t>er skabt, men ikke skemalagt til at blive sat i gang</a:t>
+              <a:t>is created, but not yet scheduled to run</a:t>
             </a:r>
             <a:endParaRPr lang="da-DK"/>
           </a:p>
@@ -13508,11 +13454,19 @@
             </a:r>
             <a:r>
               <a:rPr lang="en-US"/>
-              <a:t>: Task </a:t>
+              <a:t>: Task is </a:t>
             </a:r>
             <a:r>
               <a:rPr lang="en-US" smtClean="0"/>
-              <a:t>er skabt og skemalagt, men ikke sat i gang</a:t>
+              <a:t>created and scheduled </a:t>
+            </a:r>
+            <a:r>
+              <a:rPr lang="en-US"/>
+              <a:t>to </a:t>
+            </a:r>
+            <a:r>
+              <a:rPr lang="en-US" smtClean="0"/>
+              <a:t>run, but is not running yet</a:t>
             </a:r>
             <a:endParaRPr lang="da-DK"/>
           </a:p>
@@ -13528,7 +13482,7 @@
             </a:r>
             <a:r>
               <a:rPr lang="en-US" smtClean="0"/>
-              <a:t>er i gang</a:t>
+              <a:t>is running</a:t>
             </a:r>
             <a:endParaRPr lang="da-DK"/>
           </a:p>
@@ -13544,7 +13498,7 @@
             </a:r>
             <a:r>
               <a:rPr lang="en-US" smtClean="0"/>
-              <a:t>blev afviklet normalt</a:t>
+              <a:t>completed normally</a:t>
             </a:r>
             <a:endParaRPr lang="da-DK"/>
           </a:p>
@@ -13560,7 +13514,7 @@
             </a:r>
             <a:r>
               <a:rPr lang="en-US" smtClean="0"/>
-              <a:t>er blevet annulleret</a:t>
+              <a:t>was cancelled</a:t>
             </a:r>
             <a:endParaRPr lang="da-DK"/>
           </a:p>
@@ -13576,20 +13530,20 @@
             </a:r>
             <a:r>
               <a:rPr lang="en-US" smtClean="0"/>
-              <a:t>kastede en exception</a:t>
+              <a:t>threw an exception</a:t>
             </a:r>
             <a:endParaRPr lang="da-DK" b="1"/>
           </a:p>
           <a:p>
             <a:r>
               <a:rPr lang="da-DK" smtClean="0"/>
-              <a:t>Hvordan håndteres alle mulige kombinationer…?</a:t>
+              <a:t>How to handle all possible combinations for several tasks…?</a:t>
             </a:r>
           </a:p>
           <a:p>
             <a:r>
               <a:rPr lang="da-DK" smtClean="0"/>
-              <a:t>Der kan blive smidt flere exceptions samtidigt…</a:t>
+              <a:t>Sveral exceptions can be throw concurrently…</a:t>
             </a:r>
             <a:endParaRPr lang="da-DK"/>
           </a:p>
@@ -13649,7 +13603,7 @@
           <a:p>
             <a:r>
               <a:rPr lang="da-DK" smtClean="0"/>
-              <a:t>Simplifikationer…</a:t>
+              <a:t>Simplifications…</a:t>
             </a:r>
             <a:endParaRPr lang="da-DK"/>
           </a:p>
@@ -13665,26 +13619,31 @@
             <p:ph idx="1"/>
           </p:nvPr>
         </p:nvSpPr>
-        <p:spPr/>
+        <p:spPr>
+          <a:xfrm>
+            <a:off x="838200" y="1825625"/>
+            <a:ext cx="7902742" cy="4351338"/>
+          </a:xfrm>
+        </p:spPr>
         <p:txBody>
           <a:bodyPr/>
           <a:lstStyle/>
           <a:p>
             <a:r>
               <a:rPr lang="da-DK" smtClean="0"/>
-              <a:t>Den samme beregning skal udføres for et stort antal værdier…</a:t>
+              <a:t>The same calculation is to be performed for a large number of values…</a:t>
             </a:r>
           </a:p>
           <a:p>
             <a:r>
               <a:rPr lang="da-DK" smtClean="0"/>
-              <a:t>Beregningerne er uafhængige…</a:t>
+              <a:t>Calculations are independent…</a:t>
             </a:r>
           </a:p>
           <a:p>
             <a:r>
               <a:rPr lang="da-DK" smtClean="0"/>
-              <a:t>…benyt </a:t>
+              <a:t>…use </a:t>
             </a:r>
             <a:r>
               <a:rPr lang="da-DK" b="1" smtClean="0"/>
@@ -14269,10 +14228,9 @@
           <a:lstStyle/>
           <a:p>
             <a:r>
-              <a:rPr lang="da-DK" smtClean="0"/>
-              <a:t>Simplifikationer…</a:t>
-            </a:r>
-            <a:endParaRPr lang="da-DK"/>
+              <a:rPr lang="da-DK"/>
+              <a:t>Simplifications …</a:t>
+            </a:r>
           </a:p>
         </p:txBody>
       </p:sp>
@@ -14286,24 +14244,33 @@
             <p:ph idx="1"/>
           </p:nvPr>
         </p:nvSpPr>
-        <p:spPr/>
+        <p:spPr>
+          <a:xfrm>
+            <a:off x="838200" y="1825625"/>
+            <a:ext cx="7511716" cy="4351338"/>
+          </a:xfrm>
+        </p:spPr>
         <p:txBody>
           <a:bodyPr/>
           <a:lstStyle/>
           <a:p>
             <a:r>
               <a:rPr lang="da-DK" smtClean="0"/>
-              <a:t>.NET Runtime skaber selv et passende (?) antal </a:t>
+              <a:t>.NET Runtime creates an appropriate (?) number of  </a:t>
             </a:r>
             <a:r>
               <a:rPr lang="da-DK" b="1" smtClean="0"/>
-              <a:t>Tasks</a:t>
-            </a:r>
-          </a:p>
-          <a:p>
+              <a:t>Task </a:t>
+            </a:r>
             <a:r>
               <a:rPr lang="da-DK" smtClean="0"/>
-              <a:t>Ingen garanti for, hvilken orden kald udføres i</a:t>
+              <a:t>objects</a:t>
+            </a:r>
+          </a:p>
+          <a:p>
+            <a:r>
+              <a:rPr lang="da-DK" smtClean="0"/>
+              <a:t>No guarantees w.r.t. order of execution!</a:t>
             </a:r>
           </a:p>
           <a:p>
@@ -14327,1119 +14294,6 @@
   <p:clrMapOvr>
     <a:masterClrMapping/>
   </p:clrMapOvr>
-  <p:timing>
-    <p:tnLst>
-      <p:par>
-        <p:cTn id="1" dur="indefinite" restart="never" nodeType="tmRoot"/>
-      </p:par>
-    </p:tnLst>
-  </p:timing>
-</p:sld>
-</file>
-
-<file path=ppt/slides/slide35.xml><?xml version="1.0" encoding="utf-8"?>
-<p:sld xmlns:a="http://schemas.openxmlformats.org/drawingml/2006/main" xmlns:r="http://schemas.openxmlformats.org/officeDocument/2006/relationships" xmlns:p="http://schemas.openxmlformats.org/presentationml/2006/main">
-  <p:cSld>
-    <p:spTree>
-      <p:nvGrpSpPr>
-        <p:cNvPr id="1" name=""/>
-        <p:cNvGrpSpPr/>
-        <p:nvPr/>
-      </p:nvGrpSpPr>
-      <p:grpSpPr>
-        <a:xfrm>
-          <a:off x="0" y="0"/>
-          <a:ext cx="0" cy="0"/>
-          <a:chOff x="0" y="0"/>
-          <a:chExt cx="0" cy="0"/>
-        </a:xfrm>
-      </p:grpSpPr>
-      <p:sp>
-        <p:nvSpPr>
-          <p:cNvPr id="2" name="Titel 1"/>
-          <p:cNvSpPr>
-            <a:spLocks noGrp="1"/>
-          </p:cNvSpPr>
-          <p:nvPr>
-            <p:ph type="title"/>
-          </p:nvPr>
-        </p:nvSpPr>
-        <p:spPr/>
-        <p:txBody>
-          <a:bodyPr/>
-          <a:lstStyle/>
-          <a:p>
-            <a:r>
-              <a:rPr lang="da-DK" smtClean="0"/>
-              <a:t>Samtidig adgang til data</a:t>
-            </a:r>
-            <a:endParaRPr lang="da-DK"/>
-          </a:p>
-        </p:txBody>
-      </p:sp>
-      <p:sp>
-        <p:nvSpPr>
-          <p:cNvPr id="5" name="Afrundet rektangel 4"/>
-          <p:cNvSpPr/>
-          <p:nvPr/>
-        </p:nvSpPr>
-        <p:spPr>
-          <a:xfrm>
-            <a:off x="891704" y="3136486"/>
-            <a:ext cx="1501302" cy="794982"/>
-          </a:xfrm>
-          <a:prstGeom prst="roundRect">
-            <a:avLst/>
-          </a:prstGeom>
-          <a:solidFill>
-            <a:schemeClr val="bg2">
-              <a:lumMod val="50000"/>
-            </a:schemeClr>
-          </a:solidFill>
-        </p:spPr>
-        <p:style>
-          <a:lnRef idx="2">
-            <a:schemeClr val="accent1">
-              <a:shade val="50000"/>
-            </a:schemeClr>
-          </a:lnRef>
-          <a:fillRef idx="1">
-            <a:schemeClr val="accent1"/>
-          </a:fillRef>
-          <a:effectRef idx="0">
-            <a:schemeClr val="accent1"/>
-          </a:effectRef>
-          <a:fontRef idx="minor">
-            <a:schemeClr val="lt1"/>
-          </a:fontRef>
-        </p:style>
-        <p:txBody>
-          <a:bodyPr rtlCol="0" anchor="ctr"/>
-          <a:lstStyle/>
-          <a:p>
-            <a:pPr algn="ctr"/>
-            <a:r>
-              <a:rPr lang="da-DK" sz="4000" smtClean="0"/>
-              <a:t>Task</a:t>
-            </a:r>
-            <a:endParaRPr lang="da-DK" sz="4000"/>
-          </a:p>
-        </p:txBody>
-      </p:sp>
-      <p:sp>
-        <p:nvSpPr>
-          <p:cNvPr id="6" name="Afrundet rektangel 5"/>
-          <p:cNvSpPr/>
-          <p:nvPr/>
-        </p:nvSpPr>
-        <p:spPr>
-          <a:xfrm>
-            <a:off x="5168630" y="3136486"/>
-            <a:ext cx="1854740" cy="933854"/>
-          </a:xfrm>
-          <a:prstGeom prst="roundRect">
-            <a:avLst/>
-          </a:prstGeom>
-          <a:solidFill>
-            <a:srgbClr val="C00000"/>
-          </a:solidFill>
-        </p:spPr>
-        <p:style>
-          <a:lnRef idx="2">
-            <a:schemeClr val="accent1">
-              <a:shade val="50000"/>
-            </a:schemeClr>
-          </a:lnRef>
-          <a:fillRef idx="1">
-            <a:schemeClr val="accent1"/>
-          </a:fillRef>
-          <a:effectRef idx="0">
-            <a:schemeClr val="accent1"/>
-          </a:effectRef>
-          <a:fontRef idx="minor">
-            <a:schemeClr val="lt1"/>
-          </a:fontRef>
-        </p:style>
-        <p:txBody>
-          <a:bodyPr rtlCol="0" anchor="ctr"/>
-          <a:lstStyle/>
-          <a:p>
-            <a:pPr algn="ctr"/>
-            <a:r>
-              <a:rPr lang="da-DK" sz="4800" smtClean="0"/>
-              <a:t>Data</a:t>
-            </a:r>
-            <a:endParaRPr lang="da-DK" sz="4800"/>
-          </a:p>
-        </p:txBody>
-      </p:sp>
-      <p:sp>
-        <p:nvSpPr>
-          <p:cNvPr id="8" name="Afrundet rektangel 7"/>
-          <p:cNvSpPr/>
-          <p:nvPr/>
-        </p:nvSpPr>
-        <p:spPr>
-          <a:xfrm>
-            <a:off x="9798994" y="3142565"/>
-            <a:ext cx="1501302" cy="794982"/>
-          </a:xfrm>
-          <a:prstGeom prst="roundRect">
-            <a:avLst/>
-          </a:prstGeom>
-          <a:solidFill>
-            <a:schemeClr val="bg2">
-              <a:lumMod val="50000"/>
-            </a:schemeClr>
-          </a:solidFill>
-        </p:spPr>
-        <p:style>
-          <a:lnRef idx="2">
-            <a:schemeClr val="accent1">
-              <a:shade val="50000"/>
-            </a:schemeClr>
-          </a:lnRef>
-          <a:fillRef idx="1">
-            <a:schemeClr val="accent1"/>
-          </a:fillRef>
-          <a:effectRef idx="0">
-            <a:schemeClr val="accent1"/>
-          </a:effectRef>
-          <a:fontRef idx="minor">
-            <a:schemeClr val="lt1"/>
-          </a:fontRef>
-        </p:style>
-        <p:txBody>
-          <a:bodyPr rtlCol="0" anchor="ctr"/>
-          <a:lstStyle/>
-          <a:p>
-            <a:pPr algn="ctr"/>
-            <a:r>
-              <a:rPr lang="da-DK" sz="4000" smtClean="0"/>
-              <a:t>Task</a:t>
-            </a:r>
-            <a:endParaRPr lang="da-DK" sz="4000"/>
-          </a:p>
-        </p:txBody>
-      </p:sp>
-    </p:spTree>
-    <p:extLst>
-      <p:ext uri="{BB962C8B-B14F-4D97-AF65-F5344CB8AC3E}">
-        <p14:creationId xmlns:p14="http://schemas.microsoft.com/office/powerpoint/2010/main" val="951760711"/>
-      </p:ext>
-    </p:extLst>
-  </p:cSld>
-  <p:clrMapOvr>
-    <a:masterClrMapping/>
-  </p:clrMapOvr>
-  <p:timing>
-    <p:tnLst>
-      <p:par>
-        <p:cTn id="1" dur="indefinite" restart="never" nodeType="tmRoot"/>
-      </p:par>
-    </p:tnLst>
-  </p:timing>
-</p:sld>
-</file>
-
-<file path=ppt/slides/slide36.xml><?xml version="1.0" encoding="utf-8"?>
-<p:sld xmlns:a="http://schemas.openxmlformats.org/drawingml/2006/main" xmlns:r="http://schemas.openxmlformats.org/officeDocument/2006/relationships" xmlns:p="http://schemas.openxmlformats.org/presentationml/2006/main">
-  <p:cSld>
-    <p:spTree>
-      <p:nvGrpSpPr>
-        <p:cNvPr id="1" name=""/>
-        <p:cNvGrpSpPr/>
-        <p:nvPr/>
-      </p:nvGrpSpPr>
-      <p:grpSpPr>
-        <a:xfrm>
-          <a:off x="0" y="0"/>
-          <a:ext cx="0" cy="0"/>
-          <a:chOff x="0" y="0"/>
-          <a:chExt cx="0" cy="0"/>
-        </a:xfrm>
-      </p:grpSpPr>
-      <p:sp>
-        <p:nvSpPr>
-          <p:cNvPr id="5" name="Afrundet rektangel 4"/>
-          <p:cNvSpPr/>
-          <p:nvPr/>
-        </p:nvSpPr>
-        <p:spPr>
-          <a:xfrm>
-            <a:off x="891704" y="3136486"/>
-            <a:ext cx="1501302" cy="794982"/>
-          </a:xfrm>
-          <a:prstGeom prst="roundRect">
-            <a:avLst/>
-          </a:prstGeom>
-          <a:solidFill>
-            <a:schemeClr val="bg2">
-              <a:lumMod val="50000"/>
-            </a:schemeClr>
-          </a:solidFill>
-        </p:spPr>
-        <p:style>
-          <a:lnRef idx="2">
-            <a:schemeClr val="accent1">
-              <a:shade val="50000"/>
-            </a:schemeClr>
-          </a:lnRef>
-          <a:fillRef idx="1">
-            <a:schemeClr val="accent1"/>
-          </a:fillRef>
-          <a:effectRef idx="0">
-            <a:schemeClr val="accent1"/>
-          </a:effectRef>
-          <a:fontRef idx="minor">
-            <a:schemeClr val="lt1"/>
-          </a:fontRef>
-        </p:style>
-        <p:txBody>
-          <a:bodyPr rtlCol="0" anchor="ctr"/>
-          <a:lstStyle/>
-          <a:p>
-            <a:pPr algn="ctr"/>
-            <a:r>
-              <a:rPr lang="da-DK" sz="4000" smtClean="0"/>
-              <a:t>Task</a:t>
-            </a:r>
-            <a:endParaRPr lang="da-DK" sz="4000"/>
-          </a:p>
-        </p:txBody>
-      </p:sp>
-      <p:sp>
-        <p:nvSpPr>
-          <p:cNvPr id="6" name="Afrundet rektangel 5"/>
-          <p:cNvSpPr/>
-          <p:nvPr/>
-        </p:nvSpPr>
-        <p:spPr>
-          <a:xfrm>
-            <a:off x="5168630" y="3136486"/>
-            <a:ext cx="1854740" cy="933854"/>
-          </a:xfrm>
-          <a:prstGeom prst="roundRect">
-            <a:avLst/>
-          </a:prstGeom>
-          <a:solidFill>
-            <a:srgbClr val="C00000"/>
-          </a:solidFill>
-        </p:spPr>
-        <p:style>
-          <a:lnRef idx="2">
-            <a:schemeClr val="accent1">
-              <a:shade val="50000"/>
-            </a:schemeClr>
-          </a:lnRef>
-          <a:fillRef idx="1">
-            <a:schemeClr val="accent1"/>
-          </a:fillRef>
-          <a:effectRef idx="0">
-            <a:schemeClr val="accent1"/>
-          </a:effectRef>
-          <a:fontRef idx="minor">
-            <a:schemeClr val="lt1"/>
-          </a:fontRef>
-        </p:style>
-        <p:txBody>
-          <a:bodyPr rtlCol="0" anchor="ctr"/>
-          <a:lstStyle/>
-          <a:p>
-            <a:pPr algn="ctr"/>
-            <a:r>
-              <a:rPr lang="da-DK" sz="3600" smtClean="0"/>
-              <a:t>”(tom)”</a:t>
-            </a:r>
-            <a:endParaRPr lang="da-DK" sz="3600"/>
-          </a:p>
-        </p:txBody>
-      </p:sp>
-      <p:sp>
-        <p:nvSpPr>
-          <p:cNvPr id="8" name="Afrundet rektangel 7"/>
-          <p:cNvSpPr/>
-          <p:nvPr/>
-        </p:nvSpPr>
-        <p:spPr>
-          <a:xfrm>
-            <a:off x="9798994" y="3142565"/>
-            <a:ext cx="1501302" cy="794982"/>
-          </a:xfrm>
-          <a:prstGeom prst="roundRect">
-            <a:avLst/>
-          </a:prstGeom>
-          <a:solidFill>
-            <a:schemeClr val="bg2">
-              <a:lumMod val="50000"/>
-            </a:schemeClr>
-          </a:solidFill>
-        </p:spPr>
-        <p:style>
-          <a:lnRef idx="2">
-            <a:schemeClr val="accent1">
-              <a:shade val="50000"/>
-            </a:schemeClr>
-          </a:lnRef>
-          <a:fillRef idx="1">
-            <a:schemeClr val="accent1"/>
-          </a:fillRef>
-          <a:effectRef idx="0">
-            <a:schemeClr val="accent1"/>
-          </a:effectRef>
-          <a:fontRef idx="minor">
-            <a:schemeClr val="lt1"/>
-          </a:fontRef>
-        </p:style>
-        <p:txBody>
-          <a:bodyPr rtlCol="0" anchor="ctr"/>
-          <a:lstStyle/>
-          <a:p>
-            <a:pPr algn="ctr"/>
-            <a:r>
-              <a:rPr lang="da-DK" sz="4000" smtClean="0"/>
-              <a:t>Task</a:t>
-            </a:r>
-            <a:endParaRPr lang="da-DK" sz="4000"/>
-          </a:p>
-        </p:txBody>
-      </p:sp>
-    </p:spTree>
-    <p:extLst>
-      <p:ext uri="{BB962C8B-B14F-4D97-AF65-F5344CB8AC3E}">
-        <p14:creationId xmlns:p14="http://schemas.microsoft.com/office/powerpoint/2010/main" val="2773615195"/>
-      </p:ext>
-    </p:extLst>
-  </p:cSld>
-  <p:clrMapOvr>
-    <a:masterClrMapping/>
-  </p:clrMapOvr>
-  <mc:AlternateContent xmlns:mc="http://schemas.openxmlformats.org/markup-compatibility/2006">
-    <mc:Choice xmlns:p14="http://schemas.microsoft.com/office/powerpoint/2010/main" Requires="p14">
-      <p:transition spd="med" p14:dur="700">
-        <p:fade/>
-      </p:transition>
-    </mc:Choice>
-    <mc:Fallback>
-      <p:transition spd="med">
-        <p:fade/>
-      </p:transition>
-    </mc:Fallback>
-  </mc:AlternateContent>
-  <p:timing>
-    <p:tnLst>
-      <p:par>
-        <p:cTn id="1" dur="indefinite" restart="never" nodeType="tmRoot"/>
-      </p:par>
-    </p:tnLst>
-  </p:timing>
-</p:sld>
-</file>
-
-<file path=ppt/slides/slide37.xml><?xml version="1.0" encoding="utf-8"?>
-<p:sld xmlns:a="http://schemas.openxmlformats.org/drawingml/2006/main" xmlns:r="http://schemas.openxmlformats.org/officeDocument/2006/relationships" xmlns:p="http://schemas.openxmlformats.org/presentationml/2006/main">
-  <p:cSld>
-    <p:spTree>
-      <p:nvGrpSpPr>
-        <p:cNvPr id="1" name=""/>
-        <p:cNvGrpSpPr/>
-        <p:nvPr/>
-      </p:nvGrpSpPr>
-      <p:grpSpPr>
-        <a:xfrm>
-          <a:off x="0" y="0"/>
-          <a:ext cx="0" cy="0"/>
-          <a:chOff x="0" y="0"/>
-          <a:chExt cx="0" cy="0"/>
-        </a:xfrm>
-      </p:grpSpPr>
-      <p:sp>
-        <p:nvSpPr>
-          <p:cNvPr id="5" name="Afrundet rektangel 4"/>
-          <p:cNvSpPr/>
-          <p:nvPr/>
-        </p:nvSpPr>
-        <p:spPr>
-          <a:xfrm>
-            <a:off x="891704" y="3136486"/>
-            <a:ext cx="1501302" cy="794982"/>
-          </a:xfrm>
-          <a:prstGeom prst="roundRect">
-            <a:avLst/>
-          </a:prstGeom>
-          <a:solidFill>
-            <a:schemeClr val="bg2">
-              <a:lumMod val="50000"/>
-            </a:schemeClr>
-          </a:solidFill>
-        </p:spPr>
-        <p:style>
-          <a:lnRef idx="2">
-            <a:schemeClr val="accent1">
-              <a:shade val="50000"/>
-            </a:schemeClr>
-          </a:lnRef>
-          <a:fillRef idx="1">
-            <a:schemeClr val="accent1"/>
-          </a:fillRef>
-          <a:effectRef idx="0">
-            <a:schemeClr val="accent1"/>
-          </a:effectRef>
-          <a:fontRef idx="minor">
-            <a:schemeClr val="lt1"/>
-          </a:fontRef>
-        </p:style>
-        <p:txBody>
-          <a:bodyPr rtlCol="0" anchor="ctr"/>
-          <a:lstStyle/>
-          <a:p>
-            <a:pPr algn="ctr"/>
-            <a:r>
-              <a:rPr lang="da-DK" sz="4000" smtClean="0"/>
-              <a:t>Task</a:t>
-            </a:r>
-            <a:endParaRPr lang="da-DK" sz="4000"/>
-          </a:p>
-        </p:txBody>
-      </p:sp>
-      <p:sp>
-        <p:nvSpPr>
-          <p:cNvPr id="6" name="Afrundet rektangel 5"/>
-          <p:cNvSpPr/>
-          <p:nvPr/>
-        </p:nvSpPr>
-        <p:spPr>
-          <a:xfrm>
-            <a:off x="5168630" y="3136486"/>
-            <a:ext cx="1854740" cy="933854"/>
-          </a:xfrm>
-          <a:prstGeom prst="roundRect">
-            <a:avLst/>
-          </a:prstGeom>
-          <a:solidFill>
-            <a:srgbClr val="C00000"/>
-          </a:solidFill>
-        </p:spPr>
-        <p:style>
-          <a:lnRef idx="2">
-            <a:schemeClr val="accent1">
-              <a:shade val="50000"/>
-            </a:schemeClr>
-          </a:lnRef>
-          <a:fillRef idx="1">
-            <a:schemeClr val="accent1"/>
-          </a:fillRef>
-          <a:effectRef idx="0">
-            <a:schemeClr val="accent1"/>
-          </a:effectRef>
-          <a:fontRef idx="minor">
-            <a:schemeClr val="lt1"/>
-          </a:fontRef>
-        </p:style>
-        <p:txBody>
-          <a:bodyPr rtlCol="0" anchor="ctr"/>
-          <a:lstStyle/>
-          <a:p>
-            <a:pPr algn="ctr"/>
-            <a:r>
-              <a:rPr lang="da-DK" sz="3600" smtClean="0"/>
-              <a:t>”(tom)”</a:t>
-            </a:r>
-            <a:endParaRPr lang="da-DK" sz="3600"/>
-          </a:p>
-        </p:txBody>
-      </p:sp>
-      <p:sp>
-        <p:nvSpPr>
-          <p:cNvPr id="8" name="Afrundet rektangel 7"/>
-          <p:cNvSpPr/>
-          <p:nvPr/>
-        </p:nvSpPr>
-        <p:spPr>
-          <a:xfrm>
-            <a:off x="9798994" y="3142565"/>
-            <a:ext cx="1501302" cy="794982"/>
-          </a:xfrm>
-          <a:prstGeom prst="roundRect">
-            <a:avLst/>
-          </a:prstGeom>
-          <a:solidFill>
-            <a:schemeClr val="bg2">
-              <a:lumMod val="50000"/>
-            </a:schemeClr>
-          </a:solidFill>
-        </p:spPr>
-        <p:style>
-          <a:lnRef idx="2">
-            <a:schemeClr val="accent1">
-              <a:shade val="50000"/>
-            </a:schemeClr>
-          </a:lnRef>
-          <a:fillRef idx="1">
-            <a:schemeClr val="accent1"/>
-          </a:fillRef>
-          <a:effectRef idx="0">
-            <a:schemeClr val="accent1"/>
-          </a:effectRef>
-          <a:fontRef idx="minor">
-            <a:schemeClr val="lt1"/>
-          </a:fontRef>
-        </p:style>
-        <p:txBody>
-          <a:bodyPr rtlCol="0" anchor="ctr"/>
-          <a:lstStyle/>
-          <a:p>
-            <a:pPr algn="ctr"/>
-            <a:r>
-              <a:rPr lang="da-DK" sz="4000" smtClean="0"/>
-              <a:t>Task</a:t>
-            </a:r>
-            <a:endParaRPr lang="da-DK" sz="4000"/>
-          </a:p>
-        </p:txBody>
-      </p:sp>
-      <p:sp>
-        <p:nvSpPr>
-          <p:cNvPr id="4" name="Højrepil 3"/>
-          <p:cNvSpPr/>
-          <p:nvPr/>
-        </p:nvSpPr>
-        <p:spPr>
-          <a:xfrm>
-            <a:off x="2795081" y="3136486"/>
-            <a:ext cx="2120630" cy="929676"/>
-          </a:xfrm>
-          <a:prstGeom prst="rightArrow">
-            <a:avLst/>
-          </a:prstGeom>
-        </p:spPr>
-        <p:style>
-          <a:lnRef idx="2">
-            <a:schemeClr val="accent1">
-              <a:shade val="50000"/>
-            </a:schemeClr>
-          </a:lnRef>
-          <a:fillRef idx="1">
-            <a:schemeClr val="accent1"/>
-          </a:fillRef>
-          <a:effectRef idx="0">
-            <a:schemeClr val="accent1"/>
-          </a:effectRef>
-          <a:fontRef idx="minor">
-            <a:schemeClr val="lt1"/>
-          </a:fontRef>
-        </p:style>
-        <p:txBody>
-          <a:bodyPr rtlCol="0" anchor="ctr"/>
-          <a:lstStyle/>
-          <a:p>
-            <a:pPr algn="ctr"/>
-            <a:r>
-              <a:rPr lang="da-DK" sz="2800" smtClean="0"/>
-              <a:t>”Jan”</a:t>
-            </a:r>
-            <a:endParaRPr lang="da-DK" sz="2800"/>
-          </a:p>
-        </p:txBody>
-      </p:sp>
-    </p:spTree>
-    <p:extLst>
-      <p:ext uri="{BB962C8B-B14F-4D97-AF65-F5344CB8AC3E}">
-        <p14:creationId xmlns:p14="http://schemas.microsoft.com/office/powerpoint/2010/main" val="4139093499"/>
-      </p:ext>
-    </p:extLst>
-  </p:cSld>
-  <p:clrMapOvr>
-    <a:masterClrMapping/>
-  </p:clrMapOvr>
-  <mc:AlternateContent xmlns:mc="http://schemas.openxmlformats.org/markup-compatibility/2006">
-    <mc:Choice xmlns:p14="http://schemas.microsoft.com/office/powerpoint/2010/main" Requires="p14">
-      <p:transition spd="med" p14:dur="700">
-        <p:fade/>
-      </p:transition>
-    </mc:Choice>
-    <mc:Fallback>
-      <p:transition spd="med">
-        <p:fade/>
-      </p:transition>
-    </mc:Fallback>
-  </mc:AlternateContent>
-  <p:timing>
-    <p:tnLst>
-      <p:par>
-        <p:cTn id="1" dur="indefinite" restart="never" nodeType="tmRoot"/>
-      </p:par>
-    </p:tnLst>
-  </p:timing>
-</p:sld>
-</file>
-
-<file path=ppt/slides/slide38.xml><?xml version="1.0" encoding="utf-8"?>
-<p:sld xmlns:a="http://schemas.openxmlformats.org/drawingml/2006/main" xmlns:r="http://schemas.openxmlformats.org/officeDocument/2006/relationships" xmlns:p="http://schemas.openxmlformats.org/presentationml/2006/main">
-  <p:cSld>
-    <p:spTree>
-      <p:nvGrpSpPr>
-        <p:cNvPr id="1" name=""/>
-        <p:cNvGrpSpPr/>
-        <p:nvPr/>
-      </p:nvGrpSpPr>
-      <p:grpSpPr>
-        <a:xfrm>
-          <a:off x="0" y="0"/>
-          <a:ext cx="0" cy="0"/>
-          <a:chOff x="0" y="0"/>
-          <a:chExt cx="0" cy="0"/>
-        </a:xfrm>
-      </p:grpSpPr>
-      <p:sp>
-        <p:nvSpPr>
-          <p:cNvPr id="5" name="Afrundet rektangel 4"/>
-          <p:cNvSpPr/>
-          <p:nvPr/>
-        </p:nvSpPr>
-        <p:spPr>
-          <a:xfrm>
-            <a:off x="891704" y="3136486"/>
-            <a:ext cx="1501302" cy="794982"/>
-          </a:xfrm>
-          <a:prstGeom prst="roundRect">
-            <a:avLst/>
-          </a:prstGeom>
-          <a:solidFill>
-            <a:schemeClr val="bg2">
-              <a:lumMod val="50000"/>
-            </a:schemeClr>
-          </a:solidFill>
-        </p:spPr>
-        <p:style>
-          <a:lnRef idx="2">
-            <a:schemeClr val="accent1">
-              <a:shade val="50000"/>
-            </a:schemeClr>
-          </a:lnRef>
-          <a:fillRef idx="1">
-            <a:schemeClr val="accent1"/>
-          </a:fillRef>
-          <a:effectRef idx="0">
-            <a:schemeClr val="accent1"/>
-          </a:effectRef>
-          <a:fontRef idx="minor">
-            <a:schemeClr val="lt1"/>
-          </a:fontRef>
-        </p:style>
-        <p:txBody>
-          <a:bodyPr rtlCol="0" anchor="ctr"/>
-          <a:lstStyle/>
-          <a:p>
-            <a:pPr algn="ctr"/>
-            <a:r>
-              <a:rPr lang="da-DK" sz="4000" smtClean="0"/>
-              <a:t>Task</a:t>
-            </a:r>
-            <a:endParaRPr lang="da-DK" sz="4000"/>
-          </a:p>
-        </p:txBody>
-      </p:sp>
-      <p:sp>
-        <p:nvSpPr>
-          <p:cNvPr id="6" name="Afrundet rektangel 5"/>
-          <p:cNvSpPr/>
-          <p:nvPr/>
-        </p:nvSpPr>
-        <p:spPr>
-          <a:xfrm>
-            <a:off x="5168630" y="3136486"/>
-            <a:ext cx="1854740" cy="933854"/>
-          </a:xfrm>
-          <a:prstGeom prst="roundRect">
-            <a:avLst/>
-          </a:prstGeom>
-          <a:solidFill>
-            <a:srgbClr val="C00000"/>
-          </a:solidFill>
-        </p:spPr>
-        <p:style>
-          <a:lnRef idx="2">
-            <a:schemeClr val="accent1">
-              <a:shade val="50000"/>
-            </a:schemeClr>
-          </a:lnRef>
-          <a:fillRef idx="1">
-            <a:schemeClr val="accent1"/>
-          </a:fillRef>
-          <a:effectRef idx="0">
-            <a:schemeClr val="accent1"/>
-          </a:effectRef>
-          <a:fontRef idx="minor">
-            <a:schemeClr val="lt1"/>
-          </a:fontRef>
-        </p:style>
-        <p:txBody>
-          <a:bodyPr rtlCol="0" anchor="ctr"/>
-          <a:lstStyle/>
-          <a:p>
-            <a:pPr algn="ctr"/>
-            <a:r>
-              <a:rPr lang="da-DK" sz="3600" smtClean="0"/>
-              <a:t>”Jan”</a:t>
-            </a:r>
-            <a:endParaRPr lang="da-DK" sz="3600"/>
-          </a:p>
-        </p:txBody>
-      </p:sp>
-      <p:sp>
-        <p:nvSpPr>
-          <p:cNvPr id="8" name="Afrundet rektangel 7"/>
-          <p:cNvSpPr/>
-          <p:nvPr/>
-        </p:nvSpPr>
-        <p:spPr>
-          <a:xfrm>
-            <a:off x="9798994" y="3142565"/>
-            <a:ext cx="1501302" cy="794982"/>
-          </a:xfrm>
-          <a:prstGeom prst="roundRect">
-            <a:avLst/>
-          </a:prstGeom>
-          <a:solidFill>
-            <a:schemeClr val="bg2">
-              <a:lumMod val="50000"/>
-            </a:schemeClr>
-          </a:solidFill>
-        </p:spPr>
-        <p:style>
-          <a:lnRef idx="2">
-            <a:schemeClr val="accent1">
-              <a:shade val="50000"/>
-            </a:schemeClr>
-          </a:lnRef>
-          <a:fillRef idx="1">
-            <a:schemeClr val="accent1"/>
-          </a:fillRef>
-          <a:effectRef idx="0">
-            <a:schemeClr val="accent1"/>
-          </a:effectRef>
-          <a:fontRef idx="minor">
-            <a:schemeClr val="lt1"/>
-          </a:fontRef>
-        </p:style>
-        <p:txBody>
-          <a:bodyPr rtlCol="0" anchor="ctr"/>
-          <a:lstStyle/>
-          <a:p>
-            <a:pPr algn="ctr"/>
-            <a:r>
-              <a:rPr lang="da-DK" sz="4000" smtClean="0"/>
-              <a:t>Task</a:t>
-            </a:r>
-            <a:endParaRPr lang="da-DK" sz="4000"/>
-          </a:p>
-        </p:txBody>
-      </p:sp>
-      <p:sp>
-        <p:nvSpPr>
-          <p:cNvPr id="4" name="Højrepil 3"/>
-          <p:cNvSpPr/>
-          <p:nvPr/>
-        </p:nvSpPr>
-        <p:spPr>
-          <a:xfrm>
-            <a:off x="2795081" y="3136486"/>
-            <a:ext cx="2120630" cy="929676"/>
-          </a:xfrm>
-          <a:prstGeom prst="rightArrow">
-            <a:avLst/>
-          </a:prstGeom>
-        </p:spPr>
-        <p:style>
-          <a:lnRef idx="2">
-            <a:schemeClr val="accent1">
-              <a:shade val="50000"/>
-            </a:schemeClr>
-          </a:lnRef>
-          <a:fillRef idx="1">
-            <a:schemeClr val="accent1"/>
-          </a:fillRef>
-          <a:effectRef idx="0">
-            <a:schemeClr val="accent1"/>
-          </a:effectRef>
-          <a:fontRef idx="minor">
-            <a:schemeClr val="lt1"/>
-          </a:fontRef>
-        </p:style>
-        <p:txBody>
-          <a:bodyPr rtlCol="0" anchor="ctr"/>
-          <a:lstStyle/>
-          <a:p>
-            <a:pPr algn="ctr"/>
-            <a:r>
-              <a:rPr lang="da-DK" sz="2800" smtClean="0"/>
-              <a:t>”Jan”</a:t>
-            </a:r>
-            <a:endParaRPr lang="da-DK" sz="2800"/>
-          </a:p>
-        </p:txBody>
-      </p:sp>
-    </p:spTree>
-    <p:extLst>
-      <p:ext uri="{BB962C8B-B14F-4D97-AF65-F5344CB8AC3E}">
-        <p14:creationId xmlns:p14="http://schemas.microsoft.com/office/powerpoint/2010/main" val="2464017334"/>
-      </p:ext>
-    </p:extLst>
-  </p:cSld>
-  <p:clrMapOvr>
-    <a:masterClrMapping/>
-  </p:clrMapOvr>
-  <mc:AlternateContent xmlns:mc="http://schemas.openxmlformats.org/markup-compatibility/2006">
-    <mc:Choice xmlns:p14="http://schemas.microsoft.com/office/powerpoint/2010/main" Requires="p14">
-      <p:transition spd="med" p14:dur="700">
-        <p:fade/>
-      </p:transition>
-    </mc:Choice>
-    <mc:Fallback>
-      <p:transition spd="med">
-        <p:fade/>
-      </p:transition>
-    </mc:Fallback>
-  </mc:AlternateContent>
-  <p:timing>
-    <p:tnLst>
-      <p:par>
-        <p:cTn id="1" dur="indefinite" restart="never" nodeType="tmRoot"/>
-      </p:par>
-    </p:tnLst>
-  </p:timing>
-</p:sld>
-</file>
-
-<file path=ppt/slides/slide39.xml><?xml version="1.0" encoding="utf-8"?>
-<p:sld xmlns:a="http://schemas.openxmlformats.org/drawingml/2006/main" xmlns:r="http://schemas.openxmlformats.org/officeDocument/2006/relationships" xmlns:p="http://schemas.openxmlformats.org/presentationml/2006/main">
-  <p:cSld>
-    <p:spTree>
-      <p:nvGrpSpPr>
-        <p:cNvPr id="1" name=""/>
-        <p:cNvGrpSpPr/>
-        <p:nvPr/>
-      </p:nvGrpSpPr>
-      <p:grpSpPr>
-        <a:xfrm>
-          <a:off x="0" y="0"/>
-          <a:ext cx="0" cy="0"/>
-          <a:chOff x="0" y="0"/>
-          <a:chExt cx="0" cy="0"/>
-        </a:xfrm>
-      </p:grpSpPr>
-      <p:sp>
-        <p:nvSpPr>
-          <p:cNvPr id="5" name="Afrundet rektangel 4"/>
-          <p:cNvSpPr/>
-          <p:nvPr/>
-        </p:nvSpPr>
-        <p:spPr>
-          <a:xfrm>
-            <a:off x="891704" y="3136486"/>
-            <a:ext cx="1501302" cy="794982"/>
-          </a:xfrm>
-          <a:prstGeom prst="roundRect">
-            <a:avLst/>
-          </a:prstGeom>
-          <a:solidFill>
-            <a:schemeClr val="bg2">
-              <a:lumMod val="50000"/>
-            </a:schemeClr>
-          </a:solidFill>
-        </p:spPr>
-        <p:style>
-          <a:lnRef idx="2">
-            <a:schemeClr val="accent1">
-              <a:shade val="50000"/>
-            </a:schemeClr>
-          </a:lnRef>
-          <a:fillRef idx="1">
-            <a:schemeClr val="accent1"/>
-          </a:fillRef>
-          <a:effectRef idx="0">
-            <a:schemeClr val="accent1"/>
-          </a:effectRef>
-          <a:fontRef idx="minor">
-            <a:schemeClr val="lt1"/>
-          </a:fontRef>
-        </p:style>
-        <p:txBody>
-          <a:bodyPr rtlCol="0" anchor="ctr"/>
-          <a:lstStyle/>
-          <a:p>
-            <a:pPr algn="ctr"/>
-            <a:r>
-              <a:rPr lang="da-DK" sz="4000" smtClean="0"/>
-              <a:t>Task</a:t>
-            </a:r>
-            <a:endParaRPr lang="da-DK" sz="4000"/>
-          </a:p>
-        </p:txBody>
-      </p:sp>
-      <p:sp>
-        <p:nvSpPr>
-          <p:cNvPr id="6" name="Afrundet rektangel 5"/>
-          <p:cNvSpPr/>
-          <p:nvPr/>
-        </p:nvSpPr>
-        <p:spPr>
-          <a:xfrm>
-            <a:off x="5168630" y="3136486"/>
-            <a:ext cx="1854740" cy="933854"/>
-          </a:xfrm>
-          <a:prstGeom prst="roundRect">
-            <a:avLst/>
-          </a:prstGeom>
-          <a:solidFill>
-            <a:srgbClr val="C00000"/>
-          </a:solidFill>
-        </p:spPr>
-        <p:style>
-          <a:lnRef idx="2">
-            <a:schemeClr val="accent1">
-              <a:shade val="50000"/>
-            </a:schemeClr>
-          </a:lnRef>
-          <a:fillRef idx="1">
-            <a:schemeClr val="accent1"/>
-          </a:fillRef>
-          <a:effectRef idx="0">
-            <a:schemeClr val="accent1"/>
-          </a:effectRef>
-          <a:fontRef idx="minor">
-            <a:schemeClr val="lt1"/>
-          </a:fontRef>
-        </p:style>
-        <p:txBody>
-          <a:bodyPr rtlCol="0" anchor="ctr"/>
-          <a:lstStyle/>
-          <a:p>
-            <a:pPr algn="ctr"/>
-            <a:r>
-              <a:rPr lang="da-DK" sz="3600" smtClean="0"/>
-              <a:t>”Jan”</a:t>
-            </a:r>
-            <a:endParaRPr lang="da-DK" sz="3600"/>
-          </a:p>
-        </p:txBody>
-      </p:sp>
-      <p:sp>
-        <p:nvSpPr>
-          <p:cNvPr id="8" name="Afrundet rektangel 7"/>
-          <p:cNvSpPr/>
-          <p:nvPr/>
-        </p:nvSpPr>
-        <p:spPr>
-          <a:xfrm>
-            <a:off x="9798994" y="3142565"/>
-            <a:ext cx="1501302" cy="794982"/>
-          </a:xfrm>
-          <a:prstGeom prst="roundRect">
-            <a:avLst/>
-          </a:prstGeom>
-          <a:solidFill>
-            <a:schemeClr val="bg2">
-              <a:lumMod val="50000"/>
-            </a:schemeClr>
-          </a:solidFill>
-        </p:spPr>
-        <p:style>
-          <a:lnRef idx="2">
-            <a:schemeClr val="accent1">
-              <a:shade val="50000"/>
-            </a:schemeClr>
-          </a:lnRef>
-          <a:fillRef idx="1">
-            <a:schemeClr val="accent1"/>
-          </a:fillRef>
-          <a:effectRef idx="0">
-            <a:schemeClr val="accent1"/>
-          </a:effectRef>
-          <a:fontRef idx="minor">
-            <a:schemeClr val="lt1"/>
-          </a:fontRef>
-        </p:style>
-        <p:txBody>
-          <a:bodyPr rtlCol="0" anchor="ctr"/>
-          <a:lstStyle/>
-          <a:p>
-            <a:pPr algn="ctr"/>
-            <a:r>
-              <a:rPr lang="da-DK" sz="4000" smtClean="0"/>
-              <a:t>Task</a:t>
-            </a:r>
-            <a:endParaRPr lang="da-DK" sz="4000"/>
-          </a:p>
-        </p:txBody>
-      </p:sp>
-      <p:sp>
-        <p:nvSpPr>
-          <p:cNvPr id="4" name="Højrepil 3"/>
-          <p:cNvSpPr/>
-          <p:nvPr/>
-        </p:nvSpPr>
-        <p:spPr>
-          <a:xfrm>
-            <a:off x="2795081" y="3136486"/>
-            <a:ext cx="2120630" cy="929676"/>
-          </a:xfrm>
-          <a:prstGeom prst="rightArrow">
-            <a:avLst/>
-          </a:prstGeom>
-        </p:spPr>
-        <p:style>
-          <a:lnRef idx="2">
-            <a:schemeClr val="accent1">
-              <a:shade val="50000"/>
-            </a:schemeClr>
-          </a:lnRef>
-          <a:fillRef idx="1">
-            <a:schemeClr val="accent1"/>
-          </a:fillRef>
-          <a:effectRef idx="0">
-            <a:schemeClr val="accent1"/>
-          </a:effectRef>
-          <a:fontRef idx="minor">
-            <a:schemeClr val="lt1"/>
-          </a:fontRef>
-        </p:style>
-        <p:txBody>
-          <a:bodyPr rtlCol="0" anchor="ctr"/>
-          <a:lstStyle/>
-          <a:p>
-            <a:pPr algn="ctr"/>
-            <a:r>
-              <a:rPr lang="da-DK" sz="2800" smtClean="0"/>
-              <a:t>”Jim”</a:t>
-            </a:r>
-            <a:endParaRPr lang="da-DK" sz="2800"/>
-          </a:p>
-        </p:txBody>
-      </p:sp>
-    </p:spTree>
-    <p:extLst>
-      <p:ext uri="{BB962C8B-B14F-4D97-AF65-F5344CB8AC3E}">
-        <p14:creationId xmlns:p14="http://schemas.microsoft.com/office/powerpoint/2010/main" val="1569710035"/>
-      </p:ext>
-    </p:extLst>
-  </p:cSld>
-  <p:clrMapOvr>
-    <a:masterClrMapping/>
-  </p:clrMapOvr>
-  <mc:AlternateContent xmlns:mc="http://schemas.openxmlformats.org/markup-compatibility/2006">
-    <mc:Choice xmlns:p14="http://schemas.microsoft.com/office/powerpoint/2010/main" Requires="p14">
-      <p:transition spd="med" p14:dur="700">
-        <p:fade/>
-      </p:transition>
-    </mc:Choice>
-    <mc:Fallback>
-      <p:transition spd="med">
-        <p:fade/>
-      </p:transition>
-    </mc:Fallback>
-  </mc:AlternateContent>
   <p:timing>
     <p:tnLst>
       <p:par>
@@ -15740,3076 +14594,6 @@
     <mc:Fallback xmlns="">
       <p:transition>
         <p:cut/>
-      </p:transition>
-    </mc:Fallback>
-  </mc:AlternateContent>
-  <p:timing>
-    <p:tnLst>
-      <p:par>
-        <p:cTn id="1" dur="indefinite" restart="never" nodeType="tmRoot"/>
-      </p:par>
-    </p:tnLst>
-  </p:timing>
-</p:sld>
-</file>
-
-<file path=ppt/slides/slide40.xml><?xml version="1.0" encoding="utf-8"?>
-<p:sld xmlns:a="http://schemas.openxmlformats.org/drawingml/2006/main" xmlns:r="http://schemas.openxmlformats.org/officeDocument/2006/relationships" xmlns:p="http://schemas.openxmlformats.org/presentationml/2006/main">
-  <p:cSld>
-    <p:spTree>
-      <p:nvGrpSpPr>
-        <p:cNvPr id="1" name=""/>
-        <p:cNvGrpSpPr/>
-        <p:nvPr/>
-      </p:nvGrpSpPr>
-      <p:grpSpPr>
-        <a:xfrm>
-          <a:off x="0" y="0"/>
-          <a:ext cx="0" cy="0"/>
-          <a:chOff x="0" y="0"/>
-          <a:chExt cx="0" cy="0"/>
-        </a:xfrm>
-      </p:grpSpPr>
-      <p:sp>
-        <p:nvSpPr>
-          <p:cNvPr id="5" name="Afrundet rektangel 4"/>
-          <p:cNvSpPr/>
-          <p:nvPr/>
-        </p:nvSpPr>
-        <p:spPr>
-          <a:xfrm>
-            <a:off x="891704" y="3136486"/>
-            <a:ext cx="1501302" cy="794982"/>
-          </a:xfrm>
-          <a:prstGeom prst="roundRect">
-            <a:avLst/>
-          </a:prstGeom>
-          <a:solidFill>
-            <a:schemeClr val="bg2">
-              <a:lumMod val="50000"/>
-            </a:schemeClr>
-          </a:solidFill>
-        </p:spPr>
-        <p:style>
-          <a:lnRef idx="2">
-            <a:schemeClr val="accent1">
-              <a:shade val="50000"/>
-            </a:schemeClr>
-          </a:lnRef>
-          <a:fillRef idx="1">
-            <a:schemeClr val="accent1"/>
-          </a:fillRef>
-          <a:effectRef idx="0">
-            <a:schemeClr val="accent1"/>
-          </a:effectRef>
-          <a:fontRef idx="minor">
-            <a:schemeClr val="lt1"/>
-          </a:fontRef>
-        </p:style>
-        <p:txBody>
-          <a:bodyPr rtlCol="0" anchor="ctr"/>
-          <a:lstStyle/>
-          <a:p>
-            <a:pPr algn="ctr"/>
-            <a:r>
-              <a:rPr lang="da-DK" sz="4000" smtClean="0"/>
-              <a:t>Task</a:t>
-            </a:r>
-            <a:endParaRPr lang="da-DK" sz="4000"/>
-          </a:p>
-        </p:txBody>
-      </p:sp>
-      <p:sp>
-        <p:nvSpPr>
-          <p:cNvPr id="6" name="Afrundet rektangel 5"/>
-          <p:cNvSpPr/>
-          <p:nvPr/>
-        </p:nvSpPr>
-        <p:spPr>
-          <a:xfrm>
-            <a:off x="5168630" y="3136486"/>
-            <a:ext cx="1854740" cy="933854"/>
-          </a:xfrm>
-          <a:prstGeom prst="roundRect">
-            <a:avLst/>
-          </a:prstGeom>
-          <a:solidFill>
-            <a:srgbClr val="C00000"/>
-          </a:solidFill>
-        </p:spPr>
-        <p:style>
-          <a:lnRef idx="2">
-            <a:schemeClr val="accent1">
-              <a:shade val="50000"/>
-            </a:schemeClr>
-          </a:lnRef>
-          <a:fillRef idx="1">
-            <a:schemeClr val="accent1"/>
-          </a:fillRef>
-          <a:effectRef idx="0">
-            <a:schemeClr val="accent1"/>
-          </a:effectRef>
-          <a:fontRef idx="minor">
-            <a:schemeClr val="lt1"/>
-          </a:fontRef>
-        </p:style>
-        <p:txBody>
-          <a:bodyPr rtlCol="0" anchor="ctr"/>
-          <a:lstStyle/>
-          <a:p>
-            <a:pPr algn="ctr"/>
-            <a:r>
-              <a:rPr lang="da-DK" sz="3600" smtClean="0"/>
-              <a:t>”Jim”</a:t>
-            </a:r>
-            <a:endParaRPr lang="da-DK" sz="3600"/>
-          </a:p>
-        </p:txBody>
-      </p:sp>
-      <p:sp>
-        <p:nvSpPr>
-          <p:cNvPr id="8" name="Afrundet rektangel 7"/>
-          <p:cNvSpPr/>
-          <p:nvPr/>
-        </p:nvSpPr>
-        <p:spPr>
-          <a:xfrm>
-            <a:off x="9798994" y="3142565"/>
-            <a:ext cx="1501302" cy="794982"/>
-          </a:xfrm>
-          <a:prstGeom prst="roundRect">
-            <a:avLst/>
-          </a:prstGeom>
-          <a:solidFill>
-            <a:schemeClr val="bg2">
-              <a:lumMod val="50000"/>
-            </a:schemeClr>
-          </a:solidFill>
-        </p:spPr>
-        <p:style>
-          <a:lnRef idx="2">
-            <a:schemeClr val="accent1">
-              <a:shade val="50000"/>
-            </a:schemeClr>
-          </a:lnRef>
-          <a:fillRef idx="1">
-            <a:schemeClr val="accent1"/>
-          </a:fillRef>
-          <a:effectRef idx="0">
-            <a:schemeClr val="accent1"/>
-          </a:effectRef>
-          <a:fontRef idx="minor">
-            <a:schemeClr val="lt1"/>
-          </a:fontRef>
-        </p:style>
-        <p:txBody>
-          <a:bodyPr rtlCol="0" anchor="ctr"/>
-          <a:lstStyle/>
-          <a:p>
-            <a:pPr algn="ctr"/>
-            <a:r>
-              <a:rPr lang="da-DK" sz="4000" smtClean="0"/>
-              <a:t>Task</a:t>
-            </a:r>
-            <a:endParaRPr lang="da-DK" sz="4000"/>
-          </a:p>
-        </p:txBody>
-      </p:sp>
-      <p:sp>
-        <p:nvSpPr>
-          <p:cNvPr id="4" name="Højrepil 3"/>
-          <p:cNvSpPr/>
-          <p:nvPr/>
-        </p:nvSpPr>
-        <p:spPr>
-          <a:xfrm>
-            <a:off x="2795081" y="3136486"/>
-            <a:ext cx="2120630" cy="929676"/>
-          </a:xfrm>
-          <a:prstGeom prst="rightArrow">
-            <a:avLst/>
-          </a:prstGeom>
-        </p:spPr>
-        <p:style>
-          <a:lnRef idx="2">
-            <a:schemeClr val="accent1">
-              <a:shade val="50000"/>
-            </a:schemeClr>
-          </a:lnRef>
-          <a:fillRef idx="1">
-            <a:schemeClr val="accent1"/>
-          </a:fillRef>
-          <a:effectRef idx="0">
-            <a:schemeClr val="accent1"/>
-          </a:effectRef>
-          <a:fontRef idx="minor">
-            <a:schemeClr val="lt1"/>
-          </a:fontRef>
-        </p:style>
-        <p:txBody>
-          <a:bodyPr rtlCol="0" anchor="ctr"/>
-          <a:lstStyle/>
-          <a:p>
-            <a:pPr algn="ctr"/>
-            <a:r>
-              <a:rPr lang="da-DK" sz="2800" smtClean="0"/>
-              <a:t>”Jim”</a:t>
-            </a:r>
-            <a:endParaRPr lang="da-DK" sz="2800"/>
-          </a:p>
-        </p:txBody>
-      </p:sp>
-    </p:spTree>
-    <p:extLst>
-      <p:ext uri="{BB962C8B-B14F-4D97-AF65-F5344CB8AC3E}">
-        <p14:creationId xmlns:p14="http://schemas.microsoft.com/office/powerpoint/2010/main" val="1719595419"/>
-      </p:ext>
-    </p:extLst>
-  </p:cSld>
-  <p:clrMapOvr>
-    <a:masterClrMapping/>
-  </p:clrMapOvr>
-  <mc:AlternateContent xmlns:mc="http://schemas.openxmlformats.org/markup-compatibility/2006">
-    <mc:Choice xmlns:p14="http://schemas.microsoft.com/office/powerpoint/2010/main" Requires="p14">
-      <p:transition spd="med" p14:dur="700">
-        <p:fade/>
-      </p:transition>
-    </mc:Choice>
-    <mc:Fallback>
-      <p:transition spd="med">
-        <p:fade/>
-      </p:transition>
-    </mc:Fallback>
-  </mc:AlternateContent>
-  <p:timing>
-    <p:tnLst>
-      <p:par>
-        <p:cTn id="1" dur="indefinite" restart="never" nodeType="tmRoot"/>
-      </p:par>
-    </p:tnLst>
-  </p:timing>
-</p:sld>
-</file>
-
-<file path=ppt/slides/slide41.xml><?xml version="1.0" encoding="utf-8"?>
-<p:sld xmlns:a="http://schemas.openxmlformats.org/drawingml/2006/main" xmlns:r="http://schemas.openxmlformats.org/officeDocument/2006/relationships" xmlns:p="http://schemas.openxmlformats.org/presentationml/2006/main">
-  <p:cSld>
-    <p:spTree>
-      <p:nvGrpSpPr>
-        <p:cNvPr id="1" name=""/>
-        <p:cNvGrpSpPr/>
-        <p:nvPr/>
-      </p:nvGrpSpPr>
-      <p:grpSpPr>
-        <a:xfrm>
-          <a:off x="0" y="0"/>
-          <a:ext cx="0" cy="0"/>
-          <a:chOff x="0" y="0"/>
-          <a:chExt cx="0" cy="0"/>
-        </a:xfrm>
-      </p:grpSpPr>
-      <p:sp>
-        <p:nvSpPr>
-          <p:cNvPr id="5" name="Afrundet rektangel 4"/>
-          <p:cNvSpPr/>
-          <p:nvPr/>
-        </p:nvSpPr>
-        <p:spPr>
-          <a:xfrm>
-            <a:off x="891704" y="3136486"/>
-            <a:ext cx="1501302" cy="794982"/>
-          </a:xfrm>
-          <a:prstGeom prst="roundRect">
-            <a:avLst/>
-          </a:prstGeom>
-          <a:solidFill>
-            <a:schemeClr val="bg2">
-              <a:lumMod val="50000"/>
-            </a:schemeClr>
-          </a:solidFill>
-        </p:spPr>
-        <p:style>
-          <a:lnRef idx="2">
-            <a:schemeClr val="accent1">
-              <a:shade val="50000"/>
-            </a:schemeClr>
-          </a:lnRef>
-          <a:fillRef idx="1">
-            <a:schemeClr val="accent1"/>
-          </a:fillRef>
-          <a:effectRef idx="0">
-            <a:schemeClr val="accent1"/>
-          </a:effectRef>
-          <a:fontRef idx="minor">
-            <a:schemeClr val="lt1"/>
-          </a:fontRef>
-        </p:style>
-        <p:txBody>
-          <a:bodyPr rtlCol="0" anchor="ctr"/>
-          <a:lstStyle/>
-          <a:p>
-            <a:pPr algn="ctr"/>
-            <a:r>
-              <a:rPr lang="da-DK" sz="4000" smtClean="0"/>
-              <a:t>Task</a:t>
-            </a:r>
-            <a:endParaRPr lang="da-DK" sz="4000"/>
-          </a:p>
-        </p:txBody>
-      </p:sp>
-      <p:sp>
-        <p:nvSpPr>
-          <p:cNvPr id="6" name="Afrundet rektangel 5"/>
-          <p:cNvSpPr/>
-          <p:nvPr/>
-        </p:nvSpPr>
-        <p:spPr>
-          <a:xfrm>
-            <a:off x="5168630" y="3136486"/>
-            <a:ext cx="1854740" cy="933854"/>
-          </a:xfrm>
-          <a:prstGeom prst="roundRect">
-            <a:avLst/>
-          </a:prstGeom>
-          <a:solidFill>
-            <a:srgbClr val="C00000"/>
-          </a:solidFill>
-        </p:spPr>
-        <p:style>
-          <a:lnRef idx="2">
-            <a:schemeClr val="accent1">
-              <a:shade val="50000"/>
-            </a:schemeClr>
-          </a:lnRef>
-          <a:fillRef idx="1">
-            <a:schemeClr val="accent1"/>
-          </a:fillRef>
-          <a:effectRef idx="0">
-            <a:schemeClr val="accent1"/>
-          </a:effectRef>
-          <a:fontRef idx="minor">
-            <a:schemeClr val="lt1"/>
-          </a:fontRef>
-        </p:style>
-        <p:txBody>
-          <a:bodyPr rtlCol="0" anchor="ctr"/>
-          <a:lstStyle/>
-          <a:p>
-            <a:pPr algn="ctr"/>
-            <a:r>
-              <a:rPr lang="da-DK" sz="3600" smtClean="0"/>
-              <a:t>”Jim”</a:t>
-            </a:r>
-            <a:endParaRPr lang="da-DK" sz="3600"/>
-          </a:p>
-        </p:txBody>
-      </p:sp>
-      <p:sp>
-        <p:nvSpPr>
-          <p:cNvPr id="8" name="Afrundet rektangel 7"/>
-          <p:cNvSpPr/>
-          <p:nvPr/>
-        </p:nvSpPr>
-        <p:spPr>
-          <a:xfrm>
-            <a:off x="9798994" y="3142565"/>
-            <a:ext cx="1501302" cy="794982"/>
-          </a:xfrm>
-          <a:prstGeom prst="roundRect">
-            <a:avLst/>
-          </a:prstGeom>
-          <a:solidFill>
-            <a:schemeClr val="bg2">
-              <a:lumMod val="50000"/>
-            </a:schemeClr>
-          </a:solidFill>
-        </p:spPr>
-        <p:style>
-          <a:lnRef idx="2">
-            <a:schemeClr val="accent1">
-              <a:shade val="50000"/>
-            </a:schemeClr>
-          </a:lnRef>
-          <a:fillRef idx="1">
-            <a:schemeClr val="accent1"/>
-          </a:fillRef>
-          <a:effectRef idx="0">
-            <a:schemeClr val="accent1"/>
-          </a:effectRef>
-          <a:fontRef idx="minor">
-            <a:schemeClr val="lt1"/>
-          </a:fontRef>
-        </p:style>
-        <p:txBody>
-          <a:bodyPr rtlCol="0" anchor="ctr"/>
-          <a:lstStyle/>
-          <a:p>
-            <a:pPr algn="ctr"/>
-            <a:r>
-              <a:rPr lang="da-DK" sz="4000" smtClean="0"/>
-              <a:t>Task</a:t>
-            </a:r>
-            <a:endParaRPr lang="da-DK" sz="4000"/>
-          </a:p>
-        </p:txBody>
-      </p:sp>
-      <p:sp>
-        <p:nvSpPr>
-          <p:cNvPr id="4" name="Højrepil 3"/>
-          <p:cNvSpPr/>
-          <p:nvPr/>
-        </p:nvSpPr>
-        <p:spPr>
-          <a:xfrm>
-            <a:off x="2795081" y="3136486"/>
-            <a:ext cx="2120630" cy="929676"/>
-          </a:xfrm>
-          <a:prstGeom prst="rightArrow">
-            <a:avLst/>
-          </a:prstGeom>
-        </p:spPr>
-        <p:style>
-          <a:lnRef idx="2">
-            <a:schemeClr val="accent1">
-              <a:shade val="50000"/>
-            </a:schemeClr>
-          </a:lnRef>
-          <a:fillRef idx="1">
-            <a:schemeClr val="accent1"/>
-          </a:fillRef>
-          <a:effectRef idx="0">
-            <a:schemeClr val="accent1"/>
-          </a:effectRef>
-          <a:fontRef idx="minor">
-            <a:schemeClr val="lt1"/>
-          </a:fontRef>
-        </p:style>
-        <p:txBody>
-          <a:bodyPr rtlCol="0" anchor="ctr"/>
-          <a:lstStyle/>
-          <a:p>
-            <a:pPr algn="ctr"/>
-            <a:r>
-              <a:rPr lang="da-DK" sz="2800" smtClean="0"/>
-              <a:t>”Lars”</a:t>
-            </a:r>
-            <a:endParaRPr lang="da-DK" sz="2800"/>
-          </a:p>
-        </p:txBody>
-      </p:sp>
-      <p:sp>
-        <p:nvSpPr>
-          <p:cNvPr id="7" name="Højrepil 6"/>
-          <p:cNvSpPr/>
-          <p:nvPr/>
-        </p:nvSpPr>
-        <p:spPr>
-          <a:xfrm flipH="1">
-            <a:off x="7350867" y="3136486"/>
-            <a:ext cx="2120630" cy="929676"/>
-          </a:xfrm>
-          <a:prstGeom prst="rightArrow">
-            <a:avLst/>
-          </a:prstGeom>
-        </p:spPr>
-        <p:style>
-          <a:lnRef idx="2">
-            <a:schemeClr val="accent1">
-              <a:shade val="50000"/>
-            </a:schemeClr>
-          </a:lnRef>
-          <a:fillRef idx="1">
-            <a:schemeClr val="accent1"/>
-          </a:fillRef>
-          <a:effectRef idx="0">
-            <a:schemeClr val="accent1"/>
-          </a:effectRef>
-          <a:fontRef idx="minor">
-            <a:schemeClr val="lt1"/>
-          </a:fontRef>
-        </p:style>
-        <p:txBody>
-          <a:bodyPr rtlCol="0" anchor="ctr"/>
-          <a:lstStyle/>
-          <a:p>
-            <a:pPr algn="ctr"/>
-            <a:r>
-              <a:rPr lang="da-DK" sz="2800" smtClean="0"/>
-              <a:t>”Ole”</a:t>
-            </a:r>
-            <a:endParaRPr lang="da-DK" sz="2800"/>
-          </a:p>
-        </p:txBody>
-      </p:sp>
-    </p:spTree>
-    <p:extLst>
-      <p:ext uri="{BB962C8B-B14F-4D97-AF65-F5344CB8AC3E}">
-        <p14:creationId xmlns:p14="http://schemas.microsoft.com/office/powerpoint/2010/main" val="1271679533"/>
-      </p:ext>
-    </p:extLst>
-  </p:cSld>
-  <p:clrMapOvr>
-    <a:masterClrMapping/>
-  </p:clrMapOvr>
-  <mc:AlternateContent xmlns:mc="http://schemas.openxmlformats.org/markup-compatibility/2006">
-    <mc:Choice xmlns:p14="http://schemas.microsoft.com/office/powerpoint/2010/main" Requires="p14">
-      <p:transition spd="med" p14:dur="700">
-        <p:fade/>
-      </p:transition>
-    </mc:Choice>
-    <mc:Fallback>
-      <p:transition spd="med">
-        <p:fade/>
-      </p:transition>
-    </mc:Fallback>
-  </mc:AlternateContent>
-  <p:timing>
-    <p:tnLst>
-      <p:par>
-        <p:cTn id="1" dur="indefinite" restart="never" nodeType="tmRoot"/>
-      </p:par>
-    </p:tnLst>
-  </p:timing>
-</p:sld>
-</file>
-
-<file path=ppt/slides/slide42.xml><?xml version="1.0" encoding="utf-8"?>
-<p:sld xmlns:a="http://schemas.openxmlformats.org/drawingml/2006/main" xmlns:r="http://schemas.openxmlformats.org/officeDocument/2006/relationships" xmlns:p="http://schemas.openxmlformats.org/presentationml/2006/main">
-  <p:cSld>
-    <p:spTree>
-      <p:nvGrpSpPr>
-        <p:cNvPr id="1" name=""/>
-        <p:cNvGrpSpPr/>
-        <p:nvPr/>
-      </p:nvGrpSpPr>
-      <p:grpSpPr>
-        <a:xfrm>
-          <a:off x="0" y="0"/>
-          <a:ext cx="0" cy="0"/>
-          <a:chOff x="0" y="0"/>
-          <a:chExt cx="0" cy="0"/>
-        </a:xfrm>
-      </p:grpSpPr>
-      <p:sp>
-        <p:nvSpPr>
-          <p:cNvPr id="5" name="Afrundet rektangel 4"/>
-          <p:cNvSpPr/>
-          <p:nvPr/>
-        </p:nvSpPr>
-        <p:spPr>
-          <a:xfrm>
-            <a:off x="891704" y="3136486"/>
-            <a:ext cx="1501302" cy="794982"/>
-          </a:xfrm>
-          <a:prstGeom prst="roundRect">
-            <a:avLst/>
-          </a:prstGeom>
-          <a:solidFill>
-            <a:schemeClr val="bg2">
-              <a:lumMod val="50000"/>
-            </a:schemeClr>
-          </a:solidFill>
-        </p:spPr>
-        <p:style>
-          <a:lnRef idx="2">
-            <a:schemeClr val="accent1">
-              <a:shade val="50000"/>
-            </a:schemeClr>
-          </a:lnRef>
-          <a:fillRef idx="1">
-            <a:schemeClr val="accent1"/>
-          </a:fillRef>
-          <a:effectRef idx="0">
-            <a:schemeClr val="accent1"/>
-          </a:effectRef>
-          <a:fontRef idx="minor">
-            <a:schemeClr val="lt1"/>
-          </a:fontRef>
-        </p:style>
-        <p:txBody>
-          <a:bodyPr rtlCol="0" anchor="ctr"/>
-          <a:lstStyle/>
-          <a:p>
-            <a:pPr algn="ctr"/>
-            <a:r>
-              <a:rPr lang="da-DK" sz="4000" smtClean="0"/>
-              <a:t>Task</a:t>
-            </a:r>
-            <a:endParaRPr lang="da-DK" sz="4000"/>
-          </a:p>
-        </p:txBody>
-      </p:sp>
-      <p:sp>
-        <p:nvSpPr>
-          <p:cNvPr id="6" name="Afrundet rektangel 5"/>
-          <p:cNvSpPr/>
-          <p:nvPr/>
-        </p:nvSpPr>
-        <p:spPr>
-          <a:xfrm>
-            <a:off x="5168630" y="3136486"/>
-            <a:ext cx="1854740" cy="933854"/>
-          </a:xfrm>
-          <a:prstGeom prst="roundRect">
-            <a:avLst/>
-          </a:prstGeom>
-          <a:solidFill>
-            <a:srgbClr val="C00000"/>
-          </a:solidFill>
-        </p:spPr>
-        <p:style>
-          <a:lnRef idx="2">
-            <a:schemeClr val="accent1">
-              <a:shade val="50000"/>
-            </a:schemeClr>
-          </a:lnRef>
-          <a:fillRef idx="1">
-            <a:schemeClr val="accent1"/>
-          </a:fillRef>
-          <a:effectRef idx="0">
-            <a:schemeClr val="accent1"/>
-          </a:effectRef>
-          <a:fontRef idx="minor">
-            <a:schemeClr val="lt1"/>
-          </a:fontRef>
-        </p:style>
-        <p:txBody>
-          <a:bodyPr rtlCol="0" anchor="ctr"/>
-          <a:lstStyle/>
-          <a:p>
-            <a:pPr algn="ctr"/>
-            <a:r>
-              <a:rPr lang="da-DK" sz="3600" smtClean="0"/>
-              <a:t>”LOrse”</a:t>
-            </a:r>
-            <a:endParaRPr lang="da-DK" sz="3600"/>
-          </a:p>
-        </p:txBody>
-      </p:sp>
-      <p:sp>
-        <p:nvSpPr>
-          <p:cNvPr id="8" name="Afrundet rektangel 7"/>
-          <p:cNvSpPr/>
-          <p:nvPr/>
-        </p:nvSpPr>
-        <p:spPr>
-          <a:xfrm>
-            <a:off x="9798994" y="3142565"/>
-            <a:ext cx="1501302" cy="794982"/>
-          </a:xfrm>
-          <a:prstGeom prst="roundRect">
-            <a:avLst/>
-          </a:prstGeom>
-          <a:solidFill>
-            <a:schemeClr val="bg2">
-              <a:lumMod val="50000"/>
-            </a:schemeClr>
-          </a:solidFill>
-        </p:spPr>
-        <p:style>
-          <a:lnRef idx="2">
-            <a:schemeClr val="accent1">
-              <a:shade val="50000"/>
-            </a:schemeClr>
-          </a:lnRef>
-          <a:fillRef idx="1">
-            <a:schemeClr val="accent1"/>
-          </a:fillRef>
-          <a:effectRef idx="0">
-            <a:schemeClr val="accent1"/>
-          </a:effectRef>
-          <a:fontRef idx="minor">
-            <a:schemeClr val="lt1"/>
-          </a:fontRef>
-        </p:style>
-        <p:txBody>
-          <a:bodyPr rtlCol="0" anchor="ctr"/>
-          <a:lstStyle/>
-          <a:p>
-            <a:pPr algn="ctr"/>
-            <a:r>
-              <a:rPr lang="da-DK" sz="4000" smtClean="0"/>
-              <a:t>Task</a:t>
-            </a:r>
-            <a:endParaRPr lang="da-DK" sz="4000"/>
-          </a:p>
-        </p:txBody>
-      </p:sp>
-      <p:sp>
-        <p:nvSpPr>
-          <p:cNvPr id="4" name="Højrepil 3"/>
-          <p:cNvSpPr/>
-          <p:nvPr/>
-        </p:nvSpPr>
-        <p:spPr>
-          <a:xfrm>
-            <a:off x="2795081" y="3136486"/>
-            <a:ext cx="2120630" cy="929676"/>
-          </a:xfrm>
-          <a:prstGeom prst="rightArrow">
-            <a:avLst/>
-          </a:prstGeom>
-        </p:spPr>
-        <p:style>
-          <a:lnRef idx="2">
-            <a:schemeClr val="accent1">
-              <a:shade val="50000"/>
-            </a:schemeClr>
-          </a:lnRef>
-          <a:fillRef idx="1">
-            <a:schemeClr val="accent1"/>
-          </a:fillRef>
-          <a:effectRef idx="0">
-            <a:schemeClr val="accent1"/>
-          </a:effectRef>
-          <a:fontRef idx="minor">
-            <a:schemeClr val="lt1"/>
-          </a:fontRef>
-        </p:style>
-        <p:txBody>
-          <a:bodyPr rtlCol="0" anchor="ctr"/>
-          <a:lstStyle/>
-          <a:p>
-            <a:pPr algn="ctr"/>
-            <a:r>
-              <a:rPr lang="da-DK" sz="2800" smtClean="0"/>
-              <a:t>”Lars”</a:t>
-            </a:r>
-            <a:endParaRPr lang="da-DK" sz="2800"/>
-          </a:p>
-        </p:txBody>
-      </p:sp>
-      <p:sp>
-        <p:nvSpPr>
-          <p:cNvPr id="7" name="Højrepil 6"/>
-          <p:cNvSpPr/>
-          <p:nvPr/>
-        </p:nvSpPr>
-        <p:spPr>
-          <a:xfrm flipH="1">
-            <a:off x="7350867" y="3136486"/>
-            <a:ext cx="2120630" cy="929676"/>
-          </a:xfrm>
-          <a:prstGeom prst="rightArrow">
-            <a:avLst/>
-          </a:prstGeom>
-        </p:spPr>
-        <p:style>
-          <a:lnRef idx="2">
-            <a:schemeClr val="accent1">
-              <a:shade val="50000"/>
-            </a:schemeClr>
-          </a:lnRef>
-          <a:fillRef idx="1">
-            <a:schemeClr val="accent1"/>
-          </a:fillRef>
-          <a:effectRef idx="0">
-            <a:schemeClr val="accent1"/>
-          </a:effectRef>
-          <a:fontRef idx="minor">
-            <a:schemeClr val="lt1"/>
-          </a:fontRef>
-        </p:style>
-        <p:txBody>
-          <a:bodyPr rtlCol="0" anchor="ctr"/>
-          <a:lstStyle/>
-          <a:p>
-            <a:pPr algn="ctr"/>
-            <a:r>
-              <a:rPr lang="da-DK" sz="2800" smtClean="0"/>
-              <a:t>”Ole”</a:t>
-            </a:r>
-            <a:endParaRPr lang="da-DK" sz="2800"/>
-          </a:p>
-        </p:txBody>
-      </p:sp>
-      <p:pic>
-        <p:nvPicPr>
-          <p:cNvPr id="1026" name="Picture 2" descr="Billedresultat for confused face meme black guy"/>
-          <p:cNvPicPr>
-            <a:picLocks noChangeAspect="1" noChangeArrowheads="1"/>
-          </p:cNvPicPr>
-          <p:nvPr/>
-        </p:nvPicPr>
-        <p:blipFill>
-          <a:blip r:embed="rId2">
-            <a:extLst>
-              <a:ext uri="{28A0092B-C50C-407E-A947-70E740481C1C}">
-                <a14:useLocalDpi xmlns:a14="http://schemas.microsoft.com/office/drawing/2010/main" val="0"/>
-              </a:ext>
-            </a:extLst>
-          </a:blip>
-          <a:srcRect/>
-          <a:stretch>
-            <a:fillRect/>
-          </a:stretch>
-        </p:blipFill>
-        <p:spPr bwMode="auto">
-          <a:xfrm>
-            <a:off x="6482562" y="1668153"/>
-            <a:ext cx="1383872" cy="1180904"/>
-          </a:xfrm>
-          <a:prstGeom prst="rect">
-            <a:avLst/>
-          </a:prstGeom>
-          <a:noFill/>
-          <a:extLst>
-            <a:ext uri="{909E8E84-426E-40DD-AFC4-6F175D3DCCD1}">
-              <a14:hiddenFill xmlns:a14="http://schemas.microsoft.com/office/drawing/2010/main">
-                <a:solidFill>
-                  <a:srgbClr val="FFFFFF"/>
-                </a:solidFill>
-              </a14:hiddenFill>
-            </a:ext>
-          </a:extLst>
-        </p:spPr>
-      </p:pic>
-    </p:spTree>
-    <p:extLst>
-      <p:ext uri="{BB962C8B-B14F-4D97-AF65-F5344CB8AC3E}">
-        <p14:creationId xmlns:p14="http://schemas.microsoft.com/office/powerpoint/2010/main" val="3215134155"/>
-      </p:ext>
-    </p:extLst>
-  </p:cSld>
-  <p:clrMapOvr>
-    <a:masterClrMapping/>
-  </p:clrMapOvr>
-  <mc:AlternateContent xmlns:mc="http://schemas.openxmlformats.org/markup-compatibility/2006">
-    <mc:Choice xmlns:p14="http://schemas.microsoft.com/office/powerpoint/2010/main" Requires="p14">
-      <p:transition spd="med" p14:dur="700">
-        <p:fade/>
-      </p:transition>
-    </mc:Choice>
-    <mc:Fallback>
-      <p:transition spd="med">
-        <p:fade/>
-      </p:transition>
-    </mc:Fallback>
-  </mc:AlternateContent>
-  <p:timing>
-    <p:tnLst>
-      <p:par>
-        <p:cTn id="1" dur="indefinite" restart="never" nodeType="tmRoot">
-          <p:childTnLst>
-            <p:seq concurrent="1" nextAc="seek">
-              <p:cTn id="2" dur="indefinite" nodeType="mainSeq">
-                <p:childTnLst>
-                  <p:par>
-                    <p:cTn id="3" fill="hold">
-                      <p:stCondLst>
-                        <p:cond delay="indefinite"/>
-                        <p:cond evt="onBegin" delay="0">
-                          <p:tn val="2"/>
-                        </p:cond>
-                      </p:stCondLst>
-                      <p:childTnLst>
-                        <p:par>
-                          <p:cTn id="4" fill="hold">
-                            <p:stCondLst>
-                              <p:cond delay="0"/>
-                            </p:stCondLst>
-                            <p:childTnLst>
-                              <p:par>
-                                <p:cTn id="5" presetID="10" presetClass="entr" presetSubtype="0" fill="hold" nodeType="withEffect">
-                                  <p:stCondLst>
-                                    <p:cond delay="2000"/>
-                                  </p:stCondLst>
-                                  <p:childTnLst>
-                                    <p:set>
-                                      <p:cBhvr>
-                                        <p:cTn id="6" dur="1" fill="hold">
-                                          <p:stCondLst>
-                                            <p:cond delay="0"/>
-                                          </p:stCondLst>
-                                        </p:cTn>
-                                        <p:tgtEl>
-                                          <p:spTgt spid="1026"/>
-                                        </p:tgtEl>
-                                        <p:attrNameLst>
-                                          <p:attrName>style.visibility</p:attrName>
-                                        </p:attrNameLst>
-                                      </p:cBhvr>
-                                      <p:to>
-                                        <p:strVal val="visible"/>
-                                      </p:to>
-                                    </p:set>
-                                    <p:animEffect transition="in" filter="fade">
-                                      <p:cBhvr>
-                                        <p:cTn id="7" dur="500"/>
-                                        <p:tgtEl>
-                                          <p:spTgt spid="1026"/>
-                                        </p:tgtEl>
-                                      </p:cBhvr>
-                                    </p:animEffect>
-                                  </p:childTnLst>
-                                </p:cTn>
-                              </p:par>
-                            </p:childTnLst>
-                          </p:cTn>
-                        </p:par>
-                      </p:childTnLst>
-                    </p:cTn>
-                  </p:par>
-                </p:childTnLst>
-              </p:cTn>
-              <p:prevCondLst>
-                <p:cond evt="onPrev" delay="0">
-                  <p:tgtEl>
-                    <p:sldTgt/>
-                  </p:tgtEl>
-                </p:cond>
-              </p:prevCondLst>
-              <p:nextCondLst>
-                <p:cond evt="onNext" delay="0">
-                  <p:tgtEl>
-                    <p:sldTgt/>
-                  </p:tgtEl>
-                </p:cond>
-              </p:nextCondLst>
-            </p:seq>
-          </p:childTnLst>
-        </p:cTn>
-      </p:par>
-    </p:tnLst>
-  </p:timing>
-</p:sld>
-</file>
-
-<file path=ppt/slides/slide43.xml><?xml version="1.0" encoding="utf-8"?>
-<p:sld xmlns:a="http://schemas.openxmlformats.org/drawingml/2006/main" xmlns:r="http://schemas.openxmlformats.org/officeDocument/2006/relationships" xmlns:p="http://schemas.openxmlformats.org/presentationml/2006/main">
-  <p:cSld>
-    <p:spTree>
-      <p:nvGrpSpPr>
-        <p:cNvPr id="1" name=""/>
-        <p:cNvGrpSpPr/>
-        <p:nvPr/>
-      </p:nvGrpSpPr>
-      <p:grpSpPr>
-        <a:xfrm>
-          <a:off x="0" y="0"/>
-          <a:ext cx="0" cy="0"/>
-          <a:chOff x="0" y="0"/>
-          <a:chExt cx="0" cy="0"/>
-        </a:xfrm>
-      </p:grpSpPr>
-      <p:sp>
-        <p:nvSpPr>
-          <p:cNvPr id="2" name="Afrundet rektangel 1"/>
-          <p:cNvSpPr/>
-          <p:nvPr/>
-        </p:nvSpPr>
-        <p:spPr>
-          <a:xfrm>
-            <a:off x="4870315" y="1867712"/>
-            <a:ext cx="2444885" cy="2451370"/>
-          </a:xfrm>
-          <a:prstGeom prst="roundRect">
-            <a:avLst/>
-          </a:prstGeom>
-          <a:solidFill>
-            <a:schemeClr val="accent4">
-              <a:lumMod val="75000"/>
-            </a:schemeClr>
-          </a:solidFill>
-        </p:spPr>
-        <p:style>
-          <a:lnRef idx="2">
-            <a:schemeClr val="accent1">
-              <a:shade val="50000"/>
-            </a:schemeClr>
-          </a:lnRef>
-          <a:fillRef idx="1">
-            <a:schemeClr val="accent1"/>
-          </a:fillRef>
-          <a:effectRef idx="0">
-            <a:schemeClr val="accent1"/>
-          </a:effectRef>
-          <a:fontRef idx="minor">
-            <a:schemeClr val="lt1"/>
-          </a:fontRef>
-        </p:style>
-        <p:txBody>
-          <a:bodyPr rtlCol="0" anchor="ctr"/>
-          <a:lstStyle/>
-          <a:p>
-            <a:pPr algn="ctr"/>
-            <a:endParaRPr lang="da-DK"/>
-          </a:p>
-        </p:txBody>
-      </p:sp>
-      <p:sp>
-        <p:nvSpPr>
-          <p:cNvPr id="5" name="Afrundet rektangel 4"/>
-          <p:cNvSpPr/>
-          <p:nvPr/>
-        </p:nvSpPr>
-        <p:spPr>
-          <a:xfrm>
-            <a:off x="891704" y="3136486"/>
-            <a:ext cx="1501302" cy="794982"/>
-          </a:xfrm>
-          <a:prstGeom prst="roundRect">
-            <a:avLst/>
-          </a:prstGeom>
-          <a:solidFill>
-            <a:schemeClr val="bg2">
-              <a:lumMod val="50000"/>
-            </a:schemeClr>
-          </a:solidFill>
-        </p:spPr>
-        <p:style>
-          <a:lnRef idx="2">
-            <a:schemeClr val="accent1">
-              <a:shade val="50000"/>
-            </a:schemeClr>
-          </a:lnRef>
-          <a:fillRef idx="1">
-            <a:schemeClr val="accent1"/>
-          </a:fillRef>
-          <a:effectRef idx="0">
-            <a:schemeClr val="accent1"/>
-          </a:effectRef>
-          <a:fontRef idx="minor">
-            <a:schemeClr val="lt1"/>
-          </a:fontRef>
-        </p:style>
-        <p:txBody>
-          <a:bodyPr rtlCol="0" anchor="ctr"/>
-          <a:lstStyle/>
-          <a:p>
-            <a:pPr algn="ctr"/>
-            <a:r>
-              <a:rPr lang="da-DK" sz="4000" smtClean="0"/>
-              <a:t>Task</a:t>
-            </a:r>
-            <a:endParaRPr lang="da-DK" sz="4000"/>
-          </a:p>
-        </p:txBody>
-      </p:sp>
-      <p:sp>
-        <p:nvSpPr>
-          <p:cNvPr id="6" name="Afrundet rektangel 5"/>
-          <p:cNvSpPr/>
-          <p:nvPr/>
-        </p:nvSpPr>
-        <p:spPr>
-          <a:xfrm>
-            <a:off x="5168630" y="3136486"/>
-            <a:ext cx="1854740" cy="933854"/>
-          </a:xfrm>
-          <a:prstGeom prst="roundRect">
-            <a:avLst/>
-          </a:prstGeom>
-          <a:solidFill>
-            <a:srgbClr val="C00000"/>
-          </a:solidFill>
-        </p:spPr>
-        <p:style>
-          <a:lnRef idx="2">
-            <a:schemeClr val="accent1">
-              <a:shade val="50000"/>
-            </a:schemeClr>
-          </a:lnRef>
-          <a:fillRef idx="1">
-            <a:schemeClr val="accent1"/>
-          </a:fillRef>
-          <a:effectRef idx="0">
-            <a:schemeClr val="accent1"/>
-          </a:effectRef>
-          <a:fontRef idx="minor">
-            <a:schemeClr val="lt1"/>
-          </a:fontRef>
-        </p:style>
-        <p:txBody>
-          <a:bodyPr rtlCol="0" anchor="ctr"/>
-          <a:lstStyle/>
-          <a:p>
-            <a:pPr algn="ctr"/>
-            <a:r>
-              <a:rPr lang="da-DK" sz="3600" smtClean="0"/>
-              <a:t>””</a:t>
-            </a:r>
-            <a:endParaRPr lang="da-DK" sz="3600"/>
-          </a:p>
-        </p:txBody>
-      </p:sp>
-      <p:sp>
-        <p:nvSpPr>
-          <p:cNvPr id="8" name="Afrundet rektangel 7"/>
-          <p:cNvSpPr/>
-          <p:nvPr/>
-        </p:nvSpPr>
-        <p:spPr>
-          <a:xfrm>
-            <a:off x="9798994" y="3142565"/>
-            <a:ext cx="1501302" cy="794982"/>
-          </a:xfrm>
-          <a:prstGeom prst="roundRect">
-            <a:avLst/>
-          </a:prstGeom>
-          <a:solidFill>
-            <a:schemeClr val="bg2">
-              <a:lumMod val="50000"/>
-            </a:schemeClr>
-          </a:solidFill>
-        </p:spPr>
-        <p:style>
-          <a:lnRef idx="2">
-            <a:schemeClr val="accent1">
-              <a:shade val="50000"/>
-            </a:schemeClr>
-          </a:lnRef>
-          <a:fillRef idx="1">
-            <a:schemeClr val="accent1"/>
-          </a:fillRef>
-          <a:effectRef idx="0">
-            <a:schemeClr val="accent1"/>
-          </a:effectRef>
-          <a:fontRef idx="minor">
-            <a:schemeClr val="lt1"/>
-          </a:fontRef>
-        </p:style>
-        <p:txBody>
-          <a:bodyPr rtlCol="0" anchor="ctr"/>
-          <a:lstStyle/>
-          <a:p>
-            <a:pPr algn="ctr"/>
-            <a:r>
-              <a:rPr lang="da-DK" sz="4000" smtClean="0"/>
-              <a:t>Task</a:t>
-            </a:r>
-            <a:endParaRPr lang="da-DK" sz="4000"/>
-          </a:p>
-        </p:txBody>
-      </p:sp>
-      <p:pic>
-        <p:nvPicPr>
-          <p:cNvPr id="3076" name="Picture 4" descr="Billedresultat for lock icon"/>
-          <p:cNvPicPr>
-            <a:picLocks noChangeAspect="1" noChangeArrowheads="1"/>
-          </p:cNvPicPr>
-          <p:nvPr/>
-        </p:nvPicPr>
-        <p:blipFill>
-          <a:blip r:embed="rId2" cstate="print">
-            <a:extLst>
-              <a:ext uri="{28A0092B-C50C-407E-A947-70E740481C1C}">
-                <a14:useLocalDpi xmlns:a14="http://schemas.microsoft.com/office/drawing/2010/main" val="0"/>
-              </a:ext>
-            </a:extLst>
-          </a:blip>
-          <a:srcRect/>
-          <a:stretch>
-            <a:fillRect/>
-          </a:stretch>
-        </p:blipFill>
-        <p:spPr bwMode="auto">
-          <a:xfrm>
-            <a:off x="5612858" y="2022200"/>
-            <a:ext cx="959798" cy="959798"/>
-          </a:xfrm>
-          <a:prstGeom prst="rect">
-            <a:avLst/>
-          </a:prstGeom>
-          <a:noFill/>
-          <a:extLst>
-            <a:ext uri="{909E8E84-426E-40DD-AFC4-6F175D3DCCD1}">
-              <a14:hiddenFill xmlns:a14="http://schemas.microsoft.com/office/drawing/2010/main">
-                <a:solidFill>
-                  <a:srgbClr val="FFFFFF"/>
-                </a:solidFill>
-              </a14:hiddenFill>
-            </a:ext>
-          </a:extLst>
-        </p:spPr>
-      </p:pic>
-    </p:spTree>
-    <p:extLst>
-      <p:ext uri="{BB962C8B-B14F-4D97-AF65-F5344CB8AC3E}">
-        <p14:creationId xmlns:p14="http://schemas.microsoft.com/office/powerpoint/2010/main" val="472922705"/>
-      </p:ext>
-    </p:extLst>
-  </p:cSld>
-  <p:clrMapOvr>
-    <a:masterClrMapping/>
-  </p:clrMapOvr>
-  <mc:AlternateContent xmlns:mc="http://schemas.openxmlformats.org/markup-compatibility/2006">
-    <mc:Choice xmlns:p14="http://schemas.microsoft.com/office/powerpoint/2010/main" Requires="p14">
-      <p:transition spd="med" p14:dur="700">
-        <p:fade/>
-      </p:transition>
-    </mc:Choice>
-    <mc:Fallback>
-      <p:transition spd="med">
-        <p:fade/>
-      </p:transition>
-    </mc:Fallback>
-  </mc:AlternateContent>
-  <p:timing>
-    <p:tnLst>
-      <p:par>
-        <p:cTn id="1" dur="indefinite" restart="never" nodeType="tmRoot"/>
-      </p:par>
-    </p:tnLst>
-  </p:timing>
-</p:sld>
-</file>
-
-<file path=ppt/slides/slide44.xml><?xml version="1.0" encoding="utf-8"?>
-<p:sld xmlns:a="http://schemas.openxmlformats.org/drawingml/2006/main" xmlns:r="http://schemas.openxmlformats.org/officeDocument/2006/relationships" xmlns:p="http://schemas.openxmlformats.org/presentationml/2006/main">
-  <p:cSld>
-    <p:spTree>
-      <p:nvGrpSpPr>
-        <p:cNvPr id="1" name=""/>
-        <p:cNvGrpSpPr/>
-        <p:nvPr/>
-      </p:nvGrpSpPr>
-      <p:grpSpPr>
-        <a:xfrm>
-          <a:off x="0" y="0"/>
-          <a:ext cx="0" cy="0"/>
-          <a:chOff x="0" y="0"/>
-          <a:chExt cx="0" cy="0"/>
-        </a:xfrm>
-      </p:grpSpPr>
-      <p:sp>
-        <p:nvSpPr>
-          <p:cNvPr id="5" name="Afrundet rektangel 4"/>
-          <p:cNvSpPr/>
-          <p:nvPr/>
-        </p:nvSpPr>
-        <p:spPr>
-          <a:xfrm>
-            <a:off x="891704" y="3136486"/>
-            <a:ext cx="1501302" cy="794982"/>
-          </a:xfrm>
-          <a:prstGeom prst="roundRect">
-            <a:avLst/>
-          </a:prstGeom>
-          <a:solidFill>
-            <a:schemeClr val="bg2">
-              <a:lumMod val="50000"/>
-            </a:schemeClr>
-          </a:solidFill>
-        </p:spPr>
-        <p:style>
-          <a:lnRef idx="2">
-            <a:schemeClr val="accent1">
-              <a:shade val="50000"/>
-            </a:schemeClr>
-          </a:lnRef>
-          <a:fillRef idx="1">
-            <a:schemeClr val="accent1"/>
-          </a:fillRef>
-          <a:effectRef idx="0">
-            <a:schemeClr val="accent1"/>
-          </a:effectRef>
-          <a:fontRef idx="minor">
-            <a:schemeClr val="lt1"/>
-          </a:fontRef>
-        </p:style>
-        <p:txBody>
-          <a:bodyPr rtlCol="0" anchor="ctr"/>
-          <a:lstStyle/>
-          <a:p>
-            <a:pPr algn="ctr"/>
-            <a:r>
-              <a:rPr lang="da-DK" sz="4000" smtClean="0"/>
-              <a:t>Task</a:t>
-            </a:r>
-            <a:endParaRPr lang="da-DK" sz="4000"/>
-          </a:p>
-        </p:txBody>
-      </p:sp>
-      <p:sp>
-        <p:nvSpPr>
-          <p:cNvPr id="8" name="Afrundet rektangel 7"/>
-          <p:cNvSpPr/>
-          <p:nvPr/>
-        </p:nvSpPr>
-        <p:spPr>
-          <a:xfrm>
-            <a:off x="9798994" y="3142565"/>
-            <a:ext cx="1501302" cy="794982"/>
-          </a:xfrm>
-          <a:prstGeom prst="roundRect">
-            <a:avLst/>
-          </a:prstGeom>
-          <a:solidFill>
-            <a:schemeClr val="bg2">
-              <a:lumMod val="50000"/>
-            </a:schemeClr>
-          </a:solidFill>
-        </p:spPr>
-        <p:style>
-          <a:lnRef idx="2">
-            <a:schemeClr val="accent1">
-              <a:shade val="50000"/>
-            </a:schemeClr>
-          </a:lnRef>
-          <a:fillRef idx="1">
-            <a:schemeClr val="accent1"/>
-          </a:fillRef>
-          <a:effectRef idx="0">
-            <a:schemeClr val="accent1"/>
-          </a:effectRef>
-          <a:fontRef idx="minor">
-            <a:schemeClr val="lt1"/>
-          </a:fontRef>
-        </p:style>
-        <p:txBody>
-          <a:bodyPr rtlCol="0" anchor="ctr"/>
-          <a:lstStyle/>
-          <a:p>
-            <a:pPr algn="ctr"/>
-            <a:r>
-              <a:rPr lang="da-DK" sz="4000" smtClean="0"/>
-              <a:t>Task</a:t>
-            </a:r>
-            <a:endParaRPr lang="da-DK" sz="4000"/>
-          </a:p>
-        </p:txBody>
-      </p:sp>
-      <p:sp>
-        <p:nvSpPr>
-          <p:cNvPr id="4" name="Højrepil 3"/>
-          <p:cNvSpPr/>
-          <p:nvPr/>
-        </p:nvSpPr>
-        <p:spPr>
-          <a:xfrm>
-            <a:off x="2736716" y="3136486"/>
-            <a:ext cx="2120630" cy="929676"/>
-          </a:xfrm>
-          <a:prstGeom prst="rightArrow">
-            <a:avLst/>
-          </a:prstGeom>
-        </p:spPr>
-        <p:style>
-          <a:lnRef idx="2">
-            <a:schemeClr val="accent1">
-              <a:shade val="50000"/>
-            </a:schemeClr>
-          </a:lnRef>
-          <a:fillRef idx="1">
-            <a:schemeClr val="accent1"/>
-          </a:fillRef>
-          <a:effectRef idx="0">
-            <a:schemeClr val="accent1"/>
-          </a:effectRef>
-          <a:fontRef idx="minor">
-            <a:schemeClr val="lt1"/>
-          </a:fontRef>
-        </p:style>
-        <p:txBody>
-          <a:bodyPr rtlCol="0" anchor="ctr"/>
-          <a:lstStyle/>
-          <a:p>
-            <a:pPr algn="ctr"/>
-            <a:r>
-              <a:rPr lang="da-DK" sz="2800" smtClean="0"/>
-              <a:t>”Lars”</a:t>
-            </a:r>
-            <a:endParaRPr lang="da-DK" sz="2800"/>
-          </a:p>
-        </p:txBody>
-      </p:sp>
-      <p:sp>
-        <p:nvSpPr>
-          <p:cNvPr id="7" name="Højrepil 6"/>
-          <p:cNvSpPr/>
-          <p:nvPr/>
-        </p:nvSpPr>
-        <p:spPr>
-          <a:xfrm flipH="1">
-            <a:off x="7337897" y="3136486"/>
-            <a:ext cx="2120630" cy="929676"/>
-          </a:xfrm>
-          <a:prstGeom prst="rightArrow">
-            <a:avLst/>
-          </a:prstGeom>
-        </p:spPr>
-        <p:style>
-          <a:lnRef idx="2">
-            <a:schemeClr val="accent1">
-              <a:shade val="50000"/>
-            </a:schemeClr>
-          </a:lnRef>
-          <a:fillRef idx="1">
-            <a:schemeClr val="accent1"/>
-          </a:fillRef>
-          <a:effectRef idx="0">
-            <a:schemeClr val="accent1"/>
-          </a:effectRef>
-          <a:fontRef idx="minor">
-            <a:schemeClr val="lt1"/>
-          </a:fontRef>
-        </p:style>
-        <p:txBody>
-          <a:bodyPr rtlCol="0" anchor="ctr"/>
-          <a:lstStyle/>
-          <a:p>
-            <a:pPr algn="ctr"/>
-            <a:r>
-              <a:rPr lang="da-DK" sz="2800" smtClean="0"/>
-              <a:t>”Ole”</a:t>
-            </a:r>
-            <a:endParaRPr lang="da-DK" sz="2800"/>
-          </a:p>
-        </p:txBody>
-      </p:sp>
-      <p:sp>
-        <p:nvSpPr>
-          <p:cNvPr id="9" name="Afrundet rektangel 8"/>
-          <p:cNvSpPr/>
-          <p:nvPr/>
-        </p:nvSpPr>
-        <p:spPr>
-          <a:xfrm>
-            <a:off x="4870315" y="1867712"/>
-            <a:ext cx="2444885" cy="2451370"/>
-          </a:xfrm>
-          <a:prstGeom prst="roundRect">
-            <a:avLst/>
-          </a:prstGeom>
-          <a:solidFill>
-            <a:schemeClr val="accent4">
-              <a:lumMod val="75000"/>
-            </a:schemeClr>
-          </a:solidFill>
-        </p:spPr>
-        <p:style>
-          <a:lnRef idx="2">
-            <a:schemeClr val="accent1">
-              <a:shade val="50000"/>
-            </a:schemeClr>
-          </a:lnRef>
-          <a:fillRef idx="1">
-            <a:schemeClr val="accent1"/>
-          </a:fillRef>
-          <a:effectRef idx="0">
-            <a:schemeClr val="accent1"/>
-          </a:effectRef>
-          <a:fontRef idx="minor">
-            <a:schemeClr val="lt1"/>
-          </a:fontRef>
-        </p:style>
-        <p:txBody>
-          <a:bodyPr rtlCol="0" anchor="ctr"/>
-          <a:lstStyle/>
-          <a:p>
-            <a:pPr algn="ctr"/>
-            <a:endParaRPr lang="da-DK"/>
-          </a:p>
-        </p:txBody>
-      </p:sp>
-      <p:sp>
-        <p:nvSpPr>
-          <p:cNvPr id="10" name="Afrundet rektangel 9"/>
-          <p:cNvSpPr/>
-          <p:nvPr/>
-        </p:nvSpPr>
-        <p:spPr>
-          <a:xfrm>
-            <a:off x="5168630" y="3136486"/>
-            <a:ext cx="1854740" cy="933854"/>
-          </a:xfrm>
-          <a:prstGeom prst="roundRect">
-            <a:avLst/>
-          </a:prstGeom>
-          <a:solidFill>
-            <a:srgbClr val="C00000"/>
-          </a:solidFill>
-        </p:spPr>
-        <p:style>
-          <a:lnRef idx="2">
-            <a:schemeClr val="accent1">
-              <a:shade val="50000"/>
-            </a:schemeClr>
-          </a:lnRef>
-          <a:fillRef idx="1">
-            <a:schemeClr val="accent1"/>
-          </a:fillRef>
-          <a:effectRef idx="0">
-            <a:schemeClr val="accent1"/>
-          </a:effectRef>
-          <a:fontRef idx="minor">
-            <a:schemeClr val="lt1"/>
-          </a:fontRef>
-        </p:style>
-        <p:txBody>
-          <a:bodyPr rtlCol="0" anchor="ctr"/>
-          <a:lstStyle/>
-          <a:p>
-            <a:pPr algn="ctr"/>
-            <a:r>
-              <a:rPr lang="da-DK" sz="3600" smtClean="0"/>
-              <a:t>””</a:t>
-            </a:r>
-            <a:endParaRPr lang="da-DK" sz="3600"/>
-          </a:p>
-        </p:txBody>
-      </p:sp>
-      <p:pic>
-        <p:nvPicPr>
-          <p:cNvPr id="11" name="Picture 4" descr="Billedresultat for lock icon"/>
-          <p:cNvPicPr>
-            <a:picLocks noChangeAspect="1" noChangeArrowheads="1"/>
-          </p:cNvPicPr>
-          <p:nvPr/>
-        </p:nvPicPr>
-        <p:blipFill>
-          <a:blip r:embed="rId2" cstate="print">
-            <a:extLst>
-              <a:ext uri="{28A0092B-C50C-407E-A947-70E740481C1C}">
-                <a14:useLocalDpi xmlns:a14="http://schemas.microsoft.com/office/drawing/2010/main" val="0"/>
-              </a:ext>
-            </a:extLst>
-          </a:blip>
-          <a:srcRect/>
-          <a:stretch>
-            <a:fillRect/>
-          </a:stretch>
-        </p:blipFill>
-        <p:spPr bwMode="auto">
-          <a:xfrm>
-            <a:off x="5612858" y="2022200"/>
-            <a:ext cx="959798" cy="959798"/>
-          </a:xfrm>
-          <a:prstGeom prst="rect">
-            <a:avLst/>
-          </a:prstGeom>
-          <a:noFill/>
-          <a:extLst>
-            <a:ext uri="{909E8E84-426E-40DD-AFC4-6F175D3DCCD1}">
-              <a14:hiddenFill xmlns:a14="http://schemas.microsoft.com/office/drawing/2010/main">
-                <a:solidFill>
-                  <a:srgbClr val="FFFFFF"/>
-                </a:solidFill>
-              </a14:hiddenFill>
-            </a:ext>
-          </a:extLst>
-        </p:spPr>
-      </p:pic>
-    </p:spTree>
-    <p:extLst>
-      <p:ext uri="{BB962C8B-B14F-4D97-AF65-F5344CB8AC3E}">
-        <p14:creationId xmlns:p14="http://schemas.microsoft.com/office/powerpoint/2010/main" val="721052944"/>
-      </p:ext>
-    </p:extLst>
-  </p:cSld>
-  <p:clrMapOvr>
-    <a:masterClrMapping/>
-  </p:clrMapOvr>
-  <mc:AlternateContent xmlns:mc="http://schemas.openxmlformats.org/markup-compatibility/2006">
-    <mc:Choice xmlns:p14="http://schemas.microsoft.com/office/powerpoint/2010/main" Requires="p14">
-      <p:transition spd="med" p14:dur="700">
-        <p:fade/>
-      </p:transition>
-    </mc:Choice>
-    <mc:Fallback>
-      <p:transition spd="med">
-        <p:fade/>
-      </p:transition>
-    </mc:Fallback>
-  </mc:AlternateContent>
-  <p:timing>
-    <p:tnLst>
-      <p:par>
-        <p:cTn id="1" dur="indefinite" restart="never" nodeType="tmRoot"/>
-      </p:par>
-    </p:tnLst>
-  </p:timing>
-</p:sld>
-</file>
-
-<file path=ppt/slides/slide45.xml><?xml version="1.0" encoding="utf-8"?>
-<p:sld xmlns:a="http://schemas.openxmlformats.org/drawingml/2006/main" xmlns:r="http://schemas.openxmlformats.org/officeDocument/2006/relationships" xmlns:p="http://schemas.openxmlformats.org/presentationml/2006/main">
-  <p:cSld>
-    <p:spTree>
-      <p:nvGrpSpPr>
-        <p:cNvPr id="1" name=""/>
-        <p:cNvGrpSpPr/>
-        <p:nvPr/>
-      </p:nvGrpSpPr>
-      <p:grpSpPr>
-        <a:xfrm>
-          <a:off x="0" y="0"/>
-          <a:ext cx="0" cy="0"/>
-          <a:chOff x="0" y="0"/>
-          <a:chExt cx="0" cy="0"/>
-        </a:xfrm>
-      </p:grpSpPr>
-      <p:sp>
-        <p:nvSpPr>
-          <p:cNvPr id="5" name="Afrundet rektangel 4"/>
-          <p:cNvSpPr/>
-          <p:nvPr/>
-        </p:nvSpPr>
-        <p:spPr>
-          <a:xfrm>
-            <a:off x="891704" y="3136486"/>
-            <a:ext cx="1501302" cy="794982"/>
-          </a:xfrm>
-          <a:prstGeom prst="roundRect">
-            <a:avLst/>
-          </a:prstGeom>
-          <a:solidFill>
-            <a:schemeClr val="bg2">
-              <a:lumMod val="50000"/>
-            </a:schemeClr>
-          </a:solidFill>
-        </p:spPr>
-        <p:style>
-          <a:lnRef idx="2">
-            <a:schemeClr val="accent1">
-              <a:shade val="50000"/>
-            </a:schemeClr>
-          </a:lnRef>
-          <a:fillRef idx="1">
-            <a:schemeClr val="accent1"/>
-          </a:fillRef>
-          <a:effectRef idx="0">
-            <a:schemeClr val="accent1"/>
-          </a:effectRef>
-          <a:fontRef idx="minor">
-            <a:schemeClr val="lt1"/>
-          </a:fontRef>
-        </p:style>
-        <p:txBody>
-          <a:bodyPr rtlCol="0" anchor="ctr"/>
-          <a:lstStyle/>
-          <a:p>
-            <a:pPr algn="ctr"/>
-            <a:r>
-              <a:rPr lang="da-DK" sz="4000" smtClean="0"/>
-              <a:t>Task</a:t>
-            </a:r>
-            <a:endParaRPr lang="da-DK" sz="4000"/>
-          </a:p>
-        </p:txBody>
-      </p:sp>
-      <p:sp>
-        <p:nvSpPr>
-          <p:cNvPr id="8" name="Afrundet rektangel 7"/>
-          <p:cNvSpPr/>
-          <p:nvPr/>
-        </p:nvSpPr>
-        <p:spPr>
-          <a:xfrm>
-            <a:off x="9798994" y="3142565"/>
-            <a:ext cx="1501302" cy="794982"/>
-          </a:xfrm>
-          <a:prstGeom prst="roundRect">
-            <a:avLst/>
-          </a:prstGeom>
-          <a:solidFill>
-            <a:schemeClr val="bg2">
-              <a:lumMod val="50000"/>
-            </a:schemeClr>
-          </a:solidFill>
-        </p:spPr>
-        <p:style>
-          <a:lnRef idx="2">
-            <a:schemeClr val="accent1">
-              <a:shade val="50000"/>
-            </a:schemeClr>
-          </a:lnRef>
-          <a:fillRef idx="1">
-            <a:schemeClr val="accent1"/>
-          </a:fillRef>
-          <a:effectRef idx="0">
-            <a:schemeClr val="accent1"/>
-          </a:effectRef>
-          <a:fontRef idx="minor">
-            <a:schemeClr val="lt1"/>
-          </a:fontRef>
-        </p:style>
-        <p:txBody>
-          <a:bodyPr rtlCol="0" anchor="ctr"/>
-          <a:lstStyle/>
-          <a:p>
-            <a:pPr algn="ctr"/>
-            <a:r>
-              <a:rPr lang="da-DK" sz="4000" smtClean="0"/>
-              <a:t>Task</a:t>
-            </a:r>
-            <a:endParaRPr lang="da-DK" sz="4000"/>
-          </a:p>
-        </p:txBody>
-      </p:sp>
-      <p:sp>
-        <p:nvSpPr>
-          <p:cNvPr id="7" name="Højrepil 6"/>
-          <p:cNvSpPr/>
-          <p:nvPr/>
-        </p:nvSpPr>
-        <p:spPr>
-          <a:xfrm flipH="1">
-            <a:off x="7337897" y="3136486"/>
-            <a:ext cx="2120630" cy="929676"/>
-          </a:xfrm>
-          <a:prstGeom prst="rightArrow">
-            <a:avLst/>
-          </a:prstGeom>
-        </p:spPr>
-        <p:style>
-          <a:lnRef idx="2">
-            <a:schemeClr val="accent1">
-              <a:shade val="50000"/>
-            </a:schemeClr>
-          </a:lnRef>
-          <a:fillRef idx="1">
-            <a:schemeClr val="accent1"/>
-          </a:fillRef>
-          <a:effectRef idx="0">
-            <a:schemeClr val="accent1"/>
-          </a:effectRef>
-          <a:fontRef idx="minor">
-            <a:schemeClr val="lt1"/>
-          </a:fontRef>
-        </p:style>
-        <p:txBody>
-          <a:bodyPr rtlCol="0" anchor="ctr"/>
-          <a:lstStyle/>
-          <a:p>
-            <a:pPr algn="ctr"/>
-            <a:r>
-              <a:rPr lang="da-DK" sz="2800" smtClean="0"/>
-              <a:t>”Ole”</a:t>
-            </a:r>
-            <a:endParaRPr lang="da-DK" sz="2800"/>
-          </a:p>
-        </p:txBody>
-      </p:sp>
-      <p:sp>
-        <p:nvSpPr>
-          <p:cNvPr id="9" name="Afrundet rektangel 8"/>
-          <p:cNvSpPr/>
-          <p:nvPr/>
-        </p:nvSpPr>
-        <p:spPr>
-          <a:xfrm>
-            <a:off x="7088221" y="1867712"/>
-            <a:ext cx="226979" cy="2451370"/>
-          </a:xfrm>
-          <a:prstGeom prst="roundRect">
-            <a:avLst/>
-          </a:prstGeom>
-          <a:solidFill>
-            <a:schemeClr val="accent4">
-              <a:lumMod val="75000"/>
-            </a:schemeClr>
-          </a:solidFill>
-        </p:spPr>
-        <p:style>
-          <a:lnRef idx="2">
-            <a:schemeClr val="accent1">
-              <a:shade val="50000"/>
-            </a:schemeClr>
-          </a:lnRef>
-          <a:fillRef idx="1">
-            <a:schemeClr val="accent1"/>
-          </a:fillRef>
-          <a:effectRef idx="0">
-            <a:schemeClr val="accent1"/>
-          </a:effectRef>
-          <a:fontRef idx="minor">
-            <a:schemeClr val="lt1"/>
-          </a:fontRef>
-        </p:style>
-        <p:txBody>
-          <a:bodyPr rtlCol="0" anchor="ctr"/>
-          <a:lstStyle/>
-          <a:p>
-            <a:pPr algn="ctr"/>
-            <a:endParaRPr lang="da-DK"/>
-          </a:p>
-        </p:txBody>
-      </p:sp>
-      <p:sp>
-        <p:nvSpPr>
-          <p:cNvPr id="10" name="Afrundet rektangel 9"/>
-          <p:cNvSpPr/>
-          <p:nvPr/>
-        </p:nvSpPr>
-        <p:spPr>
-          <a:xfrm>
-            <a:off x="5168630" y="3136486"/>
-            <a:ext cx="1854740" cy="933854"/>
-          </a:xfrm>
-          <a:prstGeom prst="roundRect">
-            <a:avLst/>
-          </a:prstGeom>
-          <a:solidFill>
-            <a:srgbClr val="C00000"/>
-          </a:solidFill>
-        </p:spPr>
-        <p:style>
-          <a:lnRef idx="2">
-            <a:schemeClr val="accent1">
-              <a:shade val="50000"/>
-            </a:schemeClr>
-          </a:lnRef>
-          <a:fillRef idx="1">
-            <a:schemeClr val="accent1"/>
-          </a:fillRef>
-          <a:effectRef idx="0">
-            <a:schemeClr val="accent1"/>
-          </a:effectRef>
-          <a:fontRef idx="minor">
-            <a:schemeClr val="lt1"/>
-          </a:fontRef>
-        </p:style>
-        <p:txBody>
-          <a:bodyPr rtlCol="0" anchor="ctr"/>
-          <a:lstStyle/>
-          <a:p>
-            <a:pPr algn="ctr"/>
-            <a:r>
-              <a:rPr lang="da-DK" sz="3600" smtClean="0"/>
-              <a:t>””</a:t>
-            </a:r>
-            <a:endParaRPr lang="da-DK" sz="3600"/>
-          </a:p>
-        </p:txBody>
-      </p:sp>
-      <p:sp>
-        <p:nvSpPr>
-          <p:cNvPr id="4" name="Højrepil 3"/>
-          <p:cNvSpPr/>
-          <p:nvPr/>
-        </p:nvSpPr>
-        <p:spPr>
-          <a:xfrm>
-            <a:off x="2736715" y="3136486"/>
-            <a:ext cx="2581071" cy="929676"/>
-          </a:xfrm>
-          <a:prstGeom prst="rightArrow">
-            <a:avLst/>
-          </a:prstGeom>
-        </p:spPr>
-        <p:style>
-          <a:lnRef idx="2">
-            <a:schemeClr val="accent1">
-              <a:shade val="50000"/>
-            </a:schemeClr>
-          </a:lnRef>
-          <a:fillRef idx="1">
-            <a:schemeClr val="accent1"/>
-          </a:fillRef>
-          <a:effectRef idx="0">
-            <a:schemeClr val="accent1"/>
-          </a:effectRef>
-          <a:fontRef idx="minor">
-            <a:schemeClr val="lt1"/>
-          </a:fontRef>
-        </p:style>
-        <p:txBody>
-          <a:bodyPr rtlCol="0" anchor="ctr"/>
-          <a:lstStyle/>
-          <a:p>
-            <a:pPr algn="ctr"/>
-            <a:r>
-              <a:rPr lang="da-DK" sz="2800" smtClean="0"/>
-              <a:t>”Lars”</a:t>
-            </a:r>
-            <a:endParaRPr lang="da-DK" sz="2800"/>
-          </a:p>
-        </p:txBody>
-      </p:sp>
-    </p:spTree>
-    <p:extLst>
-      <p:ext uri="{BB962C8B-B14F-4D97-AF65-F5344CB8AC3E}">
-        <p14:creationId xmlns:p14="http://schemas.microsoft.com/office/powerpoint/2010/main" val="896216309"/>
-      </p:ext>
-    </p:extLst>
-  </p:cSld>
-  <p:clrMapOvr>
-    <a:masterClrMapping/>
-  </p:clrMapOvr>
-  <mc:AlternateContent xmlns:mc="http://schemas.openxmlformats.org/markup-compatibility/2006">
-    <mc:Choice xmlns:p14="http://schemas.microsoft.com/office/powerpoint/2010/main" Requires="p14">
-      <p:transition spd="med" p14:dur="700">
-        <p:fade/>
-      </p:transition>
-    </mc:Choice>
-    <mc:Fallback>
-      <p:transition spd="med">
-        <p:fade/>
-      </p:transition>
-    </mc:Fallback>
-  </mc:AlternateContent>
-  <p:timing>
-    <p:tnLst>
-      <p:par>
-        <p:cTn id="1" dur="indefinite" restart="never" nodeType="tmRoot"/>
-      </p:par>
-    </p:tnLst>
-  </p:timing>
-</p:sld>
-</file>
-
-<file path=ppt/slides/slide46.xml><?xml version="1.0" encoding="utf-8"?>
-<p:sld xmlns:a="http://schemas.openxmlformats.org/drawingml/2006/main" xmlns:r="http://schemas.openxmlformats.org/officeDocument/2006/relationships" xmlns:p="http://schemas.openxmlformats.org/presentationml/2006/main">
-  <p:cSld>
-    <p:spTree>
-      <p:nvGrpSpPr>
-        <p:cNvPr id="1" name=""/>
-        <p:cNvGrpSpPr/>
-        <p:nvPr/>
-      </p:nvGrpSpPr>
-      <p:grpSpPr>
-        <a:xfrm>
-          <a:off x="0" y="0"/>
-          <a:ext cx="0" cy="0"/>
-          <a:chOff x="0" y="0"/>
-          <a:chExt cx="0" cy="0"/>
-        </a:xfrm>
-      </p:grpSpPr>
-      <p:sp>
-        <p:nvSpPr>
-          <p:cNvPr id="5" name="Afrundet rektangel 4"/>
-          <p:cNvSpPr/>
-          <p:nvPr/>
-        </p:nvSpPr>
-        <p:spPr>
-          <a:xfrm>
-            <a:off x="891704" y="3136486"/>
-            <a:ext cx="1501302" cy="794982"/>
-          </a:xfrm>
-          <a:prstGeom prst="roundRect">
-            <a:avLst/>
-          </a:prstGeom>
-          <a:solidFill>
-            <a:schemeClr val="bg2">
-              <a:lumMod val="50000"/>
-            </a:schemeClr>
-          </a:solidFill>
-        </p:spPr>
-        <p:style>
-          <a:lnRef idx="2">
-            <a:schemeClr val="accent1">
-              <a:shade val="50000"/>
-            </a:schemeClr>
-          </a:lnRef>
-          <a:fillRef idx="1">
-            <a:schemeClr val="accent1"/>
-          </a:fillRef>
-          <a:effectRef idx="0">
-            <a:schemeClr val="accent1"/>
-          </a:effectRef>
-          <a:fontRef idx="minor">
-            <a:schemeClr val="lt1"/>
-          </a:fontRef>
-        </p:style>
-        <p:txBody>
-          <a:bodyPr rtlCol="0" anchor="ctr"/>
-          <a:lstStyle/>
-          <a:p>
-            <a:pPr algn="ctr"/>
-            <a:r>
-              <a:rPr lang="da-DK" sz="4000" smtClean="0"/>
-              <a:t>Task</a:t>
-            </a:r>
-            <a:endParaRPr lang="da-DK" sz="4000"/>
-          </a:p>
-        </p:txBody>
-      </p:sp>
-      <p:sp>
-        <p:nvSpPr>
-          <p:cNvPr id="8" name="Afrundet rektangel 7"/>
-          <p:cNvSpPr/>
-          <p:nvPr/>
-        </p:nvSpPr>
-        <p:spPr>
-          <a:xfrm>
-            <a:off x="9798994" y="3142565"/>
-            <a:ext cx="1501302" cy="794982"/>
-          </a:xfrm>
-          <a:prstGeom prst="roundRect">
-            <a:avLst/>
-          </a:prstGeom>
-          <a:solidFill>
-            <a:schemeClr val="bg2">
-              <a:lumMod val="50000"/>
-            </a:schemeClr>
-          </a:solidFill>
-        </p:spPr>
-        <p:style>
-          <a:lnRef idx="2">
-            <a:schemeClr val="accent1">
-              <a:shade val="50000"/>
-            </a:schemeClr>
-          </a:lnRef>
-          <a:fillRef idx="1">
-            <a:schemeClr val="accent1"/>
-          </a:fillRef>
-          <a:effectRef idx="0">
-            <a:schemeClr val="accent1"/>
-          </a:effectRef>
-          <a:fontRef idx="minor">
-            <a:schemeClr val="lt1"/>
-          </a:fontRef>
-        </p:style>
-        <p:txBody>
-          <a:bodyPr rtlCol="0" anchor="ctr"/>
-          <a:lstStyle/>
-          <a:p>
-            <a:pPr algn="ctr"/>
-            <a:r>
-              <a:rPr lang="da-DK" sz="4000" smtClean="0"/>
-              <a:t>Task</a:t>
-            </a:r>
-            <a:endParaRPr lang="da-DK" sz="4000"/>
-          </a:p>
-        </p:txBody>
-      </p:sp>
-      <p:sp>
-        <p:nvSpPr>
-          <p:cNvPr id="7" name="Højrepil 6"/>
-          <p:cNvSpPr/>
-          <p:nvPr/>
-        </p:nvSpPr>
-        <p:spPr>
-          <a:xfrm flipH="1">
-            <a:off x="7337897" y="3136486"/>
-            <a:ext cx="2120630" cy="929676"/>
-          </a:xfrm>
-          <a:prstGeom prst="rightArrow">
-            <a:avLst/>
-          </a:prstGeom>
-        </p:spPr>
-        <p:style>
-          <a:lnRef idx="2">
-            <a:schemeClr val="accent1">
-              <a:shade val="50000"/>
-            </a:schemeClr>
-          </a:lnRef>
-          <a:fillRef idx="1">
-            <a:schemeClr val="accent1"/>
-          </a:fillRef>
-          <a:effectRef idx="0">
-            <a:schemeClr val="accent1"/>
-          </a:effectRef>
-          <a:fontRef idx="minor">
-            <a:schemeClr val="lt1"/>
-          </a:fontRef>
-        </p:style>
-        <p:txBody>
-          <a:bodyPr rtlCol="0" anchor="ctr"/>
-          <a:lstStyle/>
-          <a:p>
-            <a:pPr algn="ctr"/>
-            <a:r>
-              <a:rPr lang="da-DK" sz="2800" smtClean="0"/>
-              <a:t>”Ole”</a:t>
-            </a:r>
-            <a:endParaRPr lang="da-DK" sz="2800"/>
-          </a:p>
-        </p:txBody>
-      </p:sp>
-      <p:sp>
-        <p:nvSpPr>
-          <p:cNvPr id="9" name="Afrundet rektangel 8"/>
-          <p:cNvSpPr/>
-          <p:nvPr/>
-        </p:nvSpPr>
-        <p:spPr>
-          <a:xfrm>
-            <a:off x="7088221" y="1867712"/>
-            <a:ext cx="226979" cy="2451370"/>
-          </a:xfrm>
-          <a:prstGeom prst="roundRect">
-            <a:avLst/>
-          </a:prstGeom>
-          <a:solidFill>
-            <a:schemeClr val="accent4">
-              <a:lumMod val="75000"/>
-            </a:schemeClr>
-          </a:solidFill>
-        </p:spPr>
-        <p:style>
-          <a:lnRef idx="2">
-            <a:schemeClr val="accent1">
-              <a:shade val="50000"/>
-            </a:schemeClr>
-          </a:lnRef>
-          <a:fillRef idx="1">
-            <a:schemeClr val="accent1"/>
-          </a:fillRef>
-          <a:effectRef idx="0">
-            <a:schemeClr val="accent1"/>
-          </a:effectRef>
-          <a:fontRef idx="minor">
-            <a:schemeClr val="lt1"/>
-          </a:fontRef>
-        </p:style>
-        <p:txBody>
-          <a:bodyPr rtlCol="0" anchor="ctr"/>
-          <a:lstStyle/>
-          <a:p>
-            <a:pPr algn="ctr"/>
-            <a:endParaRPr lang="da-DK"/>
-          </a:p>
-        </p:txBody>
-      </p:sp>
-      <p:sp>
-        <p:nvSpPr>
-          <p:cNvPr id="10" name="Afrundet rektangel 9"/>
-          <p:cNvSpPr/>
-          <p:nvPr/>
-        </p:nvSpPr>
-        <p:spPr>
-          <a:xfrm>
-            <a:off x="5168630" y="3136486"/>
-            <a:ext cx="1854740" cy="933854"/>
-          </a:xfrm>
-          <a:prstGeom prst="roundRect">
-            <a:avLst/>
-          </a:prstGeom>
-          <a:solidFill>
-            <a:srgbClr val="C00000"/>
-          </a:solidFill>
-        </p:spPr>
-        <p:style>
-          <a:lnRef idx="2">
-            <a:schemeClr val="accent1">
-              <a:shade val="50000"/>
-            </a:schemeClr>
-          </a:lnRef>
-          <a:fillRef idx="1">
-            <a:schemeClr val="accent1"/>
-          </a:fillRef>
-          <a:effectRef idx="0">
-            <a:schemeClr val="accent1"/>
-          </a:effectRef>
-          <a:fontRef idx="minor">
-            <a:schemeClr val="lt1"/>
-          </a:fontRef>
-        </p:style>
-        <p:txBody>
-          <a:bodyPr rtlCol="0" anchor="ctr"/>
-          <a:lstStyle/>
-          <a:p>
-            <a:pPr algn="ctr"/>
-            <a:r>
-              <a:rPr lang="da-DK" sz="3600" smtClean="0"/>
-              <a:t>”Lars”</a:t>
-            </a:r>
-            <a:endParaRPr lang="da-DK" sz="3600"/>
-          </a:p>
-        </p:txBody>
-      </p:sp>
-      <p:sp>
-        <p:nvSpPr>
-          <p:cNvPr id="4" name="Højrepil 3"/>
-          <p:cNvSpPr/>
-          <p:nvPr/>
-        </p:nvSpPr>
-        <p:spPr>
-          <a:xfrm>
-            <a:off x="2736715" y="3136486"/>
-            <a:ext cx="2581071" cy="929676"/>
-          </a:xfrm>
-          <a:prstGeom prst="rightArrow">
-            <a:avLst/>
-          </a:prstGeom>
-        </p:spPr>
-        <p:style>
-          <a:lnRef idx="2">
-            <a:schemeClr val="accent1">
-              <a:shade val="50000"/>
-            </a:schemeClr>
-          </a:lnRef>
-          <a:fillRef idx="1">
-            <a:schemeClr val="accent1"/>
-          </a:fillRef>
-          <a:effectRef idx="0">
-            <a:schemeClr val="accent1"/>
-          </a:effectRef>
-          <a:fontRef idx="minor">
-            <a:schemeClr val="lt1"/>
-          </a:fontRef>
-        </p:style>
-        <p:txBody>
-          <a:bodyPr rtlCol="0" anchor="ctr"/>
-          <a:lstStyle/>
-          <a:p>
-            <a:pPr algn="ctr"/>
-            <a:r>
-              <a:rPr lang="da-DK" sz="2800" smtClean="0"/>
-              <a:t>”Lars”</a:t>
-            </a:r>
-            <a:endParaRPr lang="da-DK" sz="2800"/>
-          </a:p>
-        </p:txBody>
-      </p:sp>
-    </p:spTree>
-    <p:extLst>
-      <p:ext uri="{BB962C8B-B14F-4D97-AF65-F5344CB8AC3E}">
-        <p14:creationId xmlns:p14="http://schemas.microsoft.com/office/powerpoint/2010/main" val="1325287166"/>
-      </p:ext>
-    </p:extLst>
-  </p:cSld>
-  <p:clrMapOvr>
-    <a:masterClrMapping/>
-  </p:clrMapOvr>
-  <mc:AlternateContent xmlns:mc="http://schemas.openxmlformats.org/markup-compatibility/2006">
-    <mc:Choice xmlns:p14="http://schemas.microsoft.com/office/powerpoint/2010/main" Requires="p14">
-      <p:transition spd="med" p14:dur="700">
-        <p:fade/>
-      </p:transition>
-    </mc:Choice>
-    <mc:Fallback>
-      <p:transition spd="med">
-        <p:fade/>
-      </p:transition>
-    </mc:Fallback>
-  </mc:AlternateContent>
-  <p:timing>
-    <p:tnLst>
-      <p:par>
-        <p:cTn id="1" dur="indefinite" restart="never" nodeType="tmRoot"/>
-      </p:par>
-    </p:tnLst>
-  </p:timing>
-</p:sld>
-</file>
-
-<file path=ppt/slides/slide47.xml><?xml version="1.0" encoding="utf-8"?>
-<p:sld xmlns:a="http://schemas.openxmlformats.org/drawingml/2006/main" xmlns:r="http://schemas.openxmlformats.org/officeDocument/2006/relationships" xmlns:p="http://schemas.openxmlformats.org/presentationml/2006/main">
-  <p:cSld>
-    <p:spTree>
-      <p:nvGrpSpPr>
-        <p:cNvPr id="1" name=""/>
-        <p:cNvGrpSpPr/>
-        <p:nvPr/>
-      </p:nvGrpSpPr>
-      <p:grpSpPr>
-        <a:xfrm>
-          <a:off x="0" y="0"/>
-          <a:ext cx="0" cy="0"/>
-          <a:chOff x="0" y="0"/>
-          <a:chExt cx="0" cy="0"/>
-        </a:xfrm>
-      </p:grpSpPr>
-      <p:sp>
-        <p:nvSpPr>
-          <p:cNvPr id="5" name="Afrundet rektangel 4"/>
-          <p:cNvSpPr/>
-          <p:nvPr/>
-        </p:nvSpPr>
-        <p:spPr>
-          <a:xfrm>
-            <a:off x="891704" y="3136486"/>
-            <a:ext cx="1501302" cy="794982"/>
-          </a:xfrm>
-          <a:prstGeom prst="roundRect">
-            <a:avLst/>
-          </a:prstGeom>
-          <a:solidFill>
-            <a:schemeClr val="bg2">
-              <a:lumMod val="50000"/>
-            </a:schemeClr>
-          </a:solidFill>
-        </p:spPr>
-        <p:style>
-          <a:lnRef idx="2">
-            <a:schemeClr val="accent1">
-              <a:shade val="50000"/>
-            </a:schemeClr>
-          </a:lnRef>
-          <a:fillRef idx="1">
-            <a:schemeClr val="accent1"/>
-          </a:fillRef>
-          <a:effectRef idx="0">
-            <a:schemeClr val="accent1"/>
-          </a:effectRef>
-          <a:fontRef idx="minor">
-            <a:schemeClr val="lt1"/>
-          </a:fontRef>
-        </p:style>
-        <p:txBody>
-          <a:bodyPr rtlCol="0" anchor="ctr"/>
-          <a:lstStyle/>
-          <a:p>
-            <a:pPr algn="ctr"/>
-            <a:r>
-              <a:rPr lang="da-DK" sz="4000" smtClean="0"/>
-              <a:t>Task</a:t>
-            </a:r>
-            <a:endParaRPr lang="da-DK" sz="4000"/>
-          </a:p>
-        </p:txBody>
-      </p:sp>
-      <p:sp>
-        <p:nvSpPr>
-          <p:cNvPr id="8" name="Afrundet rektangel 7"/>
-          <p:cNvSpPr/>
-          <p:nvPr/>
-        </p:nvSpPr>
-        <p:spPr>
-          <a:xfrm>
-            <a:off x="9798994" y="3142565"/>
-            <a:ext cx="1501302" cy="794982"/>
-          </a:xfrm>
-          <a:prstGeom prst="roundRect">
-            <a:avLst/>
-          </a:prstGeom>
-          <a:solidFill>
-            <a:schemeClr val="bg2">
-              <a:lumMod val="50000"/>
-            </a:schemeClr>
-          </a:solidFill>
-        </p:spPr>
-        <p:style>
-          <a:lnRef idx="2">
-            <a:schemeClr val="accent1">
-              <a:shade val="50000"/>
-            </a:schemeClr>
-          </a:lnRef>
-          <a:fillRef idx="1">
-            <a:schemeClr val="accent1"/>
-          </a:fillRef>
-          <a:effectRef idx="0">
-            <a:schemeClr val="accent1"/>
-          </a:effectRef>
-          <a:fontRef idx="minor">
-            <a:schemeClr val="lt1"/>
-          </a:fontRef>
-        </p:style>
-        <p:txBody>
-          <a:bodyPr rtlCol="0" anchor="ctr"/>
-          <a:lstStyle/>
-          <a:p>
-            <a:pPr algn="ctr"/>
-            <a:r>
-              <a:rPr lang="da-DK" sz="4000" smtClean="0"/>
-              <a:t>Task</a:t>
-            </a:r>
-            <a:endParaRPr lang="da-DK" sz="4000"/>
-          </a:p>
-        </p:txBody>
-      </p:sp>
-      <p:sp>
-        <p:nvSpPr>
-          <p:cNvPr id="9" name="Afrundet rektangel 8"/>
-          <p:cNvSpPr/>
-          <p:nvPr/>
-        </p:nvSpPr>
-        <p:spPr>
-          <a:xfrm>
-            <a:off x="4870316" y="1867712"/>
-            <a:ext cx="214008" cy="2451370"/>
-          </a:xfrm>
-          <a:prstGeom prst="roundRect">
-            <a:avLst/>
-          </a:prstGeom>
-          <a:solidFill>
-            <a:schemeClr val="accent4">
-              <a:lumMod val="75000"/>
-            </a:schemeClr>
-          </a:solidFill>
-        </p:spPr>
-        <p:style>
-          <a:lnRef idx="2">
-            <a:schemeClr val="accent1">
-              <a:shade val="50000"/>
-            </a:schemeClr>
-          </a:lnRef>
-          <a:fillRef idx="1">
-            <a:schemeClr val="accent1"/>
-          </a:fillRef>
-          <a:effectRef idx="0">
-            <a:schemeClr val="accent1"/>
-          </a:effectRef>
-          <a:fontRef idx="minor">
-            <a:schemeClr val="lt1"/>
-          </a:fontRef>
-        </p:style>
-        <p:txBody>
-          <a:bodyPr rtlCol="0" anchor="ctr"/>
-          <a:lstStyle/>
-          <a:p>
-            <a:pPr algn="ctr"/>
-            <a:endParaRPr lang="da-DK"/>
-          </a:p>
-        </p:txBody>
-      </p:sp>
-      <p:sp>
-        <p:nvSpPr>
-          <p:cNvPr id="10" name="Afrundet rektangel 9"/>
-          <p:cNvSpPr/>
-          <p:nvPr/>
-        </p:nvSpPr>
-        <p:spPr>
-          <a:xfrm>
-            <a:off x="5168630" y="3136486"/>
-            <a:ext cx="1854740" cy="933854"/>
-          </a:xfrm>
-          <a:prstGeom prst="roundRect">
-            <a:avLst/>
-          </a:prstGeom>
-          <a:solidFill>
-            <a:srgbClr val="C00000"/>
-          </a:solidFill>
-        </p:spPr>
-        <p:style>
-          <a:lnRef idx="2">
-            <a:schemeClr val="accent1">
-              <a:shade val="50000"/>
-            </a:schemeClr>
-          </a:lnRef>
-          <a:fillRef idx="1">
-            <a:schemeClr val="accent1"/>
-          </a:fillRef>
-          <a:effectRef idx="0">
-            <a:schemeClr val="accent1"/>
-          </a:effectRef>
-          <a:fontRef idx="minor">
-            <a:schemeClr val="lt1"/>
-          </a:fontRef>
-        </p:style>
-        <p:txBody>
-          <a:bodyPr rtlCol="0" anchor="ctr"/>
-          <a:lstStyle/>
-          <a:p>
-            <a:pPr algn="ctr"/>
-            <a:r>
-              <a:rPr lang="da-DK" sz="3600" smtClean="0"/>
-              <a:t>”Lars”</a:t>
-            </a:r>
-            <a:endParaRPr lang="da-DK" sz="3600"/>
-          </a:p>
-        </p:txBody>
-      </p:sp>
-      <p:sp>
-        <p:nvSpPr>
-          <p:cNvPr id="7" name="Højrepil 6"/>
-          <p:cNvSpPr/>
-          <p:nvPr/>
-        </p:nvSpPr>
-        <p:spPr>
-          <a:xfrm flipH="1">
-            <a:off x="6867728" y="3136486"/>
-            <a:ext cx="2590799" cy="929676"/>
-          </a:xfrm>
-          <a:prstGeom prst="rightArrow">
-            <a:avLst/>
-          </a:prstGeom>
-        </p:spPr>
-        <p:style>
-          <a:lnRef idx="2">
-            <a:schemeClr val="accent1">
-              <a:shade val="50000"/>
-            </a:schemeClr>
-          </a:lnRef>
-          <a:fillRef idx="1">
-            <a:schemeClr val="accent1"/>
-          </a:fillRef>
-          <a:effectRef idx="0">
-            <a:schemeClr val="accent1"/>
-          </a:effectRef>
-          <a:fontRef idx="minor">
-            <a:schemeClr val="lt1"/>
-          </a:fontRef>
-        </p:style>
-        <p:txBody>
-          <a:bodyPr rtlCol="0" anchor="ctr"/>
-          <a:lstStyle/>
-          <a:p>
-            <a:pPr algn="ctr"/>
-            <a:r>
-              <a:rPr lang="da-DK" sz="2800" smtClean="0"/>
-              <a:t>”Ole”</a:t>
-            </a:r>
-            <a:endParaRPr lang="da-DK" sz="2800"/>
-          </a:p>
-        </p:txBody>
-      </p:sp>
-    </p:spTree>
-    <p:extLst>
-      <p:ext uri="{BB962C8B-B14F-4D97-AF65-F5344CB8AC3E}">
-        <p14:creationId xmlns:p14="http://schemas.microsoft.com/office/powerpoint/2010/main" val="1416554777"/>
-      </p:ext>
-    </p:extLst>
-  </p:cSld>
-  <p:clrMapOvr>
-    <a:masterClrMapping/>
-  </p:clrMapOvr>
-  <mc:AlternateContent xmlns:mc="http://schemas.openxmlformats.org/markup-compatibility/2006">
-    <mc:Choice xmlns:p14="http://schemas.microsoft.com/office/powerpoint/2010/main" Requires="p14">
-      <p:transition spd="med" p14:dur="700">
-        <p:fade/>
-      </p:transition>
-    </mc:Choice>
-    <mc:Fallback>
-      <p:transition spd="med">
-        <p:fade/>
-      </p:transition>
-    </mc:Fallback>
-  </mc:AlternateContent>
-  <p:timing>
-    <p:tnLst>
-      <p:par>
-        <p:cTn id="1" dur="indefinite" restart="never" nodeType="tmRoot"/>
-      </p:par>
-    </p:tnLst>
-  </p:timing>
-</p:sld>
-</file>
-
-<file path=ppt/slides/slide48.xml><?xml version="1.0" encoding="utf-8"?>
-<p:sld xmlns:a="http://schemas.openxmlformats.org/drawingml/2006/main" xmlns:r="http://schemas.openxmlformats.org/officeDocument/2006/relationships" xmlns:p="http://schemas.openxmlformats.org/presentationml/2006/main">
-  <p:cSld>
-    <p:spTree>
-      <p:nvGrpSpPr>
-        <p:cNvPr id="1" name=""/>
-        <p:cNvGrpSpPr/>
-        <p:nvPr/>
-      </p:nvGrpSpPr>
-      <p:grpSpPr>
-        <a:xfrm>
-          <a:off x="0" y="0"/>
-          <a:ext cx="0" cy="0"/>
-          <a:chOff x="0" y="0"/>
-          <a:chExt cx="0" cy="0"/>
-        </a:xfrm>
-      </p:grpSpPr>
-      <p:sp>
-        <p:nvSpPr>
-          <p:cNvPr id="5" name="Afrundet rektangel 4"/>
-          <p:cNvSpPr/>
-          <p:nvPr/>
-        </p:nvSpPr>
-        <p:spPr>
-          <a:xfrm>
-            <a:off x="891704" y="3136486"/>
-            <a:ext cx="1501302" cy="794982"/>
-          </a:xfrm>
-          <a:prstGeom prst="roundRect">
-            <a:avLst/>
-          </a:prstGeom>
-          <a:solidFill>
-            <a:schemeClr val="bg2">
-              <a:lumMod val="50000"/>
-            </a:schemeClr>
-          </a:solidFill>
-        </p:spPr>
-        <p:style>
-          <a:lnRef idx="2">
-            <a:schemeClr val="accent1">
-              <a:shade val="50000"/>
-            </a:schemeClr>
-          </a:lnRef>
-          <a:fillRef idx="1">
-            <a:schemeClr val="accent1"/>
-          </a:fillRef>
-          <a:effectRef idx="0">
-            <a:schemeClr val="accent1"/>
-          </a:effectRef>
-          <a:fontRef idx="minor">
-            <a:schemeClr val="lt1"/>
-          </a:fontRef>
-        </p:style>
-        <p:txBody>
-          <a:bodyPr rtlCol="0" anchor="ctr"/>
-          <a:lstStyle/>
-          <a:p>
-            <a:pPr algn="ctr"/>
-            <a:r>
-              <a:rPr lang="da-DK" sz="4000" smtClean="0"/>
-              <a:t>Task</a:t>
-            </a:r>
-            <a:endParaRPr lang="da-DK" sz="4000"/>
-          </a:p>
-        </p:txBody>
-      </p:sp>
-      <p:sp>
-        <p:nvSpPr>
-          <p:cNvPr id="8" name="Afrundet rektangel 7"/>
-          <p:cNvSpPr/>
-          <p:nvPr/>
-        </p:nvSpPr>
-        <p:spPr>
-          <a:xfrm>
-            <a:off x="9798994" y="3142565"/>
-            <a:ext cx="1501302" cy="794982"/>
-          </a:xfrm>
-          <a:prstGeom prst="roundRect">
-            <a:avLst/>
-          </a:prstGeom>
-          <a:solidFill>
-            <a:schemeClr val="bg2">
-              <a:lumMod val="50000"/>
-            </a:schemeClr>
-          </a:solidFill>
-        </p:spPr>
-        <p:style>
-          <a:lnRef idx="2">
-            <a:schemeClr val="accent1">
-              <a:shade val="50000"/>
-            </a:schemeClr>
-          </a:lnRef>
-          <a:fillRef idx="1">
-            <a:schemeClr val="accent1"/>
-          </a:fillRef>
-          <a:effectRef idx="0">
-            <a:schemeClr val="accent1"/>
-          </a:effectRef>
-          <a:fontRef idx="minor">
-            <a:schemeClr val="lt1"/>
-          </a:fontRef>
-        </p:style>
-        <p:txBody>
-          <a:bodyPr rtlCol="0" anchor="ctr"/>
-          <a:lstStyle/>
-          <a:p>
-            <a:pPr algn="ctr"/>
-            <a:r>
-              <a:rPr lang="da-DK" sz="4000" smtClean="0"/>
-              <a:t>Task</a:t>
-            </a:r>
-            <a:endParaRPr lang="da-DK" sz="4000"/>
-          </a:p>
-        </p:txBody>
-      </p:sp>
-      <p:sp>
-        <p:nvSpPr>
-          <p:cNvPr id="9" name="Afrundet rektangel 8"/>
-          <p:cNvSpPr/>
-          <p:nvPr/>
-        </p:nvSpPr>
-        <p:spPr>
-          <a:xfrm>
-            <a:off x="4870316" y="1867712"/>
-            <a:ext cx="214008" cy="2451370"/>
-          </a:xfrm>
-          <a:prstGeom prst="roundRect">
-            <a:avLst/>
-          </a:prstGeom>
-          <a:solidFill>
-            <a:schemeClr val="accent4">
-              <a:lumMod val="75000"/>
-            </a:schemeClr>
-          </a:solidFill>
-        </p:spPr>
-        <p:style>
-          <a:lnRef idx="2">
-            <a:schemeClr val="accent1">
-              <a:shade val="50000"/>
-            </a:schemeClr>
-          </a:lnRef>
-          <a:fillRef idx="1">
-            <a:schemeClr val="accent1"/>
-          </a:fillRef>
-          <a:effectRef idx="0">
-            <a:schemeClr val="accent1"/>
-          </a:effectRef>
-          <a:fontRef idx="minor">
-            <a:schemeClr val="lt1"/>
-          </a:fontRef>
-        </p:style>
-        <p:txBody>
-          <a:bodyPr rtlCol="0" anchor="ctr"/>
-          <a:lstStyle/>
-          <a:p>
-            <a:pPr algn="ctr"/>
-            <a:endParaRPr lang="da-DK"/>
-          </a:p>
-        </p:txBody>
-      </p:sp>
-      <p:sp>
-        <p:nvSpPr>
-          <p:cNvPr id="10" name="Afrundet rektangel 9"/>
-          <p:cNvSpPr/>
-          <p:nvPr/>
-        </p:nvSpPr>
-        <p:spPr>
-          <a:xfrm>
-            <a:off x="5168630" y="3136486"/>
-            <a:ext cx="1854740" cy="933854"/>
-          </a:xfrm>
-          <a:prstGeom prst="roundRect">
-            <a:avLst/>
-          </a:prstGeom>
-          <a:solidFill>
-            <a:srgbClr val="C00000"/>
-          </a:solidFill>
-        </p:spPr>
-        <p:style>
-          <a:lnRef idx="2">
-            <a:schemeClr val="accent1">
-              <a:shade val="50000"/>
-            </a:schemeClr>
-          </a:lnRef>
-          <a:fillRef idx="1">
-            <a:schemeClr val="accent1"/>
-          </a:fillRef>
-          <a:effectRef idx="0">
-            <a:schemeClr val="accent1"/>
-          </a:effectRef>
-          <a:fontRef idx="minor">
-            <a:schemeClr val="lt1"/>
-          </a:fontRef>
-        </p:style>
-        <p:txBody>
-          <a:bodyPr rtlCol="0" anchor="ctr"/>
-          <a:lstStyle/>
-          <a:p>
-            <a:pPr algn="ctr"/>
-            <a:r>
-              <a:rPr lang="da-DK" sz="3600" smtClean="0"/>
-              <a:t>”Ole”</a:t>
-            </a:r>
-            <a:endParaRPr lang="da-DK" sz="3600"/>
-          </a:p>
-        </p:txBody>
-      </p:sp>
-      <p:sp>
-        <p:nvSpPr>
-          <p:cNvPr id="7" name="Højrepil 6"/>
-          <p:cNvSpPr/>
-          <p:nvPr/>
-        </p:nvSpPr>
-        <p:spPr>
-          <a:xfrm flipH="1">
-            <a:off x="6867728" y="3136486"/>
-            <a:ext cx="2590799" cy="929676"/>
-          </a:xfrm>
-          <a:prstGeom prst="rightArrow">
-            <a:avLst/>
-          </a:prstGeom>
-        </p:spPr>
-        <p:style>
-          <a:lnRef idx="2">
-            <a:schemeClr val="accent1">
-              <a:shade val="50000"/>
-            </a:schemeClr>
-          </a:lnRef>
-          <a:fillRef idx="1">
-            <a:schemeClr val="accent1"/>
-          </a:fillRef>
-          <a:effectRef idx="0">
-            <a:schemeClr val="accent1"/>
-          </a:effectRef>
-          <a:fontRef idx="minor">
-            <a:schemeClr val="lt1"/>
-          </a:fontRef>
-        </p:style>
-        <p:txBody>
-          <a:bodyPr rtlCol="0" anchor="ctr"/>
-          <a:lstStyle/>
-          <a:p>
-            <a:pPr algn="ctr"/>
-            <a:r>
-              <a:rPr lang="da-DK" sz="2800" smtClean="0"/>
-              <a:t>”Ole”</a:t>
-            </a:r>
-            <a:endParaRPr lang="da-DK" sz="2800"/>
-          </a:p>
-        </p:txBody>
-      </p:sp>
-    </p:spTree>
-    <p:extLst>
-      <p:ext uri="{BB962C8B-B14F-4D97-AF65-F5344CB8AC3E}">
-        <p14:creationId xmlns:p14="http://schemas.microsoft.com/office/powerpoint/2010/main" val="3144096730"/>
-      </p:ext>
-    </p:extLst>
-  </p:cSld>
-  <p:clrMapOvr>
-    <a:masterClrMapping/>
-  </p:clrMapOvr>
-  <mc:AlternateContent xmlns:mc="http://schemas.openxmlformats.org/markup-compatibility/2006">
-    <mc:Choice xmlns:p14="http://schemas.microsoft.com/office/powerpoint/2010/main" Requires="p14">
-      <p:transition spd="med" p14:dur="700">
-        <p:fade/>
-      </p:transition>
-    </mc:Choice>
-    <mc:Fallback>
-      <p:transition spd="med">
-        <p:fade/>
-      </p:transition>
-    </mc:Fallback>
-  </mc:AlternateContent>
-  <p:timing>
-    <p:tnLst>
-      <p:par>
-        <p:cTn id="1" dur="indefinite" restart="never" nodeType="tmRoot"/>
-      </p:par>
-    </p:tnLst>
-  </p:timing>
-</p:sld>
-</file>
-
-<file path=ppt/slides/slide49.xml><?xml version="1.0" encoding="utf-8"?>
-<p:sld xmlns:a="http://schemas.openxmlformats.org/drawingml/2006/main" xmlns:r="http://schemas.openxmlformats.org/officeDocument/2006/relationships" xmlns:p="http://schemas.openxmlformats.org/presentationml/2006/main">
-  <p:cSld>
-    <p:spTree>
-      <p:nvGrpSpPr>
-        <p:cNvPr id="1" name=""/>
-        <p:cNvGrpSpPr/>
-        <p:nvPr/>
-      </p:nvGrpSpPr>
-      <p:grpSpPr>
-        <a:xfrm>
-          <a:off x="0" y="0"/>
-          <a:ext cx="0" cy="0"/>
-          <a:chOff x="0" y="0"/>
-          <a:chExt cx="0" cy="0"/>
-        </a:xfrm>
-      </p:grpSpPr>
-      <p:sp>
-        <p:nvSpPr>
-          <p:cNvPr id="2" name="Afrundet rektangel 1"/>
-          <p:cNvSpPr/>
-          <p:nvPr/>
-        </p:nvSpPr>
-        <p:spPr>
-          <a:xfrm>
-            <a:off x="4870315" y="1867712"/>
-            <a:ext cx="2444885" cy="2451370"/>
-          </a:xfrm>
-          <a:prstGeom prst="roundRect">
-            <a:avLst/>
-          </a:prstGeom>
-          <a:solidFill>
-            <a:schemeClr val="accent4">
-              <a:lumMod val="75000"/>
-            </a:schemeClr>
-          </a:solidFill>
-        </p:spPr>
-        <p:style>
-          <a:lnRef idx="2">
-            <a:schemeClr val="accent1">
-              <a:shade val="50000"/>
-            </a:schemeClr>
-          </a:lnRef>
-          <a:fillRef idx="1">
-            <a:schemeClr val="accent1"/>
-          </a:fillRef>
-          <a:effectRef idx="0">
-            <a:schemeClr val="accent1"/>
-          </a:effectRef>
-          <a:fontRef idx="minor">
-            <a:schemeClr val="lt1"/>
-          </a:fontRef>
-        </p:style>
-        <p:txBody>
-          <a:bodyPr rtlCol="0" anchor="ctr"/>
-          <a:lstStyle/>
-          <a:p>
-            <a:pPr algn="ctr"/>
-            <a:endParaRPr lang="da-DK"/>
-          </a:p>
-        </p:txBody>
-      </p:sp>
-      <p:sp>
-        <p:nvSpPr>
-          <p:cNvPr id="5" name="Afrundet rektangel 4"/>
-          <p:cNvSpPr/>
-          <p:nvPr/>
-        </p:nvSpPr>
-        <p:spPr>
-          <a:xfrm>
-            <a:off x="891704" y="3136486"/>
-            <a:ext cx="1501302" cy="794982"/>
-          </a:xfrm>
-          <a:prstGeom prst="roundRect">
-            <a:avLst/>
-          </a:prstGeom>
-          <a:solidFill>
-            <a:schemeClr val="bg2">
-              <a:lumMod val="50000"/>
-            </a:schemeClr>
-          </a:solidFill>
-        </p:spPr>
-        <p:style>
-          <a:lnRef idx="2">
-            <a:schemeClr val="accent1">
-              <a:shade val="50000"/>
-            </a:schemeClr>
-          </a:lnRef>
-          <a:fillRef idx="1">
-            <a:schemeClr val="accent1"/>
-          </a:fillRef>
-          <a:effectRef idx="0">
-            <a:schemeClr val="accent1"/>
-          </a:effectRef>
-          <a:fontRef idx="minor">
-            <a:schemeClr val="lt1"/>
-          </a:fontRef>
-        </p:style>
-        <p:txBody>
-          <a:bodyPr rtlCol="0" anchor="ctr"/>
-          <a:lstStyle/>
-          <a:p>
-            <a:pPr algn="ctr"/>
-            <a:r>
-              <a:rPr lang="da-DK" sz="4000" smtClean="0"/>
-              <a:t>Task</a:t>
-            </a:r>
-            <a:endParaRPr lang="da-DK" sz="4000"/>
-          </a:p>
-        </p:txBody>
-      </p:sp>
-      <p:sp>
-        <p:nvSpPr>
-          <p:cNvPr id="6" name="Afrundet rektangel 5"/>
-          <p:cNvSpPr/>
-          <p:nvPr/>
-        </p:nvSpPr>
-        <p:spPr>
-          <a:xfrm>
-            <a:off x="5168630" y="3136486"/>
-            <a:ext cx="1854740" cy="933854"/>
-          </a:xfrm>
-          <a:prstGeom prst="roundRect">
-            <a:avLst/>
-          </a:prstGeom>
-          <a:solidFill>
-            <a:srgbClr val="C00000"/>
-          </a:solidFill>
-        </p:spPr>
-        <p:style>
-          <a:lnRef idx="2">
-            <a:schemeClr val="accent1">
-              <a:shade val="50000"/>
-            </a:schemeClr>
-          </a:lnRef>
-          <a:fillRef idx="1">
-            <a:schemeClr val="accent1"/>
-          </a:fillRef>
-          <a:effectRef idx="0">
-            <a:schemeClr val="accent1"/>
-          </a:effectRef>
-          <a:fontRef idx="minor">
-            <a:schemeClr val="lt1"/>
-          </a:fontRef>
-        </p:style>
-        <p:txBody>
-          <a:bodyPr rtlCol="0" anchor="ctr"/>
-          <a:lstStyle/>
-          <a:p>
-            <a:pPr algn="ctr"/>
-            <a:r>
-              <a:rPr lang="da-DK" sz="3600" smtClean="0"/>
-              <a:t>”Ole”</a:t>
-            </a:r>
-            <a:endParaRPr lang="da-DK" sz="3600"/>
-          </a:p>
-        </p:txBody>
-      </p:sp>
-      <p:sp>
-        <p:nvSpPr>
-          <p:cNvPr id="8" name="Afrundet rektangel 7"/>
-          <p:cNvSpPr/>
-          <p:nvPr/>
-        </p:nvSpPr>
-        <p:spPr>
-          <a:xfrm>
-            <a:off x="9798994" y="3142565"/>
-            <a:ext cx="1501302" cy="794982"/>
-          </a:xfrm>
-          <a:prstGeom prst="roundRect">
-            <a:avLst/>
-          </a:prstGeom>
-          <a:solidFill>
-            <a:schemeClr val="bg2">
-              <a:lumMod val="50000"/>
-            </a:schemeClr>
-          </a:solidFill>
-        </p:spPr>
-        <p:style>
-          <a:lnRef idx="2">
-            <a:schemeClr val="accent1">
-              <a:shade val="50000"/>
-            </a:schemeClr>
-          </a:lnRef>
-          <a:fillRef idx="1">
-            <a:schemeClr val="accent1"/>
-          </a:fillRef>
-          <a:effectRef idx="0">
-            <a:schemeClr val="accent1"/>
-          </a:effectRef>
-          <a:fontRef idx="minor">
-            <a:schemeClr val="lt1"/>
-          </a:fontRef>
-        </p:style>
-        <p:txBody>
-          <a:bodyPr rtlCol="0" anchor="ctr"/>
-          <a:lstStyle/>
-          <a:p>
-            <a:pPr algn="ctr"/>
-            <a:r>
-              <a:rPr lang="da-DK" sz="4000" smtClean="0"/>
-              <a:t>Task</a:t>
-            </a:r>
-            <a:endParaRPr lang="da-DK" sz="4000"/>
-          </a:p>
-        </p:txBody>
-      </p:sp>
-      <p:pic>
-        <p:nvPicPr>
-          <p:cNvPr id="3076" name="Picture 4" descr="Billedresultat for lock icon"/>
-          <p:cNvPicPr>
-            <a:picLocks noChangeAspect="1" noChangeArrowheads="1"/>
-          </p:cNvPicPr>
-          <p:nvPr/>
-        </p:nvPicPr>
-        <p:blipFill>
-          <a:blip r:embed="rId2" cstate="print">
-            <a:extLst>
-              <a:ext uri="{28A0092B-C50C-407E-A947-70E740481C1C}">
-                <a14:useLocalDpi xmlns:a14="http://schemas.microsoft.com/office/drawing/2010/main" val="0"/>
-              </a:ext>
-            </a:extLst>
-          </a:blip>
-          <a:srcRect/>
-          <a:stretch>
-            <a:fillRect/>
-          </a:stretch>
-        </p:blipFill>
-        <p:spPr bwMode="auto">
-          <a:xfrm>
-            <a:off x="5612858" y="2022200"/>
-            <a:ext cx="959798" cy="959798"/>
-          </a:xfrm>
-          <a:prstGeom prst="rect">
-            <a:avLst/>
-          </a:prstGeom>
-          <a:noFill/>
-          <a:extLst>
-            <a:ext uri="{909E8E84-426E-40DD-AFC4-6F175D3DCCD1}">
-              <a14:hiddenFill xmlns:a14="http://schemas.microsoft.com/office/drawing/2010/main">
-                <a:solidFill>
-                  <a:srgbClr val="FFFFFF"/>
-                </a:solidFill>
-              </a14:hiddenFill>
-            </a:ext>
-          </a:extLst>
-        </p:spPr>
-      </p:pic>
-    </p:spTree>
-    <p:extLst>
-      <p:ext uri="{BB962C8B-B14F-4D97-AF65-F5344CB8AC3E}">
-        <p14:creationId xmlns:p14="http://schemas.microsoft.com/office/powerpoint/2010/main" val="77763217"/>
-      </p:ext>
-    </p:extLst>
-  </p:cSld>
-  <p:clrMapOvr>
-    <a:masterClrMapping/>
-  </p:clrMapOvr>
-  <mc:AlternateContent xmlns:mc="http://schemas.openxmlformats.org/markup-compatibility/2006">
-    <mc:Choice xmlns:p14="http://schemas.microsoft.com/office/powerpoint/2010/main" Requires="p14">
-      <p:transition spd="med" p14:dur="700">
-        <p:fade/>
-      </p:transition>
-    </mc:Choice>
-    <mc:Fallback>
-      <p:transition spd="med">
-        <p:fade/>
       </p:transition>
     </mc:Fallback>
   </mc:AlternateContent>
@@ -19568,7 +15352,7 @@
           <a:p>
             <a:r>
               <a:rPr lang="da-DK" smtClean="0"/>
-              <a:t>Hvilke typer opgaver?</a:t>
+              <a:t>What kinds of operations?</a:t>
             </a:r>
             <a:endParaRPr lang="da-DK"/>
           </a:p>
@@ -19596,11 +15380,11 @@
           <a:p>
             <a:r>
               <a:rPr lang="da-DK" b="1" smtClean="0"/>
-              <a:t>CPU-relaterede</a:t>
+              <a:t>CPU-bound</a:t>
             </a:r>
             <a:r>
               <a:rPr lang="da-DK" smtClean="0"/>
-              <a:t>: Intensiv beregning</a:t>
+              <a:t>: Complex calculations</a:t>
             </a:r>
           </a:p>
           <a:p>
@@ -19610,7 +15394,7 @@
             </a:r>
             <a:r>
               <a:rPr lang="da-DK" smtClean="0"/>
-              <a:t>: Læs data fra ekstern kilde, måske over netværk/Internet</a:t>
+              <a:t>: Access data from an external source (database, web,…)</a:t>
             </a:r>
           </a:p>
           <a:p>
@@ -19619,29 +15403,33 @@
           <a:p>
             <a:r>
               <a:rPr lang="da-DK" smtClean="0"/>
-              <a:t>For begge tilfælde</a:t>
+              <a:t>For both kinds</a:t>
             </a:r>
           </a:p>
           <a:p>
             <a:pPr lvl="1"/>
             <a:r>
               <a:rPr lang="da-DK" smtClean="0"/>
-              <a:t>Minimér samlet tid (</a:t>
+              <a:t>Minimise </a:t>
             </a:r>
             <a:r>
               <a:rPr lang="da-DK" i="1" smtClean="0"/>
               <a:t>wall clock</a:t>
             </a:r>
             <a:r>
+              <a:rPr lang="da-DK"/>
+              <a:t> </a:t>
+            </a:r>
+            <a:r>
               <a:rPr lang="da-DK" smtClean="0"/>
-              <a:t>)</a:t>
+              <a:t>time</a:t>
             </a:r>
           </a:p>
           <a:p>
             <a:pPr lvl="1"/>
             <a:r>
               <a:rPr lang="da-DK" smtClean="0"/>
-              <a:t>Lad applikationen forblive responsiv</a:t>
+              <a:t>Keep application responsive</a:t>
             </a:r>
             <a:endParaRPr lang="da-DK"/>
           </a:p>
@@ -19725,7 +15513,7 @@
           <a:p>
             <a:r>
               <a:rPr lang="da-DK" smtClean="0"/>
-              <a:t>CPU-relateret</a:t>
+              <a:t>CPU-bound</a:t>
             </a:r>
             <a:endParaRPr lang="da-DK"/>
           </a:p>
@@ -19748,56 +15536,56 @@
           <a:p>
             <a:r>
               <a:rPr lang="da-DK" smtClean="0"/>
-              <a:t>Oftest en form for beregning</a:t>
+              <a:t>Usually some sort of calculation</a:t>
             </a:r>
           </a:p>
           <a:p>
             <a:r>
               <a:rPr lang="da-DK" smtClean="0"/>
-              <a:t>Kan beregningen </a:t>
+              <a:t>Can we </a:t>
             </a:r>
             <a:r>
               <a:rPr lang="da-DK" u="sng" smtClean="0"/>
-              <a:t>opdeles</a:t>
+              <a:t>divide</a:t>
             </a:r>
             <a:r>
               <a:rPr lang="da-DK" smtClean="0"/>
-              <a:t> i uafhængige dele?</a:t>
+              <a:t> the calculation into independent parts?</a:t>
             </a:r>
           </a:p>
           <a:p>
             <a:pPr lvl="1"/>
             <a:r>
               <a:rPr lang="da-DK" smtClean="0"/>
-              <a:t>Hver del-beregning producerer et del-resultat</a:t>
+              <a:t>Each partial calculation produces a partial result</a:t>
             </a:r>
           </a:p>
           <a:p>
             <a:pPr lvl="1"/>
             <a:r>
               <a:rPr lang="da-DK" smtClean="0"/>
-              <a:t>Del-resultater kan kombineres til endeligt resultat</a:t>
+              <a:t>Partial results are combined into the final result</a:t>
             </a:r>
           </a:p>
           <a:p>
             <a:r>
               <a:rPr lang="da-DK" smtClean="0"/>
-              <a:t>Kan hver del-beregning </a:t>
+              <a:t>Can the partial calculations be executed </a:t>
             </a:r>
             <a:r>
               <a:rPr lang="da-DK" u="sng" smtClean="0"/>
-              <a:t>afvikles</a:t>
+              <a:t>concurrently</a:t>
             </a:r>
             <a:r>
               <a:rPr lang="da-DK" smtClean="0"/>
-              <a:t> samtidigt på den givne HW?</a:t>
+              <a:t>, on the available hardware platform?</a:t>
             </a:r>
           </a:p>
           <a:p>
             <a:pPr lvl="1"/>
             <a:r>
               <a:rPr lang="da-DK" smtClean="0"/>
-              <a:t>Hvis CPU er </a:t>
+              <a:t>If CPU is </a:t>
             </a:r>
             <a:r>
               <a:rPr lang="da-DK" i="1" smtClean="0"/>
@@ -19805,24 +15593,24 @@
             </a:r>
             <a:r>
               <a:rPr lang="da-DK" smtClean="0"/>
-              <a:t>(= alle moderne CPUs)</a:t>
+              <a:t>(= all modern CPUs)</a:t>
             </a:r>
           </a:p>
           <a:p>
             <a:pPr lvl="1"/>
             <a:r>
               <a:rPr lang="da-DK" smtClean="0"/>
-              <a:t>Hvis cores ikke allerede er ”optaget”</a:t>
+              <a:t>If CPU cores are not already allocated to other work</a:t>
             </a:r>
           </a:p>
           <a:p>
             <a:r>
               <a:rPr lang="da-DK" b="1" smtClean="0"/>
-              <a:t>Eksempel</a:t>
+              <a:t>Example</a:t>
             </a:r>
             <a:r>
               <a:rPr lang="da-DK" smtClean="0"/>
-              <a:t>: Gennemsnit af stort antal </a:t>
+              <a:t>: Average of a large set of </a:t>
             </a:r>
             <a:r>
               <a:rPr lang="da-DK" i="1" smtClean="0"/>

--- a/CSharpProgramming/Presentations/ProgPartIII/Tasks.pptx
+++ b/CSharpProgramming/Presentations/ProgPartIII/Tasks.pptx
@@ -24,21 +24,22 @@
     <p:sldId id="350" r:id="rId18"/>
     <p:sldId id="351" r:id="rId19"/>
     <p:sldId id="339" r:id="rId20"/>
-    <p:sldId id="341" r:id="rId21"/>
-    <p:sldId id="340" r:id="rId22"/>
-    <p:sldId id="352" r:id="rId23"/>
-    <p:sldId id="353" r:id="rId24"/>
-    <p:sldId id="354" r:id="rId25"/>
-    <p:sldId id="355" r:id="rId26"/>
-    <p:sldId id="356" r:id="rId27"/>
-    <p:sldId id="359" r:id="rId28"/>
-    <p:sldId id="358" r:id="rId29"/>
-    <p:sldId id="357" r:id="rId30"/>
-    <p:sldId id="360" r:id="rId31"/>
-    <p:sldId id="361" r:id="rId32"/>
-    <p:sldId id="362" r:id="rId33"/>
-    <p:sldId id="364" r:id="rId34"/>
-    <p:sldId id="363" r:id="rId35"/>
+    <p:sldId id="365" r:id="rId21"/>
+    <p:sldId id="341" r:id="rId22"/>
+    <p:sldId id="340" r:id="rId23"/>
+    <p:sldId id="352" r:id="rId24"/>
+    <p:sldId id="353" r:id="rId25"/>
+    <p:sldId id="354" r:id="rId26"/>
+    <p:sldId id="355" r:id="rId27"/>
+    <p:sldId id="356" r:id="rId28"/>
+    <p:sldId id="359" r:id="rId29"/>
+    <p:sldId id="358" r:id="rId30"/>
+    <p:sldId id="357" r:id="rId31"/>
+    <p:sldId id="360" r:id="rId32"/>
+    <p:sldId id="361" r:id="rId33"/>
+    <p:sldId id="362" r:id="rId34"/>
+    <p:sldId id="364" r:id="rId35"/>
+    <p:sldId id="363" r:id="rId36"/>
   </p:sldIdLst>
   <p:sldSz cx="12192000" cy="6858000"/>
   <p:notesSz cx="6858000" cy="9144000"/>
@@ -276,7 +277,7 @@
           <a:p>
             <a:fld id="{E15B7D8E-2A20-4C0E-991C-872DBB7459A8}" type="datetimeFigureOut">
               <a:rPr lang="da-DK" smtClean="0"/>
-              <a:t>17-02-2018</a:t>
+              <a:t>06-03-2018</a:t>
             </a:fld>
             <a:endParaRPr lang="da-DK"/>
           </a:p>
@@ -446,7 +447,7 @@
           <a:p>
             <a:fld id="{E15B7D8E-2A20-4C0E-991C-872DBB7459A8}" type="datetimeFigureOut">
               <a:rPr lang="da-DK" smtClean="0"/>
-              <a:t>17-02-2018</a:t>
+              <a:t>06-03-2018</a:t>
             </a:fld>
             <a:endParaRPr lang="da-DK"/>
           </a:p>
@@ -626,7 +627,7 @@
           <a:p>
             <a:fld id="{E15B7D8E-2A20-4C0E-991C-872DBB7459A8}" type="datetimeFigureOut">
               <a:rPr lang="da-DK" smtClean="0"/>
-              <a:t>17-02-2018</a:t>
+              <a:t>06-03-2018</a:t>
             </a:fld>
             <a:endParaRPr lang="da-DK"/>
           </a:p>
@@ -796,7 +797,7 @@
           <a:p>
             <a:fld id="{E15B7D8E-2A20-4C0E-991C-872DBB7459A8}" type="datetimeFigureOut">
               <a:rPr lang="da-DK" smtClean="0"/>
-              <a:t>17-02-2018</a:t>
+              <a:t>06-03-2018</a:t>
             </a:fld>
             <a:endParaRPr lang="da-DK"/>
           </a:p>
@@ -1042,7 +1043,7 @@
           <a:p>
             <a:fld id="{E15B7D8E-2A20-4C0E-991C-872DBB7459A8}" type="datetimeFigureOut">
               <a:rPr lang="da-DK" smtClean="0"/>
-              <a:t>17-02-2018</a:t>
+              <a:t>06-03-2018</a:t>
             </a:fld>
             <a:endParaRPr lang="da-DK"/>
           </a:p>
@@ -1274,7 +1275,7 @@
           <a:p>
             <a:fld id="{E15B7D8E-2A20-4C0E-991C-872DBB7459A8}" type="datetimeFigureOut">
               <a:rPr lang="da-DK" smtClean="0"/>
-              <a:t>17-02-2018</a:t>
+              <a:t>06-03-2018</a:t>
             </a:fld>
             <a:endParaRPr lang="da-DK"/>
           </a:p>
@@ -1641,7 +1642,7 @@
           <a:p>
             <a:fld id="{E15B7D8E-2A20-4C0E-991C-872DBB7459A8}" type="datetimeFigureOut">
               <a:rPr lang="da-DK" smtClean="0"/>
-              <a:t>17-02-2018</a:t>
+              <a:t>06-03-2018</a:t>
             </a:fld>
             <a:endParaRPr lang="da-DK"/>
           </a:p>
@@ -1759,7 +1760,7 @@
           <a:p>
             <a:fld id="{E15B7D8E-2A20-4C0E-991C-872DBB7459A8}" type="datetimeFigureOut">
               <a:rPr lang="da-DK" smtClean="0"/>
-              <a:t>17-02-2018</a:t>
+              <a:t>06-03-2018</a:t>
             </a:fld>
             <a:endParaRPr lang="da-DK"/>
           </a:p>
@@ -1854,7 +1855,7 @@
           <a:p>
             <a:fld id="{E15B7D8E-2A20-4C0E-991C-872DBB7459A8}" type="datetimeFigureOut">
               <a:rPr lang="da-DK" smtClean="0"/>
-              <a:t>17-02-2018</a:t>
+              <a:t>06-03-2018</a:t>
             </a:fld>
             <a:endParaRPr lang="da-DK"/>
           </a:p>
@@ -2131,7 +2132,7 @@
           <a:p>
             <a:fld id="{E15B7D8E-2A20-4C0E-991C-872DBB7459A8}" type="datetimeFigureOut">
               <a:rPr lang="da-DK" smtClean="0"/>
-              <a:t>17-02-2018</a:t>
+              <a:t>06-03-2018</a:t>
             </a:fld>
             <a:endParaRPr lang="da-DK"/>
           </a:p>
@@ -2384,7 +2385,7 @@
           <a:p>
             <a:fld id="{E15B7D8E-2A20-4C0E-991C-872DBB7459A8}" type="datetimeFigureOut">
               <a:rPr lang="da-DK" smtClean="0"/>
-              <a:t>17-02-2018</a:t>
+              <a:t>06-03-2018</a:t>
             </a:fld>
             <a:endParaRPr lang="da-DK"/>
           </a:p>
@@ -2597,7 +2598,7 @@
           <a:p>
             <a:fld id="{E15B7D8E-2A20-4C0E-991C-872DBB7459A8}" type="datetimeFigureOut">
               <a:rPr lang="da-DK" smtClean="0"/>
-              <a:t>17-02-2018</a:t>
+              <a:t>06-03-2018</a:t>
             </a:fld>
             <a:endParaRPr lang="da-DK"/>
           </a:p>
@@ -9012,9 +9013,12 @@
               </a:spcBef>
               <a:buNone/>
             </a:pPr>
-            <a:endParaRPr lang="en-US" sz="1600" b="1" smtClean="0">
-              <a:latin typeface="Consolas" panose="020B0609020204030204" pitchFamily="49" charset="0"/>
-            </a:endParaRPr>
+            <a:r>
+              <a:rPr lang="en-US" sz="1600" b="1" smtClean="0">
+                <a:latin typeface="Consolas" panose="020B0609020204030204" pitchFamily="49" charset="0"/>
+              </a:rPr>
+              <a:t>    …</a:t>
+            </a:r>
           </a:p>
           <a:p>
             <a:pPr marL="0" indent="0">
@@ -9411,7 +9415,9 @@
             <a:avLst/>
           </a:prstGeom>
           <a:solidFill>
-            <a:srgbClr val="FF0000"/>
+            <a:schemeClr val="accent6">
+              <a:lumMod val="75000"/>
+            </a:schemeClr>
           </a:solidFill>
         </p:spPr>
         <p:style>
@@ -9445,7 +9451,391 @@
       </p:sp>
       <p:sp>
         <p:nvSpPr>
-          <p:cNvPr id="3" name="Højrepil 2"/>
+          <p:cNvPr id="7" name="Pladsholder til indhold 2"/>
+          <p:cNvSpPr>
+            <a:spLocks noGrp="1"/>
+          </p:cNvSpPr>
+          <p:nvPr>
+            <p:ph idx="1"/>
+          </p:nvPr>
+        </p:nvSpPr>
+        <p:spPr>
+          <a:xfrm>
+            <a:off x="7593932" y="646529"/>
+            <a:ext cx="4449679" cy="4617285"/>
+          </a:xfrm>
+        </p:spPr>
+        <p:txBody>
+          <a:bodyPr>
+            <a:normAutofit/>
+          </a:bodyPr>
+          <a:lstStyle/>
+          <a:p>
+            <a:pPr marL="0" indent="0">
+              <a:spcBef>
+                <a:spcPts val="0"/>
+              </a:spcBef>
+              <a:buNone/>
+            </a:pPr>
+            <a:r>
+              <a:rPr lang="en-US" sz="1600" b="1" smtClean="0">
+                <a:latin typeface="Consolas" panose="020B0609020204030204" pitchFamily="49" charset="0"/>
+              </a:rPr>
+              <a:t>InvokeFromGUI()</a:t>
+            </a:r>
+          </a:p>
+          <a:p>
+            <a:pPr marL="0" indent="0">
+              <a:spcBef>
+                <a:spcPts val="0"/>
+              </a:spcBef>
+              <a:buNone/>
+            </a:pPr>
+            <a:r>
+              <a:rPr lang="en-US" sz="1600" b="1" smtClean="0">
+                <a:latin typeface="Consolas" panose="020B0609020204030204" pitchFamily="49" charset="0"/>
+              </a:rPr>
+              <a:t>{</a:t>
+            </a:r>
+          </a:p>
+          <a:p>
+            <a:pPr marL="0" indent="0">
+              <a:spcBef>
+                <a:spcPts val="0"/>
+              </a:spcBef>
+              <a:buNone/>
+            </a:pPr>
+            <a:r>
+              <a:rPr lang="en-US" sz="1600" b="1">
+                <a:latin typeface="Consolas" panose="020B0609020204030204" pitchFamily="49" charset="0"/>
+              </a:rPr>
+              <a:t> </a:t>
+            </a:r>
+            <a:r>
+              <a:rPr lang="en-US" sz="1600" b="1" smtClean="0">
+                <a:latin typeface="Consolas" panose="020B0609020204030204" pitchFamily="49" charset="0"/>
+              </a:rPr>
+              <a:t>   </a:t>
+            </a:r>
+            <a:r>
+              <a:rPr lang="en-US" sz="1600" b="1" smtClean="0">
+                <a:solidFill>
+                  <a:schemeClr val="accent6">
+                    <a:lumMod val="75000"/>
+                  </a:schemeClr>
+                </a:solidFill>
+                <a:latin typeface="Consolas" panose="020B0609020204030204" pitchFamily="49" charset="0"/>
+              </a:rPr>
+              <a:t>Task</a:t>
+            </a:r>
+            <a:r>
+              <a:rPr lang="en-US" sz="1600" b="1" smtClean="0">
+                <a:latin typeface="Consolas" panose="020B0609020204030204" pitchFamily="49" charset="0"/>
+              </a:rPr>
+              <a:t> taskA = </a:t>
+            </a:r>
+            <a:r>
+              <a:rPr lang="en-US" sz="1600" b="1">
+                <a:solidFill>
+                  <a:schemeClr val="accent1">
+                    <a:lumMod val="75000"/>
+                  </a:schemeClr>
+                </a:solidFill>
+                <a:latin typeface="Consolas" panose="020B0609020204030204" pitchFamily="49" charset="0"/>
+              </a:rPr>
+              <a:t>new</a:t>
+            </a:r>
+            <a:r>
+              <a:rPr lang="en-US" sz="1600" b="1" smtClean="0">
+                <a:latin typeface="Consolas" panose="020B0609020204030204" pitchFamily="49" charset="0"/>
+              </a:rPr>
+              <a:t> </a:t>
+            </a:r>
+            <a:r>
+              <a:rPr lang="en-US" sz="1600" b="1">
+                <a:solidFill>
+                  <a:schemeClr val="accent6">
+                    <a:lumMod val="75000"/>
+                  </a:schemeClr>
+                </a:solidFill>
+                <a:latin typeface="Consolas" panose="020B0609020204030204" pitchFamily="49" charset="0"/>
+              </a:rPr>
+              <a:t>Task</a:t>
+            </a:r>
+            <a:r>
+              <a:rPr lang="en-US" sz="1600" b="1" smtClean="0">
+                <a:latin typeface="Consolas" panose="020B0609020204030204" pitchFamily="49" charset="0"/>
+              </a:rPr>
+              <a:t>(()=&gt;{…});</a:t>
+            </a:r>
+          </a:p>
+          <a:p>
+            <a:pPr marL="0" indent="0">
+              <a:spcBef>
+                <a:spcPts val="0"/>
+              </a:spcBef>
+              <a:buNone/>
+            </a:pPr>
+            <a:r>
+              <a:rPr lang="en-US" sz="1600" b="1">
+                <a:latin typeface="Consolas" panose="020B0609020204030204" pitchFamily="49" charset="0"/>
+              </a:rPr>
+              <a:t> </a:t>
+            </a:r>
+            <a:r>
+              <a:rPr lang="en-US" sz="1600" b="1" smtClean="0">
+                <a:latin typeface="Consolas" panose="020B0609020204030204" pitchFamily="49" charset="0"/>
+              </a:rPr>
+              <a:t>   </a:t>
+            </a:r>
+            <a:r>
+              <a:rPr lang="en-US" sz="1600" b="1" smtClean="0">
+                <a:solidFill>
+                  <a:schemeClr val="accent6">
+                    <a:lumMod val="75000"/>
+                  </a:schemeClr>
+                </a:solidFill>
+                <a:latin typeface="Consolas" panose="020B0609020204030204" pitchFamily="49" charset="0"/>
+              </a:rPr>
+              <a:t>Task</a:t>
+            </a:r>
+            <a:r>
+              <a:rPr lang="en-US" sz="1600" b="1" smtClean="0">
+                <a:latin typeface="Consolas" panose="020B0609020204030204" pitchFamily="49" charset="0"/>
+              </a:rPr>
+              <a:t> taskB </a:t>
+            </a:r>
+            <a:r>
+              <a:rPr lang="en-US" sz="1600" b="1">
+                <a:latin typeface="Consolas" panose="020B0609020204030204" pitchFamily="49" charset="0"/>
+              </a:rPr>
+              <a:t>= </a:t>
+            </a:r>
+            <a:r>
+              <a:rPr lang="en-US" sz="1600" b="1">
+                <a:solidFill>
+                  <a:schemeClr val="accent1">
+                    <a:lumMod val="75000"/>
+                  </a:schemeClr>
+                </a:solidFill>
+                <a:latin typeface="Consolas" panose="020B0609020204030204" pitchFamily="49" charset="0"/>
+              </a:rPr>
+              <a:t>new</a:t>
+            </a:r>
+            <a:r>
+              <a:rPr lang="en-US" sz="1600" b="1">
+                <a:latin typeface="Consolas" panose="020B0609020204030204" pitchFamily="49" charset="0"/>
+              </a:rPr>
+              <a:t> </a:t>
+            </a:r>
+            <a:r>
+              <a:rPr lang="en-US" sz="1600" b="1">
+                <a:solidFill>
+                  <a:schemeClr val="accent6">
+                    <a:lumMod val="75000"/>
+                  </a:schemeClr>
+                </a:solidFill>
+                <a:latin typeface="Consolas" panose="020B0609020204030204" pitchFamily="49" charset="0"/>
+              </a:rPr>
+              <a:t>Task</a:t>
+            </a:r>
+            <a:r>
+              <a:rPr lang="en-US" sz="1600" b="1" smtClean="0">
+                <a:latin typeface="Consolas" panose="020B0609020204030204" pitchFamily="49" charset="0"/>
+              </a:rPr>
+              <a:t>(()=&gt;{…});</a:t>
+            </a:r>
+          </a:p>
+          <a:p>
+            <a:pPr marL="0" indent="0">
+              <a:spcBef>
+                <a:spcPts val="0"/>
+              </a:spcBef>
+              <a:buNone/>
+            </a:pPr>
+            <a:endParaRPr lang="en-US" sz="1600" b="1" smtClean="0">
+              <a:latin typeface="Consolas" panose="020B0609020204030204" pitchFamily="49" charset="0"/>
+            </a:endParaRPr>
+          </a:p>
+          <a:p>
+            <a:pPr marL="0" indent="0">
+              <a:spcBef>
+                <a:spcPts val="0"/>
+              </a:spcBef>
+              <a:buNone/>
+            </a:pPr>
+            <a:r>
+              <a:rPr lang="en-US" sz="1600" b="1">
+                <a:latin typeface="Consolas" panose="020B0609020204030204" pitchFamily="49" charset="0"/>
+              </a:rPr>
+              <a:t> </a:t>
+            </a:r>
+            <a:r>
+              <a:rPr lang="en-US" sz="1600" b="1" smtClean="0">
+                <a:latin typeface="Consolas" panose="020B0609020204030204" pitchFamily="49" charset="0"/>
+              </a:rPr>
+              <a:t>   taskA.Start();</a:t>
+            </a:r>
+          </a:p>
+          <a:p>
+            <a:pPr marL="0" indent="0">
+              <a:spcBef>
+                <a:spcPts val="0"/>
+              </a:spcBef>
+              <a:buNone/>
+            </a:pPr>
+            <a:r>
+              <a:rPr lang="en-US" sz="1600" b="1">
+                <a:latin typeface="Consolas" panose="020B0609020204030204" pitchFamily="49" charset="0"/>
+              </a:rPr>
+              <a:t> </a:t>
+            </a:r>
+            <a:r>
+              <a:rPr lang="en-US" sz="1600" b="1" smtClean="0">
+                <a:latin typeface="Consolas" panose="020B0609020204030204" pitchFamily="49" charset="0"/>
+              </a:rPr>
+              <a:t>   taskB.Start();</a:t>
+            </a:r>
+          </a:p>
+          <a:p>
+            <a:pPr marL="0" indent="0">
+              <a:spcBef>
+                <a:spcPts val="0"/>
+              </a:spcBef>
+              <a:buNone/>
+            </a:pPr>
+            <a:r>
+              <a:rPr lang="en-US" sz="1600" b="1" smtClean="0">
+                <a:latin typeface="Consolas" panose="020B0609020204030204" pitchFamily="49" charset="0"/>
+              </a:rPr>
+              <a:t>    </a:t>
+            </a:r>
+            <a:r>
+              <a:rPr lang="en-US" sz="1600" b="1" smtClean="0">
+                <a:solidFill>
+                  <a:srgbClr val="FF0000"/>
+                </a:solidFill>
+                <a:latin typeface="Consolas" panose="020B0609020204030204" pitchFamily="49" charset="0"/>
+              </a:rPr>
+              <a:t>…</a:t>
+            </a:r>
+          </a:p>
+          <a:p>
+            <a:pPr marL="0" indent="0">
+              <a:spcBef>
+                <a:spcPts val="0"/>
+              </a:spcBef>
+              <a:buNone/>
+            </a:pPr>
+            <a:r>
+              <a:rPr lang="en-US" sz="1600" b="1">
+                <a:latin typeface="Consolas" panose="020B0609020204030204" pitchFamily="49" charset="0"/>
+              </a:rPr>
+              <a:t> </a:t>
+            </a:r>
+            <a:r>
+              <a:rPr lang="en-US" sz="1600" b="1" smtClean="0">
+                <a:latin typeface="Consolas" panose="020B0609020204030204" pitchFamily="49" charset="0"/>
+              </a:rPr>
+              <a:t>   </a:t>
+            </a:r>
+            <a:r>
+              <a:rPr lang="en-US" sz="1600" b="1" smtClean="0">
+                <a:solidFill>
+                  <a:schemeClr val="accent6">
+                    <a:lumMod val="75000"/>
+                  </a:schemeClr>
+                </a:solidFill>
+                <a:latin typeface="Consolas" panose="020B0609020204030204" pitchFamily="49" charset="0"/>
+              </a:rPr>
+              <a:t>Task</a:t>
+            </a:r>
+            <a:r>
+              <a:rPr lang="en-US" sz="1600" b="1" smtClean="0">
+                <a:latin typeface="Consolas" panose="020B0609020204030204" pitchFamily="49" charset="0"/>
+              </a:rPr>
+              <a:t>.WaitAll(taskA, taskB);</a:t>
+            </a:r>
+          </a:p>
+          <a:p>
+            <a:pPr marL="0" indent="0">
+              <a:spcBef>
+                <a:spcPts val="0"/>
+              </a:spcBef>
+              <a:buNone/>
+            </a:pPr>
+            <a:endParaRPr lang="en-US" sz="1600" b="1" smtClean="0">
+              <a:latin typeface="Consolas" panose="020B0609020204030204" pitchFamily="49" charset="0"/>
+            </a:endParaRPr>
+          </a:p>
+          <a:p>
+            <a:pPr marL="0" indent="0">
+              <a:spcBef>
+                <a:spcPts val="0"/>
+              </a:spcBef>
+              <a:buNone/>
+            </a:pPr>
+            <a:r>
+              <a:rPr lang="en-US" sz="1600" b="1">
+                <a:latin typeface="Consolas" panose="020B0609020204030204" pitchFamily="49" charset="0"/>
+              </a:rPr>
+              <a:t> </a:t>
+            </a:r>
+            <a:r>
+              <a:rPr lang="en-US" sz="1600" b="1" smtClean="0">
+                <a:latin typeface="Consolas" panose="020B0609020204030204" pitchFamily="49" charset="0"/>
+              </a:rPr>
+              <a:t>   </a:t>
+            </a:r>
+            <a:r>
+              <a:rPr lang="en-US" sz="1600" b="1" smtClean="0">
+                <a:solidFill>
+                  <a:schemeClr val="accent1">
+                    <a:lumMod val="75000"/>
+                  </a:schemeClr>
+                </a:solidFill>
+                <a:latin typeface="Consolas" panose="020B0609020204030204" pitchFamily="49" charset="0"/>
+              </a:rPr>
+              <a:t>return</a:t>
+            </a:r>
+            <a:r>
+              <a:rPr lang="en-US" sz="1600" b="1" smtClean="0">
+                <a:solidFill>
+                  <a:srgbClr val="FF0000"/>
+                </a:solidFill>
+                <a:latin typeface="Consolas" panose="020B0609020204030204" pitchFamily="49" charset="0"/>
+              </a:rPr>
+              <a:t> </a:t>
+            </a:r>
+            <a:r>
+              <a:rPr lang="en-US" sz="1600" b="1" smtClean="0">
+                <a:latin typeface="Consolas" panose="020B0609020204030204" pitchFamily="49" charset="0"/>
+              </a:rPr>
+              <a:t>(resultA + resultB)/2;</a:t>
+            </a:r>
+          </a:p>
+          <a:p>
+            <a:pPr marL="0" indent="0">
+              <a:spcBef>
+                <a:spcPts val="0"/>
+              </a:spcBef>
+              <a:buNone/>
+            </a:pPr>
+            <a:r>
+              <a:rPr lang="en-US" sz="1600" b="1">
+                <a:latin typeface="Consolas" panose="020B0609020204030204" pitchFamily="49" charset="0"/>
+              </a:rPr>
+              <a:t>}</a:t>
+            </a:r>
+            <a:endParaRPr lang="en-US" sz="1600" b="1" smtClean="0">
+              <a:latin typeface="Consolas" panose="020B0609020204030204" pitchFamily="49" charset="0"/>
+            </a:endParaRPr>
+          </a:p>
+        </p:txBody>
+      </p:sp>
+      <p:sp>
+        <p:nvSpPr>
+          <p:cNvPr id="4" name="Højrepil 3"/>
           <p:cNvSpPr/>
           <p:nvPr/>
         </p:nvSpPr>
@@ -9495,371 +9885,7 @@
       </p:sp>
       <p:sp>
         <p:nvSpPr>
-          <p:cNvPr id="7" name="Pladsholder til indhold 2"/>
-          <p:cNvSpPr>
-            <a:spLocks noGrp="1"/>
-          </p:cNvSpPr>
-          <p:nvPr>
-            <p:ph idx="1"/>
-          </p:nvPr>
-        </p:nvSpPr>
-        <p:spPr>
-          <a:xfrm>
-            <a:off x="7593932" y="646529"/>
-            <a:ext cx="4449679" cy="4617285"/>
-          </a:xfrm>
-        </p:spPr>
-        <p:txBody>
-          <a:bodyPr>
-            <a:normAutofit/>
-          </a:bodyPr>
-          <a:lstStyle/>
-          <a:p>
-            <a:pPr marL="0" indent="0">
-              <a:spcBef>
-                <a:spcPts val="0"/>
-              </a:spcBef>
-              <a:buNone/>
-            </a:pPr>
-            <a:r>
-              <a:rPr lang="en-US" sz="1600" b="1" smtClean="0">
-                <a:latin typeface="Consolas" panose="020B0609020204030204" pitchFamily="49" charset="0"/>
-              </a:rPr>
-              <a:t>InvokeFromGUI()</a:t>
-            </a:r>
-          </a:p>
-          <a:p>
-            <a:pPr marL="0" indent="0">
-              <a:spcBef>
-                <a:spcPts val="0"/>
-              </a:spcBef>
-              <a:buNone/>
-            </a:pPr>
-            <a:r>
-              <a:rPr lang="en-US" sz="1600" b="1" smtClean="0">
-                <a:latin typeface="Consolas" panose="020B0609020204030204" pitchFamily="49" charset="0"/>
-              </a:rPr>
-              <a:t>{</a:t>
-            </a:r>
-          </a:p>
-          <a:p>
-            <a:pPr marL="0" indent="0">
-              <a:spcBef>
-                <a:spcPts val="0"/>
-              </a:spcBef>
-              <a:buNone/>
-            </a:pPr>
-            <a:r>
-              <a:rPr lang="en-US" sz="1600" b="1">
-                <a:latin typeface="Consolas" panose="020B0609020204030204" pitchFamily="49" charset="0"/>
-              </a:rPr>
-              <a:t> </a:t>
-            </a:r>
-            <a:r>
-              <a:rPr lang="en-US" sz="1600" b="1" smtClean="0">
-                <a:latin typeface="Consolas" panose="020B0609020204030204" pitchFamily="49" charset="0"/>
-              </a:rPr>
-              <a:t>   </a:t>
-            </a:r>
-            <a:r>
-              <a:rPr lang="en-US" sz="1600" b="1" smtClean="0">
-                <a:solidFill>
-                  <a:schemeClr val="accent6">
-                    <a:lumMod val="75000"/>
-                  </a:schemeClr>
-                </a:solidFill>
-                <a:latin typeface="Consolas" panose="020B0609020204030204" pitchFamily="49" charset="0"/>
-              </a:rPr>
-              <a:t>Task</a:t>
-            </a:r>
-            <a:r>
-              <a:rPr lang="en-US" sz="1600" b="1" smtClean="0">
-                <a:latin typeface="Consolas" panose="020B0609020204030204" pitchFamily="49" charset="0"/>
-              </a:rPr>
-              <a:t> taskA = </a:t>
-            </a:r>
-            <a:r>
-              <a:rPr lang="en-US" sz="1600" b="1">
-                <a:solidFill>
-                  <a:schemeClr val="accent1">
-                    <a:lumMod val="75000"/>
-                  </a:schemeClr>
-                </a:solidFill>
-                <a:latin typeface="Consolas" panose="020B0609020204030204" pitchFamily="49" charset="0"/>
-              </a:rPr>
-              <a:t>new</a:t>
-            </a:r>
-            <a:r>
-              <a:rPr lang="en-US" sz="1600" b="1" smtClean="0">
-                <a:latin typeface="Consolas" panose="020B0609020204030204" pitchFamily="49" charset="0"/>
-              </a:rPr>
-              <a:t> </a:t>
-            </a:r>
-            <a:r>
-              <a:rPr lang="en-US" sz="1600" b="1">
-                <a:solidFill>
-                  <a:schemeClr val="accent6">
-                    <a:lumMod val="75000"/>
-                  </a:schemeClr>
-                </a:solidFill>
-                <a:latin typeface="Consolas" panose="020B0609020204030204" pitchFamily="49" charset="0"/>
-              </a:rPr>
-              <a:t>Task</a:t>
-            </a:r>
-            <a:r>
-              <a:rPr lang="en-US" sz="1600" b="1" smtClean="0">
-                <a:latin typeface="Consolas" panose="020B0609020204030204" pitchFamily="49" charset="0"/>
-              </a:rPr>
-              <a:t>(()=&gt;{…});</a:t>
-            </a:r>
-          </a:p>
-          <a:p>
-            <a:pPr marL="0" indent="0">
-              <a:spcBef>
-                <a:spcPts val="0"/>
-              </a:spcBef>
-              <a:buNone/>
-            </a:pPr>
-            <a:r>
-              <a:rPr lang="en-US" sz="1600" b="1">
-                <a:latin typeface="Consolas" panose="020B0609020204030204" pitchFamily="49" charset="0"/>
-              </a:rPr>
-              <a:t> </a:t>
-            </a:r>
-            <a:r>
-              <a:rPr lang="en-US" sz="1600" b="1" smtClean="0">
-                <a:latin typeface="Consolas" panose="020B0609020204030204" pitchFamily="49" charset="0"/>
-              </a:rPr>
-              <a:t>   </a:t>
-            </a:r>
-            <a:r>
-              <a:rPr lang="en-US" sz="1600" b="1" smtClean="0">
-                <a:solidFill>
-                  <a:schemeClr val="accent6">
-                    <a:lumMod val="75000"/>
-                  </a:schemeClr>
-                </a:solidFill>
-                <a:latin typeface="Consolas" panose="020B0609020204030204" pitchFamily="49" charset="0"/>
-              </a:rPr>
-              <a:t>Task</a:t>
-            </a:r>
-            <a:r>
-              <a:rPr lang="en-US" sz="1600" b="1" smtClean="0">
-                <a:latin typeface="Consolas" panose="020B0609020204030204" pitchFamily="49" charset="0"/>
-              </a:rPr>
-              <a:t> taskB </a:t>
-            </a:r>
-            <a:r>
-              <a:rPr lang="en-US" sz="1600" b="1">
-                <a:latin typeface="Consolas" panose="020B0609020204030204" pitchFamily="49" charset="0"/>
-              </a:rPr>
-              <a:t>= </a:t>
-            </a:r>
-            <a:r>
-              <a:rPr lang="en-US" sz="1600" b="1">
-                <a:solidFill>
-                  <a:schemeClr val="accent1">
-                    <a:lumMod val="75000"/>
-                  </a:schemeClr>
-                </a:solidFill>
-                <a:latin typeface="Consolas" panose="020B0609020204030204" pitchFamily="49" charset="0"/>
-              </a:rPr>
-              <a:t>new</a:t>
-            </a:r>
-            <a:r>
-              <a:rPr lang="en-US" sz="1600" b="1">
-                <a:latin typeface="Consolas" panose="020B0609020204030204" pitchFamily="49" charset="0"/>
-              </a:rPr>
-              <a:t> </a:t>
-            </a:r>
-            <a:r>
-              <a:rPr lang="en-US" sz="1600" b="1">
-                <a:solidFill>
-                  <a:schemeClr val="accent6">
-                    <a:lumMod val="75000"/>
-                  </a:schemeClr>
-                </a:solidFill>
-                <a:latin typeface="Consolas" panose="020B0609020204030204" pitchFamily="49" charset="0"/>
-              </a:rPr>
-              <a:t>Task</a:t>
-            </a:r>
-            <a:r>
-              <a:rPr lang="en-US" sz="1600" b="1" smtClean="0">
-                <a:latin typeface="Consolas" panose="020B0609020204030204" pitchFamily="49" charset="0"/>
-              </a:rPr>
-              <a:t>(()=&gt;{…});</a:t>
-            </a:r>
-          </a:p>
-          <a:p>
-            <a:pPr marL="0" indent="0">
-              <a:spcBef>
-                <a:spcPts val="0"/>
-              </a:spcBef>
-              <a:buNone/>
-            </a:pPr>
-            <a:endParaRPr lang="en-US" sz="1600" b="1" smtClean="0">
-              <a:latin typeface="Consolas" panose="020B0609020204030204" pitchFamily="49" charset="0"/>
-            </a:endParaRPr>
-          </a:p>
-          <a:p>
-            <a:pPr marL="0" indent="0">
-              <a:spcBef>
-                <a:spcPts val="0"/>
-              </a:spcBef>
-              <a:buNone/>
-            </a:pPr>
-            <a:r>
-              <a:rPr lang="en-US" sz="1600" b="1">
-                <a:latin typeface="Consolas" panose="020B0609020204030204" pitchFamily="49" charset="0"/>
-              </a:rPr>
-              <a:t> </a:t>
-            </a:r>
-            <a:r>
-              <a:rPr lang="en-US" sz="1600" b="1" smtClean="0">
-                <a:latin typeface="Consolas" panose="020B0609020204030204" pitchFamily="49" charset="0"/>
-              </a:rPr>
-              <a:t>   taskA.Start();</a:t>
-            </a:r>
-          </a:p>
-          <a:p>
-            <a:pPr marL="0" indent="0">
-              <a:spcBef>
-                <a:spcPts val="0"/>
-              </a:spcBef>
-              <a:buNone/>
-            </a:pPr>
-            <a:r>
-              <a:rPr lang="en-US" sz="1600" b="1">
-                <a:latin typeface="Consolas" panose="020B0609020204030204" pitchFamily="49" charset="0"/>
-              </a:rPr>
-              <a:t> </a:t>
-            </a:r>
-            <a:r>
-              <a:rPr lang="en-US" sz="1600" b="1" smtClean="0">
-                <a:latin typeface="Consolas" panose="020B0609020204030204" pitchFamily="49" charset="0"/>
-              </a:rPr>
-              <a:t>   taskB.Start();</a:t>
-            </a:r>
-          </a:p>
-          <a:p>
-            <a:pPr marL="0" indent="0">
-              <a:spcBef>
-                <a:spcPts val="0"/>
-              </a:spcBef>
-              <a:buNone/>
-            </a:pPr>
-            <a:endParaRPr lang="en-US" sz="1600" b="1" smtClean="0">
-              <a:latin typeface="Consolas" panose="020B0609020204030204" pitchFamily="49" charset="0"/>
-            </a:endParaRPr>
-          </a:p>
-          <a:p>
-            <a:pPr marL="0" indent="0">
-              <a:spcBef>
-                <a:spcPts val="0"/>
-              </a:spcBef>
-              <a:buNone/>
-            </a:pPr>
-            <a:r>
-              <a:rPr lang="en-US" sz="1600" b="1">
-                <a:latin typeface="Consolas" panose="020B0609020204030204" pitchFamily="49" charset="0"/>
-              </a:rPr>
-              <a:t> </a:t>
-            </a:r>
-            <a:r>
-              <a:rPr lang="en-US" sz="1600" b="1" smtClean="0">
-                <a:latin typeface="Consolas" panose="020B0609020204030204" pitchFamily="49" charset="0"/>
-              </a:rPr>
-              <a:t>   </a:t>
-            </a:r>
-            <a:r>
-              <a:rPr lang="en-US" sz="1600" b="1" smtClean="0">
-                <a:solidFill>
-                  <a:srgbClr val="FF0000"/>
-                </a:solidFill>
-                <a:latin typeface="Consolas" panose="020B0609020204030204" pitchFamily="49" charset="0"/>
-              </a:rPr>
-              <a:t>Task.WaitAll(taskA, taskB);</a:t>
-            </a:r>
-          </a:p>
-          <a:p>
-            <a:pPr marL="0" indent="0">
-              <a:spcBef>
-                <a:spcPts val="0"/>
-              </a:spcBef>
-              <a:buNone/>
-            </a:pPr>
-            <a:endParaRPr lang="en-US" sz="1600" b="1" smtClean="0">
-              <a:latin typeface="Consolas" panose="020B0609020204030204" pitchFamily="49" charset="0"/>
-            </a:endParaRPr>
-          </a:p>
-          <a:p>
-            <a:pPr marL="0" indent="0">
-              <a:spcBef>
-                <a:spcPts val="0"/>
-              </a:spcBef>
-              <a:buNone/>
-            </a:pPr>
-            <a:r>
-              <a:rPr lang="en-US" sz="1600" b="1">
-                <a:latin typeface="Consolas" panose="020B0609020204030204" pitchFamily="49" charset="0"/>
-              </a:rPr>
-              <a:t> </a:t>
-            </a:r>
-            <a:r>
-              <a:rPr lang="en-US" sz="1600" b="1" smtClean="0">
-                <a:latin typeface="Consolas" panose="020B0609020204030204" pitchFamily="49" charset="0"/>
-              </a:rPr>
-              <a:t>   </a:t>
-            </a:r>
-            <a:r>
-              <a:rPr lang="en-US" sz="1600" b="1" smtClean="0">
-                <a:solidFill>
-                  <a:schemeClr val="accent1">
-                    <a:lumMod val="75000"/>
-                  </a:schemeClr>
-                </a:solidFill>
-                <a:latin typeface="Consolas" panose="020B0609020204030204" pitchFamily="49" charset="0"/>
-              </a:rPr>
-              <a:t>return</a:t>
-            </a:r>
-            <a:r>
-              <a:rPr lang="en-US" sz="1600" b="1" smtClean="0">
-                <a:solidFill>
-                  <a:srgbClr val="FF0000"/>
-                </a:solidFill>
-                <a:latin typeface="Consolas" panose="020B0609020204030204" pitchFamily="49" charset="0"/>
-              </a:rPr>
-              <a:t> </a:t>
-            </a:r>
-            <a:r>
-              <a:rPr lang="en-US" sz="1600" b="1" smtClean="0">
-                <a:latin typeface="Consolas" panose="020B0609020204030204" pitchFamily="49" charset="0"/>
-              </a:rPr>
-              <a:t>(resultA + resultB)/2;</a:t>
-            </a:r>
-          </a:p>
-          <a:p>
-            <a:pPr marL="0" indent="0">
-              <a:spcBef>
-                <a:spcPts val="0"/>
-              </a:spcBef>
-              <a:buNone/>
-            </a:pPr>
-            <a:r>
-              <a:rPr lang="en-US" sz="1600" b="1">
-                <a:latin typeface="Consolas" panose="020B0609020204030204" pitchFamily="49" charset="0"/>
-              </a:rPr>
-              <a:t>}</a:t>
-            </a:r>
-            <a:endParaRPr lang="en-US" sz="1600" b="1" smtClean="0">
-              <a:latin typeface="Consolas" panose="020B0609020204030204" pitchFamily="49" charset="0"/>
-            </a:endParaRPr>
-          </a:p>
-        </p:txBody>
-      </p:sp>
-      <p:sp>
-        <p:nvSpPr>
-          <p:cNvPr id="9" name="Afrundet rektangel 8"/>
+          <p:cNvPr id="5" name="Afrundet rektangel 4"/>
           <p:cNvSpPr/>
           <p:nvPr/>
         </p:nvSpPr>
@@ -9903,7 +9929,7 @@
       </p:sp>
       <p:sp>
         <p:nvSpPr>
-          <p:cNvPr id="10" name="Afrundet rektangel 9"/>
+          <p:cNvPr id="6" name="Afrundet rektangel 5"/>
           <p:cNvSpPr/>
           <p:nvPr/>
         </p:nvSpPr>
@@ -9948,7 +9974,7 @@
     </p:spTree>
     <p:extLst>
       <p:ext uri="{BB962C8B-B14F-4D97-AF65-F5344CB8AC3E}">
-        <p14:creationId xmlns:p14="http://schemas.microsoft.com/office/powerpoint/2010/main" val="3182495219"/>
+        <p14:creationId xmlns:p14="http://schemas.microsoft.com/office/powerpoint/2010/main" val="2569796128"/>
       </p:ext>
     </p:extLst>
   </p:cSld>
@@ -9997,9 +10023,7 @@
             <a:avLst/>
           </a:prstGeom>
           <a:solidFill>
-            <a:schemeClr val="accent6">
-              <a:lumMod val="75000"/>
-            </a:schemeClr>
+            <a:srgbClr val="FF0000"/>
           </a:solidFill>
         </p:spPr>
         <p:style>
@@ -10083,14 +10107,561 @@
       </p:sp>
       <p:sp>
         <p:nvSpPr>
-          <p:cNvPr id="5" name="Højrepil 4"/>
+          <p:cNvPr id="7" name="Pladsholder til indhold 2"/>
+          <p:cNvSpPr>
+            <a:spLocks noGrp="1"/>
+          </p:cNvSpPr>
+          <p:nvPr>
+            <p:ph idx="1"/>
+          </p:nvPr>
+        </p:nvSpPr>
+        <p:spPr>
+          <a:xfrm>
+            <a:off x="7593932" y="646529"/>
+            <a:ext cx="4449679" cy="4617285"/>
+          </a:xfrm>
+        </p:spPr>
+        <p:txBody>
+          <a:bodyPr>
+            <a:normAutofit/>
+          </a:bodyPr>
+          <a:lstStyle/>
+          <a:p>
+            <a:pPr marL="0" indent="0">
+              <a:spcBef>
+                <a:spcPts val="0"/>
+              </a:spcBef>
+              <a:buNone/>
+            </a:pPr>
+            <a:r>
+              <a:rPr lang="en-US" sz="1600" b="1" smtClean="0">
+                <a:latin typeface="Consolas" panose="020B0609020204030204" pitchFamily="49" charset="0"/>
+              </a:rPr>
+              <a:t>InvokeFromGUI()</a:t>
+            </a:r>
+          </a:p>
+          <a:p>
+            <a:pPr marL="0" indent="0">
+              <a:spcBef>
+                <a:spcPts val="0"/>
+              </a:spcBef>
+              <a:buNone/>
+            </a:pPr>
+            <a:r>
+              <a:rPr lang="en-US" sz="1600" b="1" smtClean="0">
+                <a:latin typeface="Consolas" panose="020B0609020204030204" pitchFamily="49" charset="0"/>
+              </a:rPr>
+              <a:t>{</a:t>
+            </a:r>
+          </a:p>
+          <a:p>
+            <a:pPr marL="0" indent="0">
+              <a:spcBef>
+                <a:spcPts val="0"/>
+              </a:spcBef>
+              <a:buNone/>
+            </a:pPr>
+            <a:r>
+              <a:rPr lang="en-US" sz="1600" b="1">
+                <a:latin typeface="Consolas" panose="020B0609020204030204" pitchFamily="49" charset="0"/>
+              </a:rPr>
+              <a:t> </a:t>
+            </a:r>
+            <a:r>
+              <a:rPr lang="en-US" sz="1600" b="1" smtClean="0">
+                <a:latin typeface="Consolas" panose="020B0609020204030204" pitchFamily="49" charset="0"/>
+              </a:rPr>
+              <a:t>   </a:t>
+            </a:r>
+            <a:r>
+              <a:rPr lang="en-US" sz="1600" b="1" smtClean="0">
+                <a:solidFill>
+                  <a:schemeClr val="accent6">
+                    <a:lumMod val="75000"/>
+                  </a:schemeClr>
+                </a:solidFill>
+                <a:latin typeface="Consolas" panose="020B0609020204030204" pitchFamily="49" charset="0"/>
+              </a:rPr>
+              <a:t>Task</a:t>
+            </a:r>
+            <a:r>
+              <a:rPr lang="en-US" sz="1600" b="1" smtClean="0">
+                <a:latin typeface="Consolas" panose="020B0609020204030204" pitchFamily="49" charset="0"/>
+              </a:rPr>
+              <a:t> taskA = </a:t>
+            </a:r>
+            <a:r>
+              <a:rPr lang="en-US" sz="1600" b="1">
+                <a:solidFill>
+                  <a:schemeClr val="accent1">
+                    <a:lumMod val="75000"/>
+                  </a:schemeClr>
+                </a:solidFill>
+                <a:latin typeface="Consolas" panose="020B0609020204030204" pitchFamily="49" charset="0"/>
+              </a:rPr>
+              <a:t>new</a:t>
+            </a:r>
+            <a:r>
+              <a:rPr lang="en-US" sz="1600" b="1" smtClean="0">
+                <a:latin typeface="Consolas" panose="020B0609020204030204" pitchFamily="49" charset="0"/>
+              </a:rPr>
+              <a:t> </a:t>
+            </a:r>
+            <a:r>
+              <a:rPr lang="en-US" sz="1600" b="1">
+                <a:solidFill>
+                  <a:schemeClr val="accent6">
+                    <a:lumMod val="75000"/>
+                  </a:schemeClr>
+                </a:solidFill>
+                <a:latin typeface="Consolas" panose="020B0609020204030204" pitchFamily="49" charset="0"/>
+              </a:rPr>
+              <a:t>Task</a:t>
+            </a:r>
+            <a:r>
+              <a:rPr lang="en-US" sz="1600" b="1" smtClean="0">
+                <a:latin typeface="Consolas" panose="020B0609020204030204" pitchFamily="49" charset="0"/>
+              </a:rPr>
+              <a:t>(()=&gt;{…});</a:t>
+            </a:r>
+          </a:p>
+          <a:p>
+            <a:pPr marL="0" indent="0">
+              <a:spcBef>
+                <a:spcPts val="0"/>
+              </a:spcBef>
+              <a:buNone/>
+            </a:pPr>
+            <a:r>
+              <a:rPr lang="en-US" sz="1600" b="1">
+                <a:latin typeface="Consolas" panose="020B0609020204030204" pitchFamily="49" charset="0"/>
+              </a:rPr>
+              <a:t> </a:t>
+            </a:r>
+            <a:r>
+              <a:rPr lang="en-US" sz="1600" b="1" smtClean="0">
+                <a:latin typeface="Consolas" panose="020B0609020204030204" pitchFamily="49" charset="0"/>
+              </a:rPr>
+              <a:t>   </a:t>
+            </a:r>
+            <a:r>
+              <a:rPr lang="en-US" sz="1600" b="1" smtClean="0">
+                <a:solidFill>
+                  <a:schemeClr val="accent6">
+                    <a:lumMod val="75000"/>
+                  </a:schemeClr>
+                </a:solidFill>
+                <a:latin typeface="Consolas" panose="020B0609020204030204" pitchFamily="49" charset="0"/>
+              </a:rPr>
+              <a:t>Task</a:t>
+            </a:r>
+            <a:r>
+              <a:rPr lang="en-US" sz="1600" b="1" smtClean="0">
+                <a:latin typeface="Consolas" panose="020B0609020204030204" pitchFamily="49" charset="0"/>
+              </a:rPr>
+              <a:t> taskB </a:t>
+            </a:r>
+            <a:r>
+              <a:rPr lang="en-US" sz="1600" b="1">
+                <a:latin typeface="Consolas" panose="020B0609020204030204" pitchFamily="49" charset="0"/>
+              </a:rPr>
+              <a:t>= </a:t>
+            </a:r>
+            <a:r>
+              <a:rPr lang="en-US" sz="1600" b="1">
+                <a:solidFill>
+                  <a:schemeClr val="accent1">
+                    <a:lumMod val="75000"/>
+                  </a:schemeClr>
+                </a:solidFill>
+                <a:latin typeface="Consolas" panose="020B0609020204030204" pitchFamily="49" charset="0"/>
+              </a:rPr>
+              <a:t>new</a:t>
+            </a:r>
+            <a:r>
+              <a:rPr lang="en-US" sz="1600" b="1">
+                <a:latin typeface="Consolas" panose="020B0609020204030204" pitchFamily="49" charset="0"/>
+              </a:rPr>
+              <a:t> </a:t>
+            </a:r>
+            <a:r>
+              <a:rPr lang="en-US" sz="1600" b="1">
+                <a:solidFill>
+                  <a:schemeClr val="accent6">
+                    <a:lumMod val="75000"/>
+                  </a:schemeClr>
+                </a:solidFill>
+                <a:latin typeface="Consolas" panose="020B0609020204030204" pitchFamily="49" charset="0"/>
+              </a:rPr>
+              <a:t>Task</a:t>
+            </a:r>
+            <a:r>
+              <a:rPr lang="en-US" sz="1600" b="1" smtClean="0">
+                <a:latin typeface="Consolas" panose="020B0609020204030204" pitchFamily="49" charset="0"/>
+              </a:rPr>
+              <a:t>(()=&gt;{…});</a:t>
+            </a:r>
+          </a:p>
+          <a:p>
+            <a:pPr marL="0" indent="0">
+              <a:spcBef>
+                <a:spcPts val="0"/>
+              </a:spcBef>
+              <a:buNone/>
+            </a:pPr>
+            <a:endParaRPr lang="en-US" sz="1600" b="1" smtClean="0">
+              <a:latin typeface="Consolas" panose="020B0609020204030204" pitchFamily="49" charset="0"/>
+            </a:endParaRPr>
+          </a:p>
+          <a:p>
+            <a:pPr marL="0" indent="0">
+              <a:spcBef>
+                <a:spcPts val="0"/>
+              </a:spcBef>
+              <a:buNone/>
+            </a:pPr>
+            <a:r>
+              <a:rPr lang="en-US" sz="1600" b="1">
+                <a:latin typeface="Consolas" panose="020B0609020204030204" pitchFamily="49" charset="0"/>
+              </a:rPr>
+              <a:t> </a:t>
+            </a:r>
+            <a:r>
+              <a:rPr lang="en-US" sz="1600" b="1" smtClean="0">
+                <a:latin typeface="Consolas" panose="020B0609020204030204" pitchFamily="49" charset="0"/>
+              </a:rPr>
+              <a:t>   taskA.Start();</a:t>
+            </a:r>
+          </a:p>
+          <a:p>
+            <a:pPr marL="0" indent="0">
+              <a:spcBef>
+                <a:spcPts val="0"/>
+              </a:spcBef>
+              <a:buNone/>
+            </a:pPr>
+            <a:r>
+              <a:rPr lang="en-US" sz="1600" b="1">
+                <a:latin typeface="Consolas" panose="020B0609020204030204" pitchFamily="49" charset="0"/>
+              </a:rPr>
+              <a:t> </a:t>
+            </a:r>
+            <a:r>
+              <a:rPr lang="en-US" sz="1600" b="1" smtClean="0">
+                <a:latin typeface="Consolas" panose="020B0609020204030204" pitchFamily="49" charset="0"/>
+              </a:rPr>
+              <a:t>   taskB.Start();</a:t>
+            </a:r>
+          </a:p>
+          <a:p>
+            <a:pPr marL="0" indent="0">
+              <a:spcBef>
+                <a:spcPts val="0"/>
+              </a:spcBef>
+              <a:buNone/>
+            </a:pPr>
+            <a:r>
+              <a:rPr lang="en-US" sz="1600" b="1">
+                <a:latin typeface="Consolas" panose="020B0609020204030204" pitchFamily="49" charset="0"/>
+              </a:rPr>
+              <a:t> </a:t>
+            </a:r>
+            <a:r>
+              <a:rPr lang="en-US" sz="1600" b="1" smtClean="0">
+                <a:latin typeface="Consolas" panose="020B0609020204030204" pitchFamily="49" charset="0"/>
+              </a:rPr>
+              <a:t>   …</a:t>
+            </a:r>
+          </a:p>
+          <a:p>
+            <a:pPr marL="0" indent="0">
+              <a:spcBef>
+                <a:spcPts val="0"/>
+              </a:spcBef>
+              <a:buNone/>
+            </a:pPr>
+            <a:r>
+              <a:rPr lang="en-US" sz="1600" b="1">
+                <a:latin typeface="Consolas" panose="020B0609020204030204" pitchFamily="49" charset="0"/>
+              </a:rPr>
+              <a:t> </a:t>
+            </a:r>
+            <a:r>
+              <a:rPr lang="en-US" sz="1600" b="1" smtClean="0">
+                <a:latin typeface="Consolas" panose="020B0609020204030204" pitchFamily="49" charset="0"/>
+              </a:rPr>
+              <a:t>   </a:t>
+            </a:r>
+            <a:r>
+              <a:rPr lang="en-US" sz="1600" b="1" smtClean="0">
+                <a:solidFill>
+                  <a:srgbClr val="FF0000"/>
+                </a:solidFill>
+                <a:latin typeface="Consolas" panose="020B0609020204030204" pitchFamily="49" charset="0"/>
+              </a:rPr>
+              <a:t>Task.WaitAll(taskA, taskB);</a:t>
+            </a:r>
+          </a:p>
+          <a:p>
+            <a:pPr marL="0" indent="0">
+              <a:spcBef>
+                <a:spcPts val="0"/>
+              </a:spcBef>
+              <a:buNone/>
+            </a:pPr>
+            <a:endParaRPr lang="en-US" sz="1600" b="1" smtClean="0">
+              <a:latin typeface="Consolas" panose="020B0609020204030204" pitchFamily="49" charset="0"/>
+            </a:endParaRPr>
+          </a:p>
+          <a:p>
+            <a:pPr marL="0" indent="0">
+              <a:spcBef>
+                <a:spcPts val="0"/>
+              </a:spcBef>
+              <a:buNone/>
+            </a:pPr>
+            <a:r>
+              <a:rPr lang="en-US" sz="1600" b="1">
+                <a:latin typeface="Consolas" panose="020B0609020204030204" pitchFamily="49" charset="0"/>
+              </a:rPr>
+              <a:t> </a:t>
+            </a:r>
+            <a:r>
+              <a:rPr lang="en-US" sz="1600" b="1" smtClean="0">
+                <a:latin typeface="Consolas" panose="020B0609020204030204" pitchFamily="49" charset="0"/>
+              </a:rPr>
+              <a:t>   </a:t>
+            </a:r>
+            <a:r>
+              <a:rPr lang="en-US" sz="1600" b="1" smtClean="0">
+                <a:solidFill>
+                  <a:schemeClr val="accent1">
+                    <a:lumMod val="75000"/>
+                  </a:schemeClr>
+                </a:solidFill>
+                <a:latin typeface="Consolas" panose="020B0609020204030204" pitchFamily="49" charset="0"/>
+              </a:rPr>
+              <a:t>return</a:t>
+            </a:r>
+            <a:r>
+              <a:rPr lang="en-US" sz="1600" b="1" smtClean="0">
+                <a:solidFill>
+                  <a:srgbClr val="FF0000"/>
+                </a:solidFill>
+                <a:latin typeface="Consolas" panose="020B0609020204030204" pitchFamily="49" charset="0"/>
+              </a:rPr>
+              <a:t> </a:t>
+            </a:r>
+            <a:r>
+              <a:rPr lang="en-US" sz="1600" b="1" smtClean="0">
+                <a:latin typeface="Consolas" panose="020B0609020204030204" pitchFamily="49" charset="0"/>
+              </a:rPr>
+              <a:t>(resultA + resultB)/2;</a:t>
+            </a:r>
+          </a:p>
+          <a:p>
+            <a:pPr marL="0" indent="0">
+              <a:spcBef>
+                <a:spcPts val="0"/>
+              </a:spcBef>
+              <a:buNone/>
+            </a:pPr>
+            <a:r>
+              <a:rPr lang="en-US" sz="1600" b="1">
+                <a:latin typeface="Consolas" panose="020B0609020204030204" pitchFamily="49" charset="0"/>
+              </a:rPr>
+              <a:t>}</a:t>
+            </a:r>
+            <a:endParaRPr lang="en-US" sz="1600" b="1" smtClean="0">
+              <a:latin typeface="Consolas" panose="020B0609020204030204" pitchFamily="49" charset="0"/>
+            </a:endParaRPr>
+          </a:p>
+        </p:txBody>
+      </p:sp>
+      <p:sp>
+        <p:nvSpPr>
+          <p:cNvPr id="9" name="Afrundet rektangel 8"/>
           <p:cNvSpPr/>
           <p:nvPr/>
         </p:nvSpPr>
         <p:spPr>
-          <a:xfrm flipH="1">
-            <a:off x="2767263" y="4186989"/>
-            <a:ext cx="2083468" cy="1149016"/>
+          <a:xfrm>
+            <a:off x="5416217" y="1455821"/>
+            <a:ext cx="894346" cy="2292016"/>
+          </a:xfrm>
+          <a:prstGeom prst="roundRect">
+            <a:avLst/>
+          </a:prstGeom>
+        </p:spPr>
+        <p:style>
+          <a:lnRef idx="2">
+            <a:schemeClr val="accent1">
+              <a:shade val="50000"/>
+            </a:schemeClr>
+          </a:lnRef>
+          <a:fillRef idx="1">
+            <a:schemeClr val="accent1"/>
+          </a:fillRef>
+          <a:effectRef idx="0">
+            <a:schemeClr val="accent1"/>
+          </a:effectRef>
+          <a:fontRef idx="minor">
+            <a:schemeClr val="lt1"/>
+          </a:fontRef>
+        </p:style>
+        <p:txBody>
+          <a:bodyPr rtlCol="0" anchor="ctr"/>
+          <a:lstStyle/>
+          <a:p>
+            <a:pPr algn="ctr"/>
+            <a:r>
+              <a:rPr lang="da-DK" sz="2400" smtClean="0"/>
+              <a:t>Task</a:t>
+            </a:r>
+            <a:endParaRPr lang="da-DK" sz="2400"/>
+          </a:p>
+        </p:txBody>
+      </p:sp>
+      <p:sp>
+        <p:nvSpPr>
+          <p:cNvPr id="10" name="Afrundet rektangel 9"/>
+          <p:cNvSpPr/>
+          <p:nvPr/>
+        </p:nvSpPr>
+        <p:spPr>
+          <a:xfrm>
+            <a:off x="6492537" y="1455821"/>
+            <a:ext cx="926938" cy="2292016"/>
+          </a:xfrm>
+          <a:prstGeom prst="roundRect">
+            <a:avLst/>
+          </a:prstGeom>
+        </p:spPr>
+        <p:style>
+          <a:lnRef idx="2">
+            <a:schemeClr val="accent1">
+              <a:shade val="50000"/>
+            </a:schemeClr>
+          </a:lnRef>
+          <a:fillRef idx="1">
+            <a:schemeClr val="accent1"/>
+          </a:fillRef>
+          <a:effectRef idx="0">
+            <a:schemeClr val="accent1"/>
+          </a:effectRef>
+          <a:fontRef idx="minor">
+            <a:schemeClr val="lt1"/>
+          </a:fontRef>
+        </p:style>
+        <p:txBody>
+          <a:bodyPr rtlCol="0" anchor="ctr"/>
+          <a:lstStyle/>
+          <a:p>
+            <a:pPr algn="ctr"/>
+            <a:r>
+              <a:rPr lang="da-DK" sz="2400" smtClean="0"/>
+              <a:t>Task</a:t>
+            </a:r>
+            <a:endParaRPr lang="da-DK" sz="2400"/>
+          </a:p>
+        </p:txBody>
+      </p:sp>
+    </p:spTree>
+    <p:extLst>
+      <p:ext uri="{BB962C8B-B14F-4D97-AF65-F5344CB8AC3E}">
+        <p14:creationId xmlns:p14="http://schemas.microsoft.com/office/powerpoint/2010/main" val="3182495219"/>
+      </p:ext>
+    </p:extLst>
+  </p:cSld>
+  <p:clrMapOvr>
+    <a:masterClrMapping/>
+  </p:clrMapOvr>
+  <p:timing>
+    <p:tnLst>
+      <p:par>
+        <p:cTn id="1" dur="indefinite" restart="never" nodeType="tmRoot"/>
+      </p:par>
+    </p:tnLst>
+  </p:timing>
+</p:sld>
+</file>
+
+<file path=ppt/slides/slide22.xml><?xml version="1.0" encoding="utf-8"?>
+<p:sld xmlns:a="http://schemas.openxmlformats.org/drawingml/2006/main" xmlns:r="http://schemas.openxmlformats.org/officeDocument/2006/relationships" xmlns:p="http://schemas.openxmlformats.org/presentationml/2006/main">
+  <p:cSld>
+    <p:spTree>
+      <p:nvGrpSpPr>
+        <p:cNvPr id="1" name=""/>
+        <p:cNvGrpSpPr/>
+        <p:nvPr/>
+      </p:nvGrpSpPr>
+      <p:grpSpPr>
+        <a:xfrm>
+          <a:off x="0" y="0"/>
+          <a:ext cx="0" cy="0"/>
+          <a:chOff x="0" y="0"/>
+          <a:chExt cx="0" cy="0"/>
+        </a:xfrm>
+      </p:grpSpPr>
+      <p:sp>
+        <p:nvSpPr>
+          <p:cNvPr id="2" name="Afrundet rektangel 1"/>
+          <p:cNvSpPr/>
+          <p:nvPr/>
+        </p:nvSpPr>
+        <p:spPr>
+          <a:xfrm>
+            <a:off x="469232" y="1455821"/>
+            <a:ext cx="2003258" cy="3880184"/>
+          </a:xfrm>
+          <a:prstGeom prst="roundRect">
+            <a:avLst/>
+          </a:prstGeom>
+          <a:solidFill>
+            <a:schemeClr val="accent6">
+              <a:lumMod val="75000"/>
+            </a:schemeClr>
+          </a:solidFill>
+        </p:spPr>
+        <p:style>
+          <a:lnRef idx="2">
+            <a:schemeClr val="accent1">
+              <a:shade val="50000"/>
+            </a:schemeClr>
+          </a:lnRef>
+          <a:fillRef idx="1">
+            <a:schemeClr val="accent1"/>
+          </a:fillRef>
+          <a:effectRef idx="0">
+            <a:schemeClr val="accent1"/>
+          </a:effectRef>
+          <a:fontRef idx="minor">
+            <a:schemeClr val="lt1"/>
+          </a:fontRef>
+        </p:style>
+        <p:txBody>
+          <a:bodyPr rtlCol="0" anchor="ctr"/>
+          <a:lstStyle/>
+          <a:p>
+            <a:pPr algn="ctr"/>
+            <a:r>
+              <a:rPr lang="da-DK" sz="7200" smtClean="0"/>
+              <a:t>GUI</a:t>
+            </a:r>
+            <a:endParaRPr lang="da-DK" sz="7200"/>
+          </a:p>
+        </p:txBody>
+      </p:sp>
+      <p:sp>
+        <p:nvSpPr>
+          <p:cNvPr id="3" name="Højrepil 2"/>
+          <p:cNvSpPr/>
+          <p:nvPr/>
+        </p:nvSpPr>
+        <p:spPr>
+          <a:xfrm>
+            <a:off x="2767263" y="1455821"/>
+            <a:ext cx="2292016" cy="1149016"/>
           </a:xfrm>
           <a:prstGeom prst="rightArrow">
             <a:avLst/>
@@ -10125,6 +10696,56 @@
             <a:pPr algn="ctr"/>
             <a:r>
               <a:rPr lang="da-DK" sz="2400" smtClean="0"/>
+              <a:t>Request</a:t>
+            </a:r>
+            <a:endParaRPr lang="da-DK" sz="2400"/>
+          </a:p>
+        </p:txBody>
+      </p:sp>
+      <p:sp>
+        <p:nvSpPr>
+          <p:cNvPr id="5" name="Højrepil 4"/>
+          <p:cNvSpPr/>
+          <p:nvPr/>
+        </p:nvSpPr>
+        <p:spPr>
+          <a:xfrm flipH="1">
+            <a:off x="2767263" y="4186989"/>
+            <a:ext cx="2083468" cy="1149016"/>
+          </a:xfrm>
+          <a:prstGeom prst="rightArrow">
+            <a:avLst/>
+          </a:prstGeom>
+          <a:solidFill>
+            <a:schemeClr val="tx1">
+              <a:lumMod val="50000"/>
+              <a:lumOff val="50000"/>
+            </a:schemeClr>
+          </a:solidFill>
+        </p:spPr>
+        <p:style>
+          <a:lnRef idx="2">
+            <a:schemeClr val="accent1">
+              <a:shade val="50000"/>
+            </a:schemeClr>
+          </a:lnRef>
+          <a:fillRef idx="1">
+            <a:schemeClr val="accent1"/>
+          </a:fillRef>
+          <a:effectRef idx="0">
+            <a:schemeClr val="accent1"/>
+          </a:effectRef>
+          <a:fontRef idx="minor">
+            <a:schemeClr val="lt1"/>
+          </a:fontRef>
+        </p:style>
+        <p:txBody>
+          <a:bodyPr rtlCol="0" anchor="ctr"/>
+          <a:lstStyle/>
+          <a:p>
+            <a:pPr algn="ctr"/>
+            <a:r>
+              <a:rPr lang="da-DK" sz="2400" smtClean="0"/>
               <a:t>Response</a:t>
             </a:r>
             <a:endParaRPr lang="da-DK" sz="2400"/>
@@ -10430,9 +11051,12 @@
               </a:spcBef>
               <a:buNone/>
             </a:pPr>
-            <a:endParaRPr lang="en-US" sz="1600" b="1" smtClean="0">
-              <a:latin typeface="Consolas" panose="020B0609020204030204" pitchFamily="49" charset="0"/>
-            </a:endParaRPr>
+            <a:r>
+              <a:rPr lang="en-US" sz="1600" b="1" smtClean="0">
+                <a:latin typeface="Consolas" panose="020B0609020204030204" pitchFamily="49" charset="0"/>
+              </a:rPr>
+              <a:t>    …</a:t>
+            </a:r>
           </a:p>
           <a:p>
             <a:pPr marL="0" indent="0">
@@ -10746,126 +11370,6 @@
 </p:sld>
 </file>
 
-<file path=ppt/slides/slide22.xml><?xml version="1.0" encoding="utf-8"?>
-<p:sld xmlns:a="http://schemas.openxmlformats.org/drawingml/2006/main" xmlns:r="http://schemas.openxmlformats.org/officeDocument/2006/relationships" xmlns:p="http://schemas.openxmlformats.org/presentationml/2006/main">
-  <p:cSld>
-    <p:spTree>
-      <p:nvGrpSpPr>
-        <p:cNvPr id="1" name=""/>
-        <p:cNvGrpSpPr/>
-        <p:nvPr/>
-      </p:nvGrpSpPr>
-      <p:grpSpPr>
-        <a:xfrm>
-          <a:off x="0" y="0"/>
-          <a:ext cx="0" cy="0"/>
-          <a:chOff x="0" y="0"/>
-          <a:chExt cx="0" cy="0"/>
-        </a:xfrm>
-      </p:grpSpPr>
-      <p:sp>
-        <p:nvSpPr>
-          <p:cNvPr id="2" name="Titel 1"/>
-          <p:cNvSpPr>
-            <a:spLocks noGrp="1"/>
-          </p:cNvSpPr>
-          <p:nvPr>
-            <p:ph type="title"/>
-          </p:nvPr>
-        </p:nvSpPr>
-        <p:spPr/>
-        <p:txBody>
-          <a:bodyPr/>
-          <a:lstStyle/>
-          <a:p>
-            <a:r>
-              <a:rPr lang="da-DK" b="1" smtClean="0"/>
-              <a:t>Division into independent tasks</a:t>
-            </a:r>
-            <a:endParaRPr lang="da-DK"/>
-          </a:p>
-        </p:txBody>
-      </p:sp>
-      <p:sp>
-        <p:nvSpPr>
-          <p:cNvPr id="3" name="Pladsholder til indhold 2"/>
-          <p:cNvSpPr>
-            <a:spLocks noGrp="1"/>
-          </p:cNvSpPr>
-          <p:nvPr>
-            <p:ph idx="1"/>
-          </p:nvPr>
-        </p:nvSpPr>
-        <p:spPr/>
-        <p:txBody>
-          <a:bodyPr/>
-          <a:lstStyle/>
-          <a:p>
-            <a:r>
-              <a:rPr lang="da-DK" smtClean="0"/>
-              <a:t>Dictated by the structure of the calculation</a:t>
-            </a:r>
-          </a:p>
-          <a:p>
-            <a:r>
-              <a:rPr lang="da-DK" smtClean="0"/>
-              <a:t>Ranging from very simple to impossible…</a:t>
-            </a:r>
-          </a:p>
-          <a:p>
-            <a:r>
-              <a:rPr lang="da-DK" smtClean="0"/>
-              <a:t>Each partial calculation is ”wrapped” into a </a:t>
-            </a:r>
-            <a:r>
-              <a:rPr lang="da-DK" b="1" smtClean="0"/>
-              <a:t>Task</a:t>
-            </a:r>
-            <a:r>
-              <a:rPr lang="da-DK" smtClean="0"/>
-              <a:t> object</a:t>
-            </a:r>
-          </a:p>
-          <a:p>
-            <a:r>
-              <a:rPr lang="da-DK" smtClean="0"/>
-              <a:t>Started with </a:t>
-            </a:r>
-            <a:r>
-              <a:rPr lang="da-DK" b="1" smtClean="0"/>
-              <a:t>taskA.Start() </a:t>
-            </a:r>
-            <a:r>
-              <a:rPr lang="da-DK" smtClean="0"/>
-              <a:t>or </a:t>
-            </a:r>
-            <a:r>
-              <a:rPr lang="da-DK" b="1" smtClean="0"/>
-              <a:t>Task.Run(…)</a:t>
-            </a:r>
-          </a:p>
-        </p:txBody>
-      </p:sp>
-    </p:spTree>
-    <p:extLst>
-      <p:ext uri="{BB962C8B-B14F-4D97-AF65-F5344CB8AC3E}">
-        <p14:creationId xmlns:p14="http://schemas.microsoft.com/office/powerpoint/2010/main" val="1702383759"/>
-      </p:ext>
-    </p:extLst>
-  </p:cSld>
-  <p:clrMapOvr>
-    <a:masterClrMapping/>
-  </p:clrMapOvr>
-  <p:timing>
-    <p:tnLst>
-      <p:par>
-        <p:cTn id="1" dur="indefinite" restart="never" nodeType="tmRoot"/>
-      </p:par>
-    </p:tnLst>
-  </p:timing>
-</p:sld>
-</file>
-
 <file path=ppt/slides/slide23.xml><?xml version="1.0" encoding="utf-8"?>
 <p:sld xmlns:a="http://schemas.openxmlformats.org/drawingml/2006/main" xmlns:r="http://schemas.openxmlformats.org/officeDocument/2006/relationships" xmlns:p="http://schemas.openxmlformats.org/presentationml/2006/main">
   <p:cSld>
@@ -10899,7 +11403,7 @@
           <a:lstStyle/>
           <a:p>
             <a:r>
-              <a:rPr lang="da-DK" b="1"/>
+              <a:rPr lang="da-DK" b="1" smtClean="0"/>
               <a:t>Division into independent tasks</a:t>
             </a:r>
             <a:endParaRPr lang="da-DK"/>
@@ -10921,202 +11425,55 @@
           <a:bodyPr/>
           <a:lstStyle/>
           <a:p>
-            <a:pPr marL="0" indent="0">
-              <a:buNone/>
-            </a:pPr>
-            <a:endParaRPr lang="da-DK" smtClean="0"/>
-          </a:p>
-          <a:p>
-            <a:pPr marL="0" indent="0">
-              <a:buNone/>
-            </a:pPr>
-            <a:r>
-              <a:rPr lang="da-DK" sz="2000" b="1" smtClean="0">
-                <a:solidFill>
-                  <a:srgbClr val="0070C0"/>
-                </a:solidFill>
-                <a:latin typeface="Consolas" panose="020B0609020204030204" pitchFamily="49" charset="0"/>
-              </a:rPr>
-              <a:t>int </a:t>
-            </a:r>
-            <a:r>
-              <a:rPr lang="da-DK" sz="2000" b="1" smtClean="0">
-                <a:latin typeface="Consolas" panose="020B0609020204030204" pitchFamily="49" charset="0"/>
-              </a:rPr>
-              <a:t>result = 0;</a:t>
-            </a:r>
-            <a:endParaRPr lang="da-DK" sz="2000" b="1" smtClean="0">
-              <a:solidFill>
-                <a:srgbClr val="0070C0"/>
-              </a:solidFill>
-              <a:latin typeface="Consolas" panose="020B0609020204030204" pitchFamily="49" charset="0"/>
-            </a:endParaRPr>
-          </a:p>
-          <a:p>
-            <a:pPr marL="0" indent="0">
-              <a:buNone/>
-            </a:pPr>
-            <a:r>
-              <a:rPr lang="da-DK" sz="2000" b="1" smtClean="0">
-                <a:solidFill>
-                  <a:srgbClr val="FF0000"/>
-                </a:solidFill>
-                <a:latin typeface="Consolas" panose="020B0609020204030204" pitchFamily="49" charset="0"/>
-              </a:rPr>
-              <a:t>result = calc(parameter);</a:t>
-            </a:r>
-          </a:p>
-          <a:p>
-            <a:pPr marL="0" indent="0">
-              <a:buNone/>
-            </a:pPr>
-            <a:endParaRPr lang="da-DK" sz="2000" b="1" smtClean="0">
-              <a:latin typeface="Consolas" panose="020B0609020204030204" pitchFamily="49" charset="0"/>
-            </a:endParaRPr>
-          </a:p>
-          <a:p>
-            <a:pPr marL="0" indent="0">
-              <a:buNone/>
-            </a:pPr>
-            <a:r>
-              <a:rPr lang="da-DK" sz="2000" b="1" smtClean="0">
-                <a:solidFill>
-                  <a:schemeClr val="accent6">
-                    <a:lumMod val="75000"/>
-                  </a:schemeClr>
-                </a:solidFill>
-                <a:latin typeface="Consolas" panose="020B0609020204030204" pitchFamily="49" charset="0"/>
-              </a:rPr>
-              <a:t>// becomes:</a:t>
-            </a:r>
-          </a:p>
-          <a:p>
-            <a:pPr marL="0" indent="0">
-              <a:buNone/>
-            </a:pPr>
-            <a:endParaRPr lang="da-DK" sz="2000" b="1" smtClean="0">
-              <a:latin typeface="Consolas" panose="020B0609020204030204" pitchFamily="49" charset="0"/>
-            </a:endParaRPr>
-          </a:p>
-          <a:p>
-            <a:pPr marL="0" indent="0">
-              <a:buNone/>
-            </a:pPr>
-            <a:r>
-              <a:rPr lang="da-DK" sz="2000" b="1">
-                <a:solidFill>
-                  <a:schemeClr val="accent6">
-                    <a:lumMod val="75000"/>
-                  </a:schemeClr>
-                </a:solidFill>
-                <a:latin typeface="Consolas" panose="020B0609020204030204" pitchFamily="49" charset="0"/>
-              </a:rPr>
+            <a:r>
+              <a:rPr lang="da-DK" smtClean="0"/>
+              <a:t>Dictated by the structure of the calculation</a:t>
+            </a:r>
+          </a:p>
+          <a:p>
+            <a:r>
+              <a:rPr lang="da-DK" smtClean="0"/>
+              <a:t>Ranging from very simple to impossible…</a:t>
+            </a:r>
+          </a:p>
+          <a:p>
+            <a:r>
+              <a:rPr lang="da-DK" smtClean="0"/>
+              <a:t>Each partial calculation is ”wrapped” into a </a:t>
+            </a:r>
+            <a:r>
+              <a:rPr lang="da-DK" b="1" smtClean="0"/>
               <a:t>Task</a:t>
             </a:r>
             <a:r>
-              <a:rPr lang="da-DK" sz="2000" b="1">
-                <a:latin typeface="Consolas" panose="020B0609020204030204" pitchFamily="49" charset="0"/>
-              </a:rPr>
-              <a:t> taskA = </a:t>
-            </a:r>
-            <a:r>
-              <a:rPr lang="da-DK" sz="2000" b="1">
-                <a:solidFill>
-                  <a:srgbClr val="0070C0"/>
-                </a:solidFill>
-                <a:latin typeface="Consolas" panose="020B0609020204030204" pitchFamily="49" charset="0"/>
-              </a:rPr>
-              <a:t>new</a:t>
-            </a:r>
-            <a:r>
-              <a:rPr lang="da-DK" sz="2000" b="1">
-                <a:latin typeface="Consolas" panose="020B0609020204030204" pitchFamily="49" charset="0"/>
-              </a:rPr>
-              <a:t> </a:t>
-            </a:r>
-            <a:r>
-              <a:rPr lang="da-DK" sz="2000" b="1">
-                <a:solidFill>
-                  <a:schemeClr val="accent6">
-                    <a:lumMod val="75000"/>
-                  </a:schemeClr>
-                </a:solidFill>
-                <a:latin typeface="Consolas" panose="020B0609020204030204" pitchFamily="49" charset="0"/>
-              </a:rPr>
-              <a:t>Task</a:t>
-            </a:r>
-            <a:r>
-              <a:rPr lang="da-DK" sz="2000" b="1" smtClean="0">
-                <a:latin typeface="Consolas" panose="020B0609020204030204" pitchFamily="49" charset="0"/>
-              </a:rPr>
-              <a:t>(() </a:t>
-            </a:r>
-            <a:r>
-              <a:rPr lang="da-DK" sz="2000" b="1">
-                <a:latin typeface="Consolas" panose="020B0609020204030204" pitchFamily="49" charset="0"/>
-              </a:rPr>
-              <a:t>=&gt; </a:t>
-            </a:r>
-            <a:r>
-              <a:rPr lang="da-DK" sz="2000" b="1" smtClean="0">
-                <a:latin typeface="Consolas" panose="020B0609020204030204" pitchFamily="49" charset="0"/>
-              </a:rPr>
-              <a:t>{ </a:t>
-            </a:r>
-            <a:r>
-              <a:rPr lang="da-DK" sz="2000" b="1" smtClean="0">
-                <a:solidFill>
-                  <a:srgbClr val="FF0000"/>
-                </a:solidFill>
-                <a:latin typeface="Consolas" panose="020B0609020204030204" pitchFamily="49" charset="0"/>
-              </a:rPr>
-              <a:t>result </a:t>
-            </a:r>
-            <a:r>
-              <a:rPr lang="da-DK" sz="2000" b="1">
-                <a:solidFill>
-                  <a:srgbClr val="FF0000"/>
-                </a:solidFill>
-                <a:latin typeface="Consolas" panose="020B0609020204030204" pitchFamily="49" charset="0"/>
-              </a:rPr>
-              <a:t>= calc(parameter</a:t>
-            </a:r>
-            <a:r>
-              <a:rPr lang="da-DK" sz="2000" b="1" smtClean="0">
-                <a:solidFill>
-                  <a:srgbClr val="FF0000"/>
-                </a:solidFill>
-                <a:latin typeface="Consolas" panose="020B0609020204030204" pitchFamily="49" charset="0"/>
-              </a:rPr>
-              <a:t>); </a:t>
-            </a:r>
-            <a:r>
-              <a:rPr lang="da-DK" sz="2000" b="1" smtClean="0">
-                <a:latin typeface="Consolas" panose="020B0609020204030204" pitchFamily="49" charset="0"/>
-              </a:rPr>
-              <a:t>})</a:t>
-            </a:r>
-          </a:p>
-          <a:p>
-            <a:pPr marL="0" indent="0">
-              <a:buNone/>
-            </a:pPr>
-            <a:r>
-              <a:rPr lang="da-DK" sz="2000" b="1" smtClean="0">
-                <a:latin typeface="Consolas" panose="020B0609020204030204" pitchFamily="49" charset="0"/>
-              </a:rPr>
-              <a:t>taskA.Start();</a:t>
-            </a:r>
-            <a:endParaRPr lang="da-DK" sz="2000" b="1">
-              <a:latin typeface="Consolas" panose="020B0609020204030204" pitchFamily="49" charset="0"/>
-            </a:endParaRPr>
+              <a:rPr lang="da-DK" smtClean="0"/>
+              <a:t> object</a:t>
+            </a:r>
+          </a:p>
+          <a:p>
+            <a:r>
+              <a:rPr lang="da-DK" smtClean="0"/>
+              <a:t>Started with </a:t>
+            </a:r>
+            <a:r>
+              <a:rPr lang="da-DK" b="1" smtClean="0"/>
+              <a:t>taskA.Start() </a:t>
+            </a:r>
+            <a:r>
+              <a:rPr lang="da-DK" smtClean="0"/>
+              <a:t>or </a:t>
+            </a:r>
+            <a:r>
+              <a:rPr lang="da-DK" b="1" smtClean="0"/>
+              <a:t>Task.Run(…)</a:t>
+            </a:r>
           </a:p>
         </p:txBody>
       </p:sp>
     </p:spTree>
     <p:extLst>
       <p:ext uri="{BB962C8B-B14F-4D97-AF65-F5344CB8AC3E}">
-        <p14:creationId xmlns:p14="http://schemas.microsoft.com/office/powerpoint/2010/main" val="2020537241"/>
+        <p14:creationId xmlns:p14="http://schemas.microsoft.com/office/powerpoint/2010/main" val="1702383759"/>
       </p:ext>
     </p:extLst>
   </p:cSld>
@@ -11166,8 +11523,8 @@
           <a:lstStyle/>
           <a:p>
             <a:r>
-              <a:rPr lang="da-DK" b="1" smtClean="0"/>
-              <a:t>Synchronisation of tasks</a:t>
+              <a:rPr lang="da-DK" b="1"/>
+              <a:t>Division into independent tasks</a:t>
             </a:r>
             <a:endParaRPr lang="da-DK"/>
           </a:p>
@@ -11183,92 +11540,207 @@
             <p:ph idx="1"/>
           </p:nvPr>
         </p:nvSpPr>
-        <p:spPr>
-          <a:xfrm>
-            <a:off x="838200" y="1825625"/>
-            <a:ext cx="7938837" cy="4351338"/>
-          </a:xfrm>
-        </p:spPr>
+        <p:spPr/>
         <p:txBody>
           <a:bodyPr/>
           <a:lstStyle/>
           <a:p>
-            <a:r>
-              <a:rPr lang="da-DK" smtClean="0"/>
-              <a:t>At some point, it might not make sense to continue until certain conditions for the tasks are true</a:t>
-            </a:r>
-          </a:p>
-          <a:p>
-            <a:pPr lvl="1"/>
-            <a:r>
-              <a:rPr lang="da-DK" b="1" smtClean="0"/>
-              <a:t>taskA.Wait()</a:t>
-            </a:r>
-            <a:r>
-              <a:rPr lang="da-DK" smtClean="0"/>
-              <a:t>: Wait until </a:t>
-            </a:r>
-            <a:r>
-              <a:rPr lang="da-DK" b="1" smtClean="0"/>
-              <a:t>taskA</a:t>
-            </a:r>
-            <a:r>
-              <a:rPr lang="da-DK" smtClean="0"/>
-              <a:t> has completed</a:t>
-            </a:r>
-          </a:p>
-          <a:p>
-            <a:pPr lvl="1"/>
-            <a:r>
-              <a:rPr lang="da-DK" b="1" smtClean="0"/>
-              <a:t>Task.WaitAll(taskA, taskB, taskC)</a:t>
-            </a:r>
-            <a:r>
-              <a:rPr lang="da-DK" smtClean="0"/>
-              <a:t>: Wait until </a:t>
-            </a:r>
-            <a:r>
-              <a:rPr lang="da-DK" u="sng" smtClean="0"/>
-              <a:t>all</a:t>
-            </a:r>
-            <a:r>
-              <a:rPr lang="da-DK" smtClean="0"/>
-              <a:t> the specified tasks are completed</a:t>
-            </a:r>
-          </a:p>
-          <a:p>
-            <a:pPr lvl="1"/>
-            <a:r>
-              <a:rPr lang="da-DK" b="1" smtClean="0"/>
-              <a:t>Task.WaitAny(taskA</a:t>
-            </a:r>
-            <a:r>
-              <a:rPr lang="da-DK" b="1"/>
-              <a:t>, taskB, taskC)</a:t>
-            </a:r>
-            <a:r>
-              <a:rPr lang="da-DK"/>
-              <a:t>: Wait until </a:t>
-            </a:r>
-            <a:r>
-              <a:rPr lang="da-DK" u="sng" smtClean="0"/>
-              <a:t>at least one of</a:t>
-            </a:r>
-            <a:r>
-              <a:rPr lang="da-DK" smtClean="0"/>
-              <a:t> the </a:t>
-            </a:r>
-            <a:r>
-              <a:rPr lang="da-DK"/>
-              <a:t>specified tasks are completed</a:t>
-            </a:r>
+            <a:pPr marL="0" indent="0">
+              <a:buNone/>
+            </a:pPr>
+            <a:endParaRPr lang="da-DK" smtClean="0"/>
+          </a:p>
+          <a:p>
+            <a:pPr marL="0" indent="0">
+              <a:buNone/>
+            </a:pPr>
+            <a:r>
+              <a:rPr lang="da-DK" sz="2000" b="1" smtClean="0">
+                <a:solidFill>
+                  <a:srgbClr val="0070C0"/>
+                </a:solidFill>
+                <a:latin typeface="Consolas" panose="020B0609020204030204" pitchFamily="49" charset="0"/>
+              </a:rPr>
+              <a:t>int </a:t>
+            </a:r>
+            <a:r>
+              <a:rPr lang="da-DK" sz="2000" b="1" smtClean="0">
+                <a:latin typeface="Consolas" panose="020B0609020204030204" pitchFamily="49" charset="0"/>
+              </a:rPr>
+              <a:t>result = 0;</a:t>
+            </a:r>
+            <a:endParaRPr lang="da-DK" sz="2000" b="1" smtClean="0">
+              <a:solidFill>
+                <a:srgbClr val="0070C0"/>
+              </a:solidFill>
+              <a:latin typeface="Consolas" panose="020B0609020204030204" pitchFamily="49" charset="0"/>
+            </a:endParaRPr>
+          </a:p>
+          <a:p>
+            <a:pPr marL="0" indent="0">
+              <a:buNone/>
+            </a:pPr>
+            <a:r>
+              <a:rPr lang="da-DK" sz="2000" b="1" smtClean="0">
+                <a:solidFill>
+                  <a:srgbClr val="FF0000"/>
+                </a:solidFill>
+                <a:latin typeface="Consolas" panose="020B0609020204030204" pitchFamily="49" charset="0"/>
+              </a:rPr>
+              <a:t>result = calc(parameter);</a:t>
+            </a:r>
+          </a:p>
+          <a:p>
+            <a:pPr marL="0" indent="0">
+              <a:buNone/>
+            </a:pPr>
+            <a:endParaRPr lang="da-DK" sz="2000" b="1" smtClean="0">
+              <a:latin typeface="Consolas" panose="020B0609020204030204" pitchFamily="49" charset="0"/>
+            </a:endParaRPr>
+          </a:p>
+          <a:p>
+            <a:pPr marL="0" indent="0">
+              <a:buNone/>
+            </a:pPr>
+            <a:r>
+              <a:rPr lang="da-DK" sz="2000" b="1" smtClean="0">
+                <a:solidFill>
+                  <a:schemeClr val="accent6">
+                    <a:lumMod val="75000"/>
+                  </a:schemeClr>
+                </a:solidFill>
+                <a:latin typeface="Consolas" panose="020B0609020204030204" pitchFamily="49" charset="0"/>
+              </a:rPr>
+              <a:t>// becomes:</a:t>
+            </a:r>
+          </a:p>
+          <a:p>
+            <a:pPr marL="0" indent="0">
+              <a:buNone/>
+            </a:pPr>
+            <a:endParaRPr lang="da-DK" sz="2000" b="1" smtClean="0">
+              <a:latin typeface="Consolas" panose="020B0609020204030204" pitchFamily="49" charset="0"/>
+            </a:endParaRPr>
+          </a:p>
+          <a:p>
+            <a:pPr marL="0" indent="0">
+              <a:buNone/>
+            </a:pPr>
+            <a:r>
+              <a:rPr lang="da-DK" sz="2000" b="1">
+                <a:solidFill>
+                  <a:schemeClr val="accent6">
+                    <a:lumMod val="75000"/>
+                  </a:schemeClr>
+                </a:solidFill>
+                <a:latin typeface="Consolas" panose="020B0609020204030204" pitchFamily="49" charset="0"/>
+              </a:rPr>
+              <a:t>Task</a:t>
+            </a:r>
+            <a:r>
+              <a:rPr lang="da-DK" sz="2000" b="1">
+                <a:latin typeface="Consolas" panose="020B0609020204030204" pitchFamily="49" charset="0"/>
+              </a:rPr>
+              <a:t> taskA = </a:t>
+            </a:r>
+            <a:r>
+              <a:rPr lang="da-DK" sz="2000" b="1">
+                <a:solidFill>
+                  <a:srgbClr val="0070C0"/>
+                </a:solidFill>
+                <a:latin typeface="Consolas" panose="020B0609020204030204" pitchFamily="49" charset="0"/>
+              </a:rPr>
+              <a:t>new</a:t>
+            </a:r>
+            <a:r>
+              <a:rPr lang="da-DK" sz="2000" b="1">
+                <a:latin typeface="Consolas" panose="020B0609020204030204" pitchFamily="49" charset="0"/>
+              </a:rPr>
+              <a:t> </a:t>
+            </a:r>
+            <a:r>
+              <a:rPr lang="da-DK" sz="2000" b="1">
+                <a:solidFill>
+                  <a:schemeClr val="accent6">
+                    <a:lumMod val="75000"/>
+                  </a:schemeClr>
+                </a:solidFill>
+                <a:latin typeface="Consolas" panose="020B0609020204030204" pitchFamily="49" charset="0"/>
+              </a:rPr>
+              <a:t>Task</a:t>
+            </a:r>
+            <a:r>
+              <a:rPr lang="da-DK" sz="2000" b="1" smtClean="0">
+                <a:latin typeface="Consolas" panose="020B0609020204030204" pitchFamily="49" charset="0"/>
+              </a:rPr>
+              <a:t>(() </a:t>
+            </a:r>
+            <a:r>
+              <a:rPr lang="da-DK" sz="2000" b="1">
+                <a:latin typeface="Consolas" panose="020B0609020204030204" pitchFamily="49" charset="0"/>
+              </a:rPr>
+              <a:t>=&gt; </a:t>
+            </a:r>
+            <a:r>
+              <a:rPr lang="da-DK" sz="2000" b="1" smtClean="0">
+                <a:latin typeface="Consolas" panose="020B0609020204030204" pitchFamily="49" charset="0"/>
+              </a:rPr>
+              <a:t>{ </a:t>
+            </a:r>
+            <a:r>
+              <a:rPr lang="da-DK" sz="2000" b="1" smtClean="0">
+                <a:solidFill>
+                  <a:srgbClr val="FF0000"/>
+                </a:solidFill>
+                <a:latin typeface="Consolas" panose="020B0609020204030204" pitchFamily="49" charset="0"/>
+              </a:rPr>
+              <a:t>result </a:t>
+            </a:r>
+            <a:r>
+              <a:rPr lang="da-DK" sz="2000" b="1">
+                <a:solidFill>
+                  <a:srgbClr val="FF0000"/>
+                </a:solidFill>
+                <a:latin typeface="Consolas" panose="020B0609020204030204" pitchFamily="49" charset="0"/>
+              </a:rPr>
+              <a:t>= calc(parameter</a:t>
+            </a:r>
+            <a:r>
+              <a:rPr lang="da-DK" sz="2000" b="1" smtClean="0">
+                <a:solidFill>
+                  <a:srgbClr val="FF0000"/>
+                </a:solidFill>
+                <a:latin typeface="Consolas" panose="020B0609020204030204" pitchFamily="49" charset="0"/>
+              </a:rPr>
+              <a:t>); </a:t>
+            </a:r>
+            <a:r>
+              <a:rPr lang="da-DK" sz="2000" b="1" smtClean="0">
+                <a:latin typeface="Consolas" panose="020B0609020204030204" pitchFamily="49" charset="0"/>
+              </a:rPr>
+              <a:t>})</a:t>
+            </a:r>
+          </a:p>
+          <a:p>
+            <a:pPr marL="0" indent="0">
+              <a:buNone/>
+            </a:pPr>
+            <a:r>
+              <a:rPr lang="da-DK" sz="2000" b="1" smtClean="0">
+                <a:latin typeface="Consolas" panose="020B0609020204030204" pitchFamily="49" charset="0"/>
+              </a:rPr>
+              <a:t>taskA.Start();</a:t>
+            </a:r>
+            <a:endParaRPr lang="da-DK" sz="2000" b="1">
+              <a:latin typeface="Consolas" panose="020B0609020204030204" pitchFamily="49" charset="0"/>
+            </a:endParaRPr>
           </a:p>
         </p:txBody>
       </p:sp>
     </p:spTree>
     <p:extLst>
       <p:ext uri="{BB962C8B-B14F-4D97-AF65-F5344CB8AC3E}">
-        <p14:creationId xmlns:p14="http://schemas.microsoft.com/office/powerpoint/2010/main" val="2883113401"/>
+        <p14:creationId xmlns:p14="http://schemas.microsoft.com/office/powerpoint/2010/main" val="2020537241"/>
       </p:ext>
     </p:extLst>
   </p:cSld>
@@ -11304,6 +11776,158 @@
       </p:grpSpPr>
       <p:sp>
         <p:nvSpPr>
+          <p:cNvPr id="2" name="Titel 1"/>
+          <p:cNvSpPr>
+            <a:spLocks noGrp="1"/>
+          </p:cNvSpPr>
+          <p:nvPr>
+            <p:ph type="title"/>
+          </p:nvPr>
+        </p:nvSpPr>
+        <p:spPr/>
+        <p:txBody>
+          <a:bodyPr/>
+          <a:lstStyle/>
+          <a:p>
+            <a:r>
+              <a:rPr lang="da-DK" b="1" smtClean="0"/>
+              <a:t>Synchronisation of tasks</a:t>
+            </a:r>
+            <a:endParaRPr lang="da-DK"/>
+          </a:p>
+        </p:txBody>
+      </p:sp>
+      <p:sp>
+        <p:nvSpPr>
+          <p:cNvPr id="3" name="Pladsholder til indhold 2"/>
+          <p:cNvSpPr>
+            <a:spLocks noGrp="1"/>
+          </p:cNvSpPr>
+          <p:nvPr>
+            <p:ph idx="1"/>
+          </p:nvPr>
+        </p:nvSpPr>
+        <p:spPr>
+          <a:xfrm>
+            <a:off x="838200" y="1825625"/>
+            <a:ext cx="7938837" cy="4351338"/>
+          </a:xfrm>
+        </p:spPr>
+        <p:txBody>
+          <a:bodyPr/>
+          <a:lstStyle/>
+          <a:p>
+            <a:r>
+              <a:rPr lang="da-DK" smtClean="0"/>
+              <a:t>At some point, it might not make sense to continue until certain conditions for the tasks are true</a:t>
+            </a:r>
+          </a:p>
+          <a:p>
+            <a:pPr lvl="1"/>
+            <a:r>
+              <a:rPr lang="da-DK" b="1" smtClean="0"/>
+              <a:t>taskA.Wait()</a:t>
+            </a:r>
+            <a:r>
+              <a:rPr lang="da-DK" smtClean="0"/>
+              <a:t>: Wait until </a:t>
+            </a:r>
+            <a:r>
+              <a:rPr lang="da-DK" b="1" smtClean="0"/>
+              <a:t>taskA</a:t>
+            </a:r>
+            <a:r>
+              <a:rPr lang="da-DK" smtClean="0"/>
+              <a:t> has completed</a:t>
+            </a:r>
+          </a:p>
+          <a:p>
+            <a:pPr lvl="1"/>
+            <a:r>
+              <a:rPr lang="da-DK" b="1" smtClean="0"/>
+              <a:t>Task.WaitAll(taskA, taskB, taskC)</a:t>
+            </a:r>
+            <a:r>
+              <a:rPr lang="da-DK" smtClean="0"/>
+              <a:t>: Wait until </a:t>
+            </a:r>
+            <a:r>
+              <a:rPr lang="da-DK" u="sng" smtClean="0"/>
+              <a:t>all</a:t>
+            </a:r>
+            <a:r>
+              <a:rPr lang="da-DK" smtClean="0"/>
+              <a:t> the specified tasks are completed</a:t>
+            </a:r>
+          </a:p>
+          <a:p>
+            <a:pPr lvl="1"/>
+            <a:r>
+              <a:rPr lang="da-DK" b="1" smtClean="0"/>
+              <a:t>Task.WaitAny(taskA</a:t>
+            </a:r>
+            <a:r>
+              <a:rPr lang="da-DK" b="1"/>
+              <a:t>, taskB, taskC)</a:t>
+            </a:r>
+            <a:r>
+              <a:rPr lang="da-DK"/>
+              <a:t>: Wait until </a:t>
+            </a:r>
+            <a:r>
+              <a:rPr lang="da-DK" u="sng" smtClean="0"/>
+              <a:t>at least one of</a:t>
+            </a:r>
+            <a:r>
+              <a:rPr lang="da-DK" smtClean="0"/>
+              <a:t> the </a:t>
+            </a:r>
+            <a:r>
+              <a:rPr lang="da-DK"/>
+              <a:t>specified tasks are completed</a:t>
+            </a:r>
+          </a:p>
+        </p:txBody>
+      </p:sp>
+    </p:spTree>
+    <p:extLst>
+      <p:ext uri="{BB962C8B-B14F-4D97-AF65-F5344CB8AC3E}">
+        <p14:creationId xmlns:p14="http://schemas.microsoft.com/office/powerpoint/2010/main" val="2883113401"/>
+      </p:ext>
+    </p:extLst>
+  </p:cSld>
+  <p:clrMapOvr>
+    <a:masterClrMapping/>
+  </p:clrMapOvr>
+  <p:timing>
+    <p:tnLst>
+      <p:par>
+        <p:cTn id="1" dur="indefinite" restart="never" nodeType="tmRoot"/>
+      </p:par>
+    </p:tnLst>
+  </p:timing>
+</p:sld>
+</file>
+
+<file path=ppt/slides/slide26.xml><?xml version="1.0" encoding="utf-8"?>
+<p:sld xmlns:a="http://schemas.openxmlformats.org/drawingml/2006/main" xmlns:r="http://schemas.openxmlformats.org/officeDocument/2006/relationships" xmlns:p="http://schemas.openxmlformats.org/presentationml/2006/main">
+  <p:cSld>
+    <p:spTree>
+      <p:nvGrpSpPr>
+        <p:cNvPr id="1" name=""/>
+        <p:cNvGrpSpPr/>
+        <p:nvPr/>
+      </p:nvGrpSpPr>
+      <p:grpSpPr>
+        <a:xfrm>
+          <a:off x="0" y="0"/>
+          <a:ext cx="0" cy="0"/>
+          <a:chOff x="0" y="0"/>
+          <a:chExt cx="0" cy="0"/>
+        </a:xfrm>
+      </p:grpSpPr>
+      <p:sp>
+        <p:nvSpPr>
           <p:cNvPr id="4" name="Afrundet rektangel 3"/>
           <p:cNvSpPr/>
           <p:nvPr/>
@@ -11899,133 +12523,6 @@
 </p:sld>
 </file>
 
-<file path=ppt/slides/slide26.xml><?xml version="1.0" encoding="utf-8"?>
-<p:sld xmlns:a="http://schemas.openxmlformats.org/drawingml/2006/main" xmlns:r="http://schemas.openxmlformats.org/officeDocument/2006/relationships" xmlns:p="http://schemas.openxmlformats.org/presentationml/2006/main">
-  <p:cSld>
-    <p:spTree>
-      <p:nvGrpSpPr>
-        <p:cNvPr id="1" name=""/>
-        <p:cNvGrpSpPr/>
-        <p:nvPr/>
-      </p:nvGrpSpPr>
-      <p:grpSpPr>
-        <a:xfrm>
-          <a:off x="0" y="0"/>
-          <a:ext cx="0" cy="0"/>
-          <a:chOff x="0" y="0"/>
-          <a:chExt cx="0" cy="0"/>
-        </a:xfrm>
-      </p:grpSpPr>
-      <p:sp>
-        <p:nvSpPr>
-          <p:cNvPr id="2" name="Titel 1"/>
-          <p:cNvSpPr>
-            <a:spLocks noGrp="1"/>
-          </p:cNvSpPr>
-          <p:nvPr>
-            <p:ph type="title"/>
-          </p:nvPr>
-        </p:nvSpPr>
-        <p:spPr/>
-        <p:txBody>
-          <a:bodyPr/>
-          <a:lstStyle/>
-          <a:p>
-            <a:r>
-              <a:rPr lang="da-DK" b="1" smtClean="0"/>
-              <a:t>Cancellation of tasks</a:t>
-            </a:r>
-            <a:endParaRPr lang="da-DK"/>
-          </a:p>
-        </p:txBody>
-      </p:sp>
-      <p:sp>
-        <p:nvSpPr>
-          <p:cNvPr id="3" name="Pladsholder til indhold 2"/>
-          <p:cNvSpPr>
-            <a:spLocks noGrp="1"/>
-          </p:cNvSpPr>
-          <p:nvPr>
-            <p:ph idx="1"/>
-          </p:nvPr>
-        </p:nvSpPr>
-        <p:spPr>
-          <a:xfrm>
-            <a:off x="838200" y="1825625"/>
-            <a:ext cx="8787063" cy="4351338"/>
-          </a:xfrm>
-        </p:spPr>
-        <p:txBody>
-          <a:bodyPr/>
-          <a:lstStyle/>
-          <a:p>
-            <a:r>
-              <a:rPr lang="da-DK" smtClean="0"/>
-              <a:t>Creator of task cannot ”force” cancellation of a task</a:t>
-            </a:r>
-            <a:endParaRPr lang="da-DK" b="1" smtClean="0"/>
-          </a:p>
-          <a:p>
-            <a:r>
-              <a:rPr lang="da-DK"/>
-              <a:t>Creator of </a:t>
-            </a:r>
-            <a:r>
-              <a:rPr lang="da-DK" smtClean="0"/>
-              <a:t>task can </a:t>
-            </a:r>
-            <a:r>
-              <a:rPr lang="da-DK" u="sng" smtClean="0"/>
-              <a:t>request</a:t>
-            </a:r>
-            <a:r>
-              <a:rPr lang="da-DK" smtClean="0"/>
-              <a:t> </a:t>
-            </a:r>
-            <a:r>
-              <a:rPr lang="da-DK"/>
-              <a:t>cancellation of a task</a:t>
-            </a:r>
-            <a:endParaRPr lang="da-DK" smtClean="0"/>
-          </a:p>
-          <a:p>
-            <a:r>
-              <a:rPr lang="da-DK" smtClean="0"/>
-              <a:t>The to-be-cancelled task can now perform any necessary final operations before shutting down</a:t>
-            </a:r>
-          </a:p>
-          <a:p>
-            <a:r>
-              <a:rPr lang="da-DK" smtClean="0"/>
-              <a:t>Cancellation coordinated via a </a:t>
-            </a:r>
-            <a:r>
-              <a:rPr lang="da-DK" b="1" smtClean="0"/>
-              <a:t>cancellation token</a:t>
-            </a:r>
-          </a:p>
-        </p:txBody>
-      </p:sp>
-    </p:spTree>
-    <p:extLst>
-      <p:ext uri="{BB962C8B-B14F-4D97-AF65-F5344CB8AC3E}">
-        <p14:creationId xmlns:p14="http://schemas.microsoft.com/office/powerpoint/2010/main" val="3379618680"/>
-      </p:ext>
-    </p:extLst>
-  </p:cSld>
-  <p:clrMapOvr>
-    <a:masterClrMapping/>
-  </p:clrMapOvr>
-  <p:timing>
-    <p:tnLst>
-      <p:par>
-        <p:cTn id="1" dur="indefinite" restart="never" nodeType="tmRoot"/>
-      </p:par>
-    </p:tnLst>
-  </p:timing>
-</p:sld>
-</file>
-
 <file path=ppt/slides/slide27.xml><?xml version="1.0" encoding="utf-8"?>
 <p:sld xmlns:a="http://schemas.openxmlformats.org/drawingml/2006/main" xmlns:r="http://schemas.openxmlformats.org/officeDocument/2006/relationships" xmlns:p="http://schemas.openxmlformats.org/presentationml/2006/main">
   <p:cSld>
@@ -12045,6 +12542,29 @@
       </p:grpSpPr>
       <p:sp>
         <p:nvSpPr>
+          <p:cNvPr id="2" name="Titel 1"/>
+          <p:cNvSpPr>
+            <a:spLocks noGrp="1"/>
+          </p:cNvSpPr>
+          <p:nvPr>
+            <p:ph type="title"/>
+          </p:nvPr>
+        </p:nvSpPr>
+        <p:spPr/>
+        <p:txBody>
+          <a:bodyPr/>
+          <a:lstStyle/>
+          <a:p>
+            <a:r>
+              <a:rPr lang="da-DK" b="1" smtClean="0"/>
+              <a:t>Cancellation of tasks</a:t>
+            </a:r>
+            <a:endParaRPr lang="da-DK"/>
+          </a:p>
+        </p:txBody>
+      </p:sp>
+      <p:sp>
+        <p:nvSpPr>
           <p:cNvPr id="3" name="Pladsholder til indhold 2"/>
           <p:cNvSpPr>
             <a:spLocks noGrp="1"/>
@@ -12055,276 +12575,65 @@
         </p:nvSpPr>
         <p:spPr>
           <a:xfrm>
-            <a:off x="838200" y="765387"/>
-            <a:ext cx="10515600" cy="5411576"/>
-          </a:xfrm>
-        </p:spPr>
-        <p:txBody>
-          <a:bodyPr>
-            <a:normAutofit/>
-          </a:bodyPr>
-          <a:lstStyle/>
-          <a:p>
-            <a:pPr marL="0" indent="0">
-              <a:buNone/>
-            </a:pPr>
-            <a:endParaRPr lang="da-DK" sz="1800" smtClean="0"/>
-          </a:p>
-          <a:p>
-            <a:pPr marL="0" indent="0">
-              <a:spcBef>
-                <a:spcPts val="0"/>
-              </a:spcBef>
-              <a:buNone/>
-            </a:pPr>
-            <a:r>
-              <a:rPr lang="en-US" sz="2000" b="1" smtClean="0">
-                <a:solidFill>
-                  <a:srgbClr val="0070C0"/>
-                </a:solidFill>
-                <a:latin typeface="Consolas" panose="020B0609020204030204" pitchFamily="49" charset="0"/>
-              </a:rPr>
-              <a:t>void</a:t>
-            </a:r>
-            <a:r>
-              <a:rPr lang="en-US" sz="2000" b="1" smtClean="0">
-                <a:latin typeface="Consolas" panose="020B0609020204030204" pitchFamily="49" charset="0"/>
-              </a:rPr>
+            <a:off x="838200" y="1825625"/>
+            <a:ext cx="8787063" cy="4351338"/>
+          </a:xfrm>
+        </p:spPr>
+        <p:txBody>
+          <a:bodyPr/>
+          <a:lstStyle/>
+          <a:p>
+            <a:r>
+              <a:rPr lang="da-DK" smtClean="0"/>
+              <a:t>Creator of task cannot ”force” cancellation of a task</a:t>
+            </a:r>
+            <a:endParaRPr lang="da-DK" b="1" smtClean="0"/>
+          </a:p>
+          <a:p>
+            <a:r>
+              <a:rPr lang="da-DK"/>
+              <a:t>Creator of </a:t>
+            </a:r>
+            <a:r>
+              <a:rPr lang="da-DK" smtClean="0"/>
+              <a:t>task can </a:t>
+            </a:r>
+            <a:r>
+              <a:rPr lang="da-DK" u="sng" smtClean="0"/>
+              <a:t>request</a:t>
+            </a:r>
+            <a:r>
+              <a:rPr lang="da-DK" smtClean="0"/>
               <a:t> </a:t>
             </a:r>
             <a:r>
-              <a:rPr lang="en-US" sz="2000" b="1">
-                <a:latin typeface="Consolas" panose="020B0609020204030204" pitchFamily="49" charset="0"/>
-              </a:rPr>
-              <a:t>CalcA</a:t>
-            </a:r>
-            <a:r>
-              <a:rPr lang="en-US" sz="2000" b="1" smtClean="0">
-                <a:latin typeface="Consolas" panose="020B0609020204030204" pitchFamily="49" charset="0"/>
-              </a:rPr>
-              <a:t>()</a:t>
-            </a:r>
-            <a:endParaRPr lang="da-DK" sz="2000" b="1">
-              <a:latin typeface="Consolas" panose="020B0609020204030204" pitchFamily="49" charset="0"/>
-            </a:endParaRPr>
-          </a:p>
-          <a:p>
-            <a:pPr marL="0" indent="0">
-              <a:spcBef>
-                <a:spcPts val="0"/>
-              </a:spcBef>
-              <a:buNone/>
-            </a:pPr>
-            <a:r>
-              <a:rPr lang="en-US" sz="2000" b="1">
-                <a:latin typeface="Consolas" panose="020B0609020204030204" pitchFamily="49" charset="0"/>
-              </a:rPr>
-              <a:t>{</a:t>
-            </a:r>
-            <a:endParaRPr lang="da-DK" sz="2000" b="1">
-              <a:latin typeface="Consolas" panose="020B0609020204030204" pitchFamily="49" charset="0"/>
-            </a:endParaRPr>
-          </a:p>
-          <a:p>
-            <a:pPr marL="0" indent="0">
-              <a:spcBef>
-                <a:spcPts val="0"/>
-              </a:spcBef>
-              <a:buNone/>
-            </a:pPr>
-            <a:r>
-              <a:rPr lang="en-US" sz="2000" b="1" smtClean="0">
-                <a:solidFill>
-                  <a:srgbClr val="0070C0"/>
-                </a:solidFill>
-                <a:latin typeface="Consolas" panose="020B0609020204030204" pitchFamily="49" charset="0"/>
-              </a:rPr>
-              <a:t>    while</a:t>
-            </a:r>
-            <a:r>
-              <a:rPr lang="en-US" sz="2000" b="1" smtClean="0">
-                <a:latin typeface="Consolas" panose="020B0609020204030204" pitchFamily="49" charset="0"/>
-              </a:rPr>
-              <a:t> (</a:t>
-            </a:r>
-            <a:r>
-              <a:rPr lang="en-US" sz="2000" b="1" smtClean="0">
-                <a:solidFill>
-                  <a:schemeClr val="accent6">
-                    <a:lumMod val="75000"/>
-                  </a:schemeClr>
-                </a:solidFill>
-                <a:latin typeface="Consolas" panose="020B0609020204030204" pitchFamily="49" charset="0"/>
-              </a:rPr>
-              <a:t>/* termination conditions */</a:t>
-            </a:r>
-            <a:r>
-              <a:rPr lang="en-US" sz="2000" b="1" smtClean="0">
-                <a:latin typeface="Consolas" panose="020B0609020204030204" pitchFamily="49" charset="0"/>
-              </a:rPr>
-              <a:t>)</a:t>
-            </a:r>
-            <a:endParaRPr lang="da-DK" sz="2000" b="1">
-              <a:latin typeface="Consolas" panose="020B0609020204030204" pitchFamily="49" charset="0"/>
-            </a:endParaRPr>
-          </a:p>
-          <a:p>
-            <a:pPr marL="0" indent="0">
-              <a:spcBef>
-                <a:spcPts val="0"/>
-              </a:spcBef>
-              <a:buNone/>
-            </a:pPr>
-            <a:r>
-              <a:rPr lang="en-US" sz="2000" b="1" smtClean="0">
-                <a:latin typeface="Consolas" panose="020B0609020204030204" pitchFamily="49" charset="0"/>
-              </a:rPr>
-              <a:t>    {</a:t>
-            </a:r>
-            <a:endParaRPr lang="da-DK" sz="2000" b="1">
-              <a:latin typeface="Consolas" panose="020B0609020204030204" pitchFamily="49" charset="0"/>
-            </a:endParaRPr>
-          </a:p>
-          <a:p>
-            <a:pPr marL="0" indent="0">
-              <a:spcBef>
-                <a:spcPts val="0"/>
-              </a:spcBef>
-              <a:buNone/>
-            </a:pPr>
-            <a:r>
-              <a:rPr lang="en-US" sz="2000" b="1" smtClean="0">
-                <a:latin typeface="Consolas" panose="020B0609020204030204" pitchFamily="49" charset="0"/>
-              </a:rPr>
-              <a:t>        </a:t>
-            </a:r>
-            <a:r>
-              <a:rPr lang="en-US" sz="2000" b="1">
-                <a:solidFill>
-                  <a:schemeClr val="accent6">
-                    <a:lumMod val="75000"/>
-                  </a:schemeClr>
-                </a:solidFill>
-                <a:latin typeface="Consolas" panose="020B0609020204030204" pitchFamily="49" charset="0"/>
-              </a:rPr>
-              <a:t>// Keep doing work</a:t>
-            </a:r>
-            <a:endParaRPr lang="da-DK" sz="2000" b="1">
-              <a:solidFill>
-                <a:schemeClr val="accent6">
-                  <a:lumMod val="75000"/>
-                </a:schemeClr>
-              </a:solidFill>
-              <a:latin typeface="Consolas" panose="020B0609020204030204" pitchFamily="49" charset="0"/>
-            </a:endParaRPr>
-          </a:p>
-          <a:p>
-            <a:pPr marL="0" indent="0">
-              <a:spcBef>
-                <a:spcPts val="0"/>
-              </a:spcBef>
-              <a:buNone/>
-            </a:pPr>
-            <a:r>
-              <a:rPr lang="en-US" sz="2000" b="1" smtClean="0">
-                <a:latin typeface="Consolas" panose="020B0609020204030204" pitchFamily="49" charset="0"/>
-              </a:rPr>
-              <a:t>    }</a:t>
-            </a:r>
-            <a:endParaRPr lang="da-DK" sz="2000" b="1">
-              <a:latin typeface="Consolas" panose="020B0609020204030204" pitchFamily="49" charset="0"/>
-            </a:endParaRPr>
-          </a:p>
-          <a:p>
-            <a:pPr marL="0" indent="0">
-              <a:spcBef>
-                <a:spcPts val="0"/>
-              </a:spcBef>
-              <a:buNone/>
-            </a:pPr>
-            <a:r>
-              <a:rPr lang="en-US" sz="2000" b="1">
-                <a:latin typeface="Consolas" panose="020B0609020204030204" pitchFamily="49" charset="0"/>
-              </a:rPr>
-              <a:t> </a:t>
-            </a:r>
-            <a:endParaRPr lang="da-DK" sz="2000" b="1">
-              <a:latin typeface="Consolas" panose="020B0609020204030204" pitchFamily="49" charset="0"/>
-            </a:endParaRPr>
-          </a:p>
-          <a:p>
-            <a:pPr marL="0" indent="0">
-              <a:spcBef>
-                <a:spcPts val="0"/>
-              </a:spcBef>
-              <a:buNone/>
-            </a:pPr>
-            <a:r>
-              <a:rPr lang="en-US" sz="2000" b="1" smtClean="0">
-                <a:latin typeface="Consolas" panose="020B0609020204030204" pitchFamily="49" charset="0"/>
-              </a:rPr>
-              <a:t>    </a:t>
-            </a:r>
-            <a:r>
-              <a:rPr lang="en-US" sz="2000" b="1">
-                <a:solidFill>
-                  <a:schemeClr val="accent6">
-                    <a:lumMod val="75000"/>
-                  </a:schemeClr>
-                </a:solidFill>
-                <a:latin typeface="Consolas" panose="020B0609020204030204" pitchFamily="49" charset="0"/>
-              </a:rPr>
-              <a:t>// Do any operations needed before </a:t>
-            </a:r>
-            <a:r>
-              <a:rPr lang="en-US" sz="2000" b="1" smtClean="0">
-                <a:solidFill>
-                  <a:schemeClr val="accent6">
-                    <a:lumMod val="75000"/>
-                  </a:schemeClr>
-                </a:solidFill>
-                <a:latin typeface="Consolas" panose="020B0609020204030204" pitchFamily="49" charset="0"/>
-              </a:rPr>
-              <a:t>finishing</a:t>
-            </a:r>
-            <a:endParaRPr lang="da-DK" sz="2000" b="1">
-              <a:latin typeface="Consolas" panose="020B0609020204030204" pitchFamily="49" charset="0"/>
-            </a:endParaRPr>
-          </a:p>
-          <a:p>
-            <a:pPr marL="0" indent="0">
-              <a:spcBef>
-                <a:spcPts val="0"/>
-              </a:spcBef>
-              <a:buNone/>
-            </a:pPr>
-            <a:r>
-              <a:rPr lang="en-US" sz="2000" b="1" smtClean="0">
-                <a:latin typeface="Consolas" panose="020B0609020204030204" pitchFamily="49" charset="0"/>
-              </a:rPr>
-              <a:t>}</a:t>
-            </a:r>
-            <a:endParaRPr lang="da-DK" sz="2000" b="1">
-              <a:latin typeface="Consolas" panose="020B0609020204030204" pitchFamily="49" charset="0"/>
-            </a:endParaRPr>
-          </a:p>
-          <a:p>
-            <a:pPr marL="0" indent="0">
-              <a:buNone/>
-            </a:pPr>
-            <a:endParaRPr lang="da-DK" sz="2000" b="1" smtClean="0">
-              <a:solidFill>
-                <a:srgbClr val="0070C0"/>
-              </a:solidFill>
-              <a:latin typeface="Consolas" panose="020B0609020204030204" pitchFamily="49" charset="0"/>
-            </a:endParaRPr>
+              <a:rPr lang="da-DK"/>
+              <a:t>cancellation of a task</a:t>
+            </a:r>
+            <a:endParaRPr lang="da-DK" smtClean="0"/>
+          </a:p>
+          <a:p>
+            <a:r>
+              <a:rPr lang="da-DK" smtClean="0"/>
+              <a:t>The to-be-cancelled task can now perform any necessary final operations before shutting down</a:t>
+            </a:r>
+          </a:p>
+          <a:p>
+            <a:r>
+              <a:rPr lang="da-DK" smtClean="0"/>
+              <a:t>Cancellation coordinated via a </a:t>
+            </a:r>
+            <a:r>
+              <a:rPr lang="da-DK" b="1" smtClean="0"/>
+              <a:t>cancellation token</a:t>
+            </a:r>
           </a:p>
         </p:txBody>
       </p:sp>
     </p:spTree>
     <p:extLst>
       <p:ext uri="{BB962C8B-B14F-4D97-AF65-F5344CB8AC3E}">
-        <p14:creationId xmlns:p14="http://schemas.microsoft.com/office/powerpoint/2010/main" val="1282769280"/>
+        <p14:creationId xmlns:p14="http://schemas.microsoft.com/office/powerpoint/2010/main" val="3379618680"/>
       </p:ext>
     </p:extLst>
   </p:cSld>
@@ -12371,7 +12680,7 @@
         <p:spPr>
           <a:xfrm>
             <a:off x="838200" y="765387"/>
-            <a:ext cx="10947400" cy="5411576"/>
+            <a:ext cx="10515600" cy="5411576"/>
           </a:xfrm>
         </p:spPr>
         <p:txBody>
@@ -12411,22 +12720,13 @@
               <a:rPr lang="en-US" sz="2000" b="1">
                 <a:latin typeface="Consolas" panose="020B0609020204030204" pitchFamily="49" charset="0"/>
               </a:rPr>
-              <a:t>CalcA(</a:t>
-            </a:r>
-            <a:r>
-              <a:rPr lang="en-US" sz="2000" b="1">
-                <a:solidFill>
-                  <a:srgbClr val="FF0000"/>
-                </a:solidFill>
-                <a:latin typeface="Consolas" panose="020B0609020204030204" pitchFamily="49" charset="0"/>
-              </a:rPr>
-              <a:t>CancellationToken token</a:t>
-            </a:r>
-            <a:r>
-              <a:rPr lang="en-US" sz="2000" b="1">
-                <a:latin typeface="Consolas" panose="020B0609020204030204" pitchFamily="49" charset="0"/>
-              </a:rPr>
-              <a:t>)</a:t>
+              <a:t>CalcA</a:t>
+            </a:r>
+            <a:r>
+              <a:rPr lang="en-US" sz="2000" b="1" smtClean="0">
+                <a:latin typeface="Consolas" panose="020B0609020204030204" pitchFamily="49" charset="0"/>
+              </a:rPr>
+              <a:t>()</a:t>
             </a:r>
             <a:endParaRPr lang="da-DK" sz="2000" b="1">
               <a:latin typeface="Consolas" panose="020B0609020204030204" pitchFamily="49" charset="0"/>
@@ -12469,28 +12769,58 @@
               <a:rPr lang="en-US" sz="2000" b="1" smtClean="0">
                 <a:latin typeface="Consolas" panose="020B0609020204030204" pitchFamily="49" charset="0"/>
               </a:rPr>
-              <a:t> </a:t>
-            </a:r>
-            <a:r>
-              <a:rPr lang="en-US" sz="2000" b="1">
-                <a:latin typeface="Consolas" panose="020B0609020204030204" pitchFamily="49" charset="0"/>
-              </a:rPr>
-              <a:t>(</a:t>
-            </a:r>
-            <a:r>
-              <a:rPr lang="en-US" sz="2000" b="1">
+              <a:t> (</a:t>
+            </a:r>
+            <a:r>
+              <a:rPr lang="en-US" sz="2000" b="1" smtClean="0">
                 <a:solidFill>
-                  <a:srgbClr val="FF0000"/>
+                  <a:schemeClr val="accent6">
+                    <a:lumMod val="75000"/>
+                  </a:schemeClr>
                 </a:solidFill>
                 <a:latin typeface="Consolas" panose="020B0609020204030204" pitchFamily="49" charset="0"/>
               </a:rPr>
-              <a:t>!token.IsCancellationRequested &amp;&amp;</a:t>
-            </a:r>
-            <a:r>
-              <a:rPr lang="en-US" sz="2000" b="1">
-                <a:latin typeface="Consolas" panose="020B0609020204030204" pitchFamily="49" charset="0"/>
-              </a:rPr>
-              <a:t> </a:t>
+              <a:t>/* termination conditions */</a:t>
+            </a:r>
+            <a:r>
+              <a:rPr lang="en-US" sz="2000" b="1" smtClean="0">
+                <a:latin typeface="Consolas" panose="020B0609020204030204" pitchFamily="49" charset="0"/>
+              </a:rPr>
+              <a:t>)</a:t>
+            </a:r>
+            <a:endParaRPr lang="da-DK" sz="2000" b="1">
+              <a:latin typeface="Consolas" panose="020B0609020204030204" pitchFamily="49" charset="0"/>
+            </a:endParaRPr>
+          </a:p>
+          <a:p>
+            <a:pPr marL="0" indent="0">
+              <a:spcBef>
+                <a:spcPts val="0"/>
+              </a:spcBef>
+              <a:buNone/>
+            </a:pPr>
+            <a:r>
+              <a:rPr lang="en-US" sz="2000" b="1" smtClean="0">
+                <a:latin typeface="Consolas" panose="020B0609020204030204" pitchFamily="49" charset="0"/>
+              </a:rPr>
+              <a:t>    {</a:t>
+            </a:r>
+            <a:endParaRPr lang="da-DK" sz="2000" b="1">
+              <a:latin typeface="Consolas" panose="020B0609020204030204" pitchFamily="49" charset="0"/>
+            </a:endParaRPr>
+          </a:p>
+          <a:p>
+            <a:pPr marL="0" indent="0">
+              <a:spcBef>
+                <a:spcPts val="0"/>
+              </a:spcBef>
+              <a:buNone/>
+            </a:pPr>
+            <a:r>
+              <a:rPr lang="en-US" sz="2000" b="1" smtClean="0">
+                <a:latin typeface="Consolas" panose="020B0609020204030204" pitchFamily="49" charset="0"/>
+              </a:rPr>
+              <a:t>        </a:t>
             </a:r>
             <a:r>
               <a:rPr lang="en-US" sz="2000" b="1">
@@ -12501,7 +12831,74 @@
                 </a:solidFill>
                 <a:latin typeface="Consolas" panose="020B0609020204030204" pitchFamily="49" charset="0"/>
               </a:rPr>
-              <a:t>/* </a:t>
+              <a:t>// Keep doing work</a:t>
+            </a:r>
+            <a:endParaRPr lang="da-DK" sz="2000" b="1">
+              <a:solidFill>
+                <a:schemeClr val="accent6">
+                  <a:lumMod val="75000"/>
+                </a:schemeClr>
+              </a:solidFill>
+              <a:latin typeface="Consolas" panose="020B0609020204030204" pitchFamily="49" charset="0"/>
+            </a:endParaRPr>
+          </a:p>
+          <a:p>
+            <a:pPr marL="0" indent="0">
+              <a:spcBef>
+                <a:spcPts val="0"/>
+              </a:spcBef>
+              <a:buNone/>
+            </a:pPr>
+            <a:r>
+              <a:rPr lang="en-US" sz="2000" b="1" smtClean="0">
+                <a:latin typeface="Consolas" panose="020B0609020204030204" pitchFamily="49" charset="0"/>
+              </a:rPr>
+              <a:t>    }</a:t>
+            </a:r>
+            <a:endParaRPr lang="da-DK" sz="2000" b="1">
+              <a:latin typeface="Consolas" panose="020B0609020204030204" pitchFamily="49" charset="0"/>
+            </a:endParaRPr>
+          </a:p>
+          <a:p>
+            <a:pPr marL="0" indent="0">
+              <a:spcBef>
+                <a:spcPts val="0"/>
+              </a:spcBef>
+              <a:buNone/>
+            </a:pPr>
+            <a:r>
+              <a:rPr lang="en-US" sz="2000" b="1">
+                <a:latin typeface="Consolas" panose="020B0609020204030204" pitchFamily="49" charset="0"/>
+              </a:rPr>
+              <a:t> </a:t>
+            </a:r>
+            <a:endParaRPr lang="da-DK" sz="2000" b="1">
+              <a:latin typeface="Consolas" panose="020B0609020204030204" pitchFamily="49" charset="0"/>
+            </a:endParaRPr>
+          </a:p>
+          <a:p>
+            <a:pPr marL="0" indent="0">
+              <a:spcBef>
+                <a:spcPts val="0"/>
+              </a:spcBef>
+              <a:buNone/>
+            </a:pPr>
+            <a:r>
+              <a:rPr lang="en-US" sz="2000" b="1" smtClean="0">
+                <a:latin typeface="Consolas" panose="020B0609020204030204" pitchFamily="49" charset="0"/>
+              </a:rPr>
+              <a:t>    </a:t>
+            </a:r>
+            <a:r>
+              <a:rPr lang="en-US" sz="2000" b="1">
+                <a:solidFill>
+                  <a:schemeClr val="accent6">
+                    <a:lumMod val="75000"/>
+                  </a:schemeClr>
+                </a:solidFill>
+                <a:latin typeface="Consolas" panose="020B0609020204030204" pitchFamily="49" charset="0"/>
+              </a:rPr>
+              <a:t>// Do any operations needed before </a:t>
             </a:r>
             <a:r>
               <a:rPr lang="en-US" sz="2000" b="1" smtClean="0">
@@ -12512,274 +12909,9 @@
                 </a:solidFill>
                 <a:latin typeface="Consolas" panose="020B0609020204030204" pitchFamily="49" charset="0"/>
               </a:rPr>
-              <a:t>termination conditions */</a:t>
-            </a:r>
-            <a:r>
-              <a:rPr lang="en-US" sz="2000" b="1" smtClean="0">
-                <a:latin typeface="Consolas" panose="020B0609020204030204" pitchFamily="49" charset="0"/>
-              </a:rPr>
-              <a:t>)</a:t>
+              <a:t>finishing</a:t>
             </a:r>
             <a:endParaRPr lang="da-DK" sz="2000" b="1">
-              <a:latin typeface="Consolas" panose="020B0609020204030204" pitchFamily="49" charset="0"/>
-            </a:endParaRPr>
-          </a:p>
-          <a:p>
-            <a:pPr marL="0" indent="0">
-              <a:spcBef>
-                <a:spcPts val="0"/>
-              </a:spcBef>
-              <a:buNone/>
-            </a:pPr>
-            <a:r>
-              <a:rPr lang="en-US" sz="2000" b="1" smtClean="0">
-                <a:latin typeface="Consolas" panose="020B0609020204030204" pitchFamily="49" charset="0"/>
-              </a:rPr>
-              <a:t>    {</a:t>
-            </a:r>
-            <a:endParaRPr lang="da-DK" sz="2000" b="1">
-              <a:latin typeface="Consolas" panose="020B0609020204030204" pitchFamily="49" charset="0"/>
-            </a:endParaRPr>
-          </a:p>
-          <a:p>
-            <a:pPr marL="0" indent="0">
-              <a:spcBef>
-                <a:spcPts val="0"/>
-              </a:spcBef>
-              <a:buNone/>
-            </a:pPr>
-            <a:r>
-              <a:rPr lang="en-US" sz="2000" b="1" smtClean="0">
-                <a:latin typeface="Consolas" panose="020B0609020204030204" pitchFamily="49" charset="0"/>
-              </a:rPr>
-              <a:t>        // </a:t>
-            </a:r>
-            <a:r>
-              <a:rPr lang="en-US" sz="2000" b="1">
-                <a:latin typeface="Consolas" panose="020B0609020204030204" pitchFamily="49" charset="0"/>
-              </a:rPr>
-              <a:t>Keep doing work</a:t>
-            </a:r>
-            <a:endParaRPr lang="da-DK" sz="2000" b="1">
-              <a:latin typeface="Consolas" panose="020B0609020204030204" pitchFamily="49" charset="0"/>
-            </a:endParaRPr>
-          </a:p>
-          <a:p>
-            <a:pPr marL="0" indent="0">
-              <a:spcBef>
-                <a:spcPts val="0"/>
-              </a:spcBef>
-              <a:buNone/>
-            </a:pPr>
-            <a:r>
-              <a:rPr lang="en-US" sz="2000" b="1" smtClean="0">
-                <a:latin typeface="Consolas" panose="020B0609020204030204" pitchFamily="49" charset="0"/>
-              </a:rPr>
-              <a:t>    }</a:t>
-            </a:r>
-            <a:endParaRPr lang="da-DK" sz="2000" b="1">
-              <a:latin typeface="Consolas" panose="020B0609020204030204" pitchFamily="49" charset="0"/>
-            </a:endParaRPr>
-          </a:p>
-          <a:p>
-            <a:pPr marL="0" indent="0">
-              <a:spcBef>
-                <a:spcPts val="0"/>
-              </a:spcBef>
-              <a:buNone/>
-            </a:pPr>
-            <a:r>
-              <a:rPr lang="en-US" sz="2000" b="1">
-                <a:latin typeface="Consolas" panose="020B0609020204030204" pitchFamily="49" charset="0"/>
-              </a:rPr>
-              <a:t> </a:t>
-            </a:r>
-            <a:endParaRPr lang="da-DK" sz="2000" b="1">
-              <a:latin typeface="Consolas" panose="020B0609020204030204" pitchFamily="49" charset="0"/>
-            </a:endParaRPr>
-          </a:p>
-          <a:p>
-            <a:pPr marL="0" indent="0">
-              <a:spcBef>
-                <a:spcPts val="0"/>
-              </a:spcBef>
-              <a:buNone/>
-            </a:pPr>
-            <a:r>
-              <a:rPr lang="en-US" sz="2000" b="1" smtClean="0">
-                <a:solidFill>
-                  <a:srgbClr val="FF0000"/>
-                </a:solidFill>
-                <a:latin typeface="Consolas" panose="020B0609020204030204" pitchFamily="49" charset="0"/>
-              </a:rPr>
-              <a:t>    if </a:t>
-            </a:r>
-            <a:r>
-              <a:rPr lang="en-US" sz="2000" b="1">
-                <a:solidFill>
-                  <a:srgbClr val="FF0000"/>
-                </a:solidFill>
-                <a:latin typeface="Consolas" panose="020B0609020204030204" pitchFamily="49" charset="0"/>
-              </a:rPr>
-              <a:t>(token.IsCancellationRequested)</a:t>
-            </a:r>
-            <a:endParaRPr lang="da-DK" sz="2000" b="1">
-              <a:solidFill>
-                <a:srgbClr val="FF0000"/>
-              </a:solidFill>
-              <a:latin typeface="Consolas" panose="020B0609020204030204" pitchFamily="49" charset="0"/>
-            </a:endParaRPr>
-          </a:p>
-          <a:p>
-            <a:pPr marL="0" indent="0">
-              <a:spcBef>
-                <a:spcPts val="0"/>
-              </a:spcBef>
-              <a:buNone/>
-            </a:pPr>
-            <a:r>
-              <a:rPr lang="en-US" sz="2000" b="1" smtClean="0">
-                <a:solidFill>
-                  <a:srgbClr val="FF0000"/>
-                </a:solidFill>
-                <a:latin typeface="Consolas" panose="020B0609020204030204" pitchFamily="49" charset="0"/>
-              </a:rPr>
-              <a:t>    {</a:t>
-            </a:r>
-            <a:endParaRPr lang="da-DK" sz="2000" b="1">
-              <a:solidFill>
-                <a:srgbClr val="FF0000"/>
-              </a:solidFill>
-              <a:latin typeface="Consolas" panose="020B0609020204030204" pitchFamily="49" charset="0"/>
-            </a:endParaRPr>
-          </a:p>
-          <a:p>
-            <a:pPr marL="0" indent="0">
-              <a:spcBef>
-                <a:spcPts val="0"/>
-              </a:spcBef>
-              <a:buNone/>
-            </a:pPr>
-            <a:r>
-              <a:rPr lang="en-US" sz="2000" b="1" smtClean="0">
-                <a:solidFill>
-                  <a:srgbClr val="FF0000"/>
-                </a:solidFill>
-                <a:latin typeface="Consolas" panose="020B0609020204030204" pitchFamily="49" charset="0"/>
-              </a:rPr>
-              <a:t>        </a:t>
-            </a:r>
-            <a:r>
-              <a:rPr lang="en-US" sz="2000" b="1">
-                <a:solidFill>
-                  <a:srgbClr val="FF0000"/>
-                </a:solidFill>
-                <a:latin typeface="Consolas" panose="020B0609020204030204" pitchFamily="49" charset="0"/>
-              </a:rPr>
-              <a:t>// Do any operations needed before </a:t>
-            </a:r>
-            <a:r>
-              <a:rPr lang="en-US" sz="2000" b="1" smtClean="0">
-                <a:solidFill>
-                  <a:srgbClr val="FF0000"/>
-                </a:solidFill>
-                <a:latin typeface="Consolas" panose="020B0609020204030204" pitchFamily="49" charset="0"/>
-              </a:rPr>
-              <a:t>cancelling</a:t>
-            </a:r>
-            <a:endParaRPr lang="da-DK" sz="2000" b="1">
-              <a:solidFill>
-                <a:srgbClr val="FF0000"/>
-              </a:solidFill>
-              <a:latin typeface="Consolas" panose="020B0609020204030204" pitchFamily="49" charset="0"/>
-            </a:endParaRPr>
-          </a:p>
-          <a:p>
-            <a:pPr marL="0" indent="0">
-              <a:spcBef>
-                <a:spcPts val="0"/>
-              </a:spcBef>
-              <a:buNone/>
-            </a:pPr>
-            <a:r>
-              <a:rPr lang="en-US" sz="2000" b="1" smtClean="0">
-                <a:solidFill>
-                  <a:srgbClr val="FF0000"/>
-                </a:solidFill>
-                <a:latin typeface="Consolas" panose="020B0609020204030204" pitchFamily="49" charset="0"/>
-              </a:rPr>
-              <a:t>    }</a:t>
-            </a:r>
-          </a:p>
-          <a:p>
-            <a:pPr marL="0" indent="0">
-              <a:spcBef>
-                <a:spcPts val="0"/>
-              </a:spcBef>
-              <a:buNone/>
-            </a:pPr>
-            <a:endParaRPr lang="en-US" sz="2000" b="1">
-              <a:solidFill>
-                <a:srgbClr val="FF0000"/>
-              </a:solidFill>
-              <a:latin typeface="Consolas" panose="020B0609020204030204" pitchFamily="49" charset="0"/>
-            </a:endParaRPr>
-          </a:p>
-          <a:p>
-            <a:pPr marL="0" indent="0">
-              <a:spcBef>
-                <a:spcPts val="0"/>
-              </a:spcBef>
-              <a:buNone/>
-            </a:pPr>
-            <a:r>
-              <a:rPr lang="en-US" sz="2000" b="1">
-                <a:solidFill>
-                  <a:schemeClr val="accent6">
-                    <a:lumMod val="75000"/>
-                  </a:schemeClr>
-                </a:solidFill>
-                <a:latin typeface="Consolas" panose="020B0609020204030204" pitchFamily="49" charset="0"/>
-              </a:rPr>
-              <a:t> </a:t>
-            </a:r>
-            <a:r>
-              <a:rPr lang="en-US" sz="2000" b="1" smtClean="0">
-                <a:solidFill>
-                  <a:schemeClr val="accent6">
-                    <a:lumMod val="75000"/>
-                  </a:schemeClr>
-                </a:solidFill>
-                <a:latin typeface="Consolas" panose="020B0609020204030204" pitchFamily="49" charset="0"/>
-              </a:rPr>
-              <a:t>   // </a:t>
-            </a:r>
-            <a:r>
-              <a:rPr lang="en-US" sz="2000" b="1">
-                <a:solidFill>
-                  <a:schemeClr val="accent6">
-                    <a:lumMod val="75000"/>
-                  </a:schemeClr>
-                </a:solidFill>
-                <a:latin typeface="Consolas" panose="020B0609020204030204" pitchFamily="49" charset="0"/>
-              </a:rPr>
-              <a:t>Do any operations needed before </a:t>
-            </a:r>
-            <a:r>
-              <a:rPr lang="en-US" sz="2000" b="1" smtClean="0">
-                <a:solidFill>
-                  <a:schemeClr val="accent6">
-                    <a:lumMod val="75000"/>
-                  </a:schemeClr>
-                </a:solidFill>
-                <a:latin typeface="Consolas" panose="020B0609020204030204" pitchFamily="49" charset="0"/>
-              </a:rPr>
-              <a:t>finishing</a:t>
-            </a:r>
-            <a:endParaRPr lang="da-DK" sz="2000" b="1">
-              <a:solidFill>
-                <a:srgbClr val="FF0000"/>
-              </a:solidFill>
               <a:latin typeface="Consolas" panose="020B0609020204030204" pitchFamily="49" charset="0"/>
             </a:endParaRPr>
           </a:p>
@@ -12816,25 +12948,13 @@
     </p:spTree>
     <p:extLst>
       <p:ext uri="{BB962C8B-B14F-4D97-AF65-F5344CB8AC3E}">
-        <p14:creationId xmlns:p14="http://schemas.microsoft.com/office/powerpoint/2010/main" val="3068152112"/>
+        <p14:creationId xmlns:p14="http://schemas.microsoft.com/office/powerpoint/2010/main" val="1282769280"/>
       </p:ext>
     </p:extLst>
   </p:cSld>
   <p:clrMapOvr>
     <a:masterClrMapping/>
   </p:clrMapOvr>
-  <mc:AlternateContent xmlns:mc="http://schemas.openxmlformats.org/markup-compatibility/2006" xmlns:p14="http://schemas.microsoft.com/office/powerpoint/2010/main">
-    <mc:Choice Requires="p14">
-      <p:transition spd="med" p14:dur="700">
-        <p:fade/>
-      </p:transition>
-    </mc:Choice>
-    <mc:Fallback xmlns="">
-      <p:transition spd="med">
-        <p:fade/>
-      </p:transition>
-    </mc:Fallback>
-  </mc:AlternateContent>
   <p:timing>
     <p:tnLst>
       <p:par>
@@ -12874,8 +12994,8 @@
         </p:nvSpPr>
         <p:spPr>
           <a:xfrm>
-            <a:off x="858520" y="765387"/>
-            <a:ext cx="10515600" cy="5411576"/>
+            <a:off x="838200" y="765387"/>
+            <a:ext cx="10947400" cy="5411576"/>
           </a:xfrm>
         </p:spPr>
         <p:txBody>
@@ -12887,12 +13007,115 @@
             <a:pPr marL="0" indent="0">
               <a:buNone/>
             </a:pPr>
-            <a:endParaRPr lang="da-DK" smtClean="0"/>
+            <a:endParaRPr lang="da-DK" sz="1800" smtClean="0"/>
           </a:p>
           <a:p>
             <a:pPr marL="0" indent="0">
+              <a:spcBef>
+                <a:spcPts val="0"/>
+              </a:spcBef>
               <a:buNone/>
             </a:pPr>
+            <a:r>
+              <a:rPr lang="en-US" sz="2000" b="1" smtClean="0">
+                <a:solidFill>
+                  <a:srgbClr val="0070C0"/>
+                </a:solidFill>
+                <a:latin typeface="Consolas" panose="020B0609020204030204" pitchFamily="49" charset="0"/>
+              </a:rPr>
+              <a:t>void</a:t>
+            </a:r>
+            <a:r>
+              <a:rPr lang="en-US" sz="2000" b="1" smtClean="0">
+                <a:latin typeface="Consolas" panose="020B0609020204030204" pitchFamily="49" charset="0"/>
+              </a:rPr>
+              <a:t> </a:t>
+            </a:r>
+            <a:r>
+              <a:rPr lang="en-US" sz="2000" b="1">
+                <a:latin typeface="Consolas" panose="020B0609020204030204" pitchFamily="49" charset="0"/>
+              </a:rPr>
+              <a:t>CalcA(</a:t>
+            </a:r>
+            <a:r>
+              <a:rPr lang="en-US" sz="2000" b="1">
+                <a:solidFill>
+                  <a:srgbClr val="FF0000"/>
+                </a:solidFill>
+                <a:latin typeface="Consolas" panose="020B0609020204030204" pitchFamily="49" charset="0"/>
+              </a:rPr>
+              <a:t>CancellationToken token</a:t>
+            </a:r>
+            <a:r>
+              <a:rPr lang="en-US" sz="2000" b="1">
+                <a:latin typeface="Consolas" panose="020B0609020204030204" pitchFamily="49" charset="0"/>
+              </a:rPr>
+              <a:t>)</a:t>
+            </a:r>
+            <a:endParaRPr lang="da-DK" sz="2000" b="1">
+              <a:latin typeface="Consolas" panose="020B0609020204030204" pitchFamily="49" charset="0"/>
+            </a:endParaRPr>
+          </a:p>
+          <a:p>
+            <a:pPr marL="0" indent="0">
+              <a:spcBef>
+                <a:spcPts val="0"/>
+              </a:spcBef>
+              <a:buNone/>
+            </a:pPr>
+            <a:r>
+              <a:rPr lang="en-US" sz="2000" b="1">
+                <a:latin typeface="Consolas" panose="020B0609020204030204" pitchFamily="49" charset="0"/>
+              </a:rPr>
+              <a:t>{</a:t>
+            </a:r>
+            <a:endParaRPr lang="da-DK" sz="2000" b="1">
+              <a:latin typeface="Consolas" panose="020B0609020204030204" pitchFamily="49" charset="0"/>
+            </a:endParaRPr>
+          </a:p>
+          <a:p>
+            <a:pPr marL="0" indent="0">
+              <a:spcBef>
+                <a:spcPts val="0"/>
+              </a:spcBef>
+              <a:buNone/>
+            </a:pPr>
+            <a:r>
+              <a:rPr lang="en-US" sz="2000" b="1" smtClean="0">
+                <a:solidFill>
+                  <a:srgbClr val="0070C0"/>
+                </a:solidFill>
+                <a:latin typeface="Consolas" panose="020B0609020204030204" pitchFamily="49" charset="0"/>
+              </a:rPr>
+              <a:t>    while</a:t>
+            </a:r>
+            <a:r>
+              <a:rPr lang="en-US" sz="2000" b="1" smtClean="0">
+                <a:latin typeface="Consolas" panose="020B0609020204030204" pitchFamily="49" charset="0"/>
+              </a:rPr>
+              <a:t> </a:t>
+            </a:r>
+            <a:r>
+              <a:rPr lang="en-US" sz="2000" b="1">
+                <a:latin typeface="Consolas" panose="020B0609020204030204" pitchFamily="49" charset="0"/>
+              </a:rPr>
+              <a:t>(</a:t>
+            </a:r>
+            <a:r>
+              <a:rPr lang="en-US" sz="2000" b="1">
+                <a:solidFill>
+                  <a:srgbClr val="FF0000"/>
+                </a:solidFill>
+                <a:latin typeface="Consolas" panose="020B0609020204030204" pitchFamily="49" charset="0"/>
+              </a:rPr>
+              <a:t>!token.IsCancellationRequested &amp;&amp;</a:t>
+            </a:r>
+            <a:r>
+              <a:rPr lang="en-US" sz="2000" b="1">
+                <a:latin typeface="Consolas" panose="020B0609020204030204" pitchFamily="49" charset="0"/>
+              </a:rPr>
+              <a:t> </a:t>
+            </a:r>
             <a:r>
               <a:rPr lang="en-US" sz="2000" b="1">
                 <a:solidFill>
@@ -12902,29 +13125,237 @@
                 </a:solidFill>
                 <a:latin typeface="Consolas" panose="020B0609020204030204" pitchFamily="49" charset="0"/>
               </a:rPr>
-              <a:t>CancellationTokenSource</a:t>
+              <a:t>/* </a:t>
+            </a:r>
+            <a:r>
+              <a:rPr lang="en-US" sz="2000" b="1" smtClean="0">
+                <a:solidFill>
+                  <a:schemeClr val="accent6">
+                    <a:lumMod val="75000"/>
+                  </a:schemeClr>
+                </a:solidFill>
+                <a:latin typeface="Consolas" panose="020B0609020204030204" pitchFamily="49" charset="0"/>
+              </a:rPr>
+              <a:t>termination conditions */</a:t>
+            </a:r>
+            <a:r>
+              <a:rPr lang="en-US" sz="2000" b="1" smtClean="0">
+                <a:latin typeface="Consolas" panose="020B0609020204030204" pitchFamily="49" charset="0"/>
+              </a:rPr>
+              <a:t>)</a:t>
+            </a:r>
+            <a:endParaRPr lang="da-DK" sz="2000" b="1">
+              <a:latin typeface="Consolas" panose="020B0609020204030204" pitchFamily="49" charset="0"/>
+            </a:endParaRPr>
+          </a:p>
+          <a:p>
+            <a:pPr marL="0" indent="0">
+              <a:spcBef>
+                <a:spcPts val="0"/>
+              </a:spcBef>
+              <a:buNone/>
+            </a:pPr>
+            <a:r>
+              <a:rPr lang="en-US" sz="2000" b="1" smtClean="0">
+                <a:latin typeface="Consolas" panose="020B0609020204030204" pitchFamily="49" charset="0"/>
+              </a:rPr>
+              <a:t>    {</a:t>
+            </a:r>
+            <a:endParaRPr lang="da-DK" sz="2000" b="1">
+              <a:latin typeface="Consolas" panose="020B0609020204030204" pitchFamily="49" charset="0"/>
+            </a:endParaRPr>
+          </a:p>
+          <a:p>
+            <a:pPr marL="0" indent="0">
+              <a:spcBef>
+                <a:spcPts val="0"/>
+              </a:spcBef>
+              <a:buNone/>
+            </a:pPr>
+            <a:r>
+              <a:rPr lang="en-US" sz="2000" b="1" smtClean="0">
+                <a:latin typeface="Consolas" panose="020B0609020204030204" pitchFamily="49" charset="0"/>
+              </a:rPr>
+              <a:t>        // </a:t>
             </a:r>
             <a:r>
               <a:rPr lang="en-US" sz="2000" b="1">
                 <a:latin typeface="Consolas" panose="020B0609020204030204" pitchFamily="49" charset="0"/>
               </a:rPr>
-              <a:t> tokenSource = </a:t>
+              <a:t>Keep doing work</a:t>
+            </a:r>
+            <a:endParaRPr lang="da-DK" sz="2000" b="1">
+              <a:latin typeface="Consolas" panose="020B0609020204030204" pitchFamily="49" charset="0"/>
+            </a:endParaRPr>
+          </a:p>
+          <a:p>
+            <a:pPr marL="0" indent="0">
+              <a:spcBef>
+                <a:spcPts val="0"/>
+              </a:spcBef>
+              <a:buNone/>
+            </a:pPr>
+            <a:r>
+              <a:rPr lang="en-US" sz="2000" b="1" smtClean="0">
+                <a:latin typeface="Consolas" panose="020B0609020204030204" pitchFamily="49" charset="0"/>
+              </a:rPr>
+              <a:t>    }</a:t>
+            </a:r>
+            <a:endParaRPr lang="da-DK" sz="2000" b="1">
+              <a:latin typeface="Consolas" panose="020B0609020204030204" pitchFamily="49" charset="0"/>
+            </a:endParaRPr>
+          </a:p>
+          <a:p>
+            <a:pPr marL="0" indent="0">
+              <a:spcBef>
+                <a:spcPts val="0"/>
+              </a:spcBef>
+              <a:buNone/>
+            </a:pPr>
+            <a:r>
+              <a:rPr lang="en-US" sz="2000" b="1">
+                <a:latin typeface="Consolas" panose="020B0609020204030204" pitchFamily="49" charset="0"/>
+              </a:rPr>
+              <a:t> </a:t>
+            </a:r>
+            <a:endParaRPr lang="da-DK" sz="2000" b="1">
+              <a:latin typeface="Consolas" panose="020B0609020204030204" pitchFamily="49" charset="0"/>
+            </a:endParaRPr>
+          </a:p>
+          <a:p>
+            <a:pPr marL="0" indent="0">
+              <a:spcBef>
+                <a:spcPts val="0"/>
+              </a:spcBef>
+              <a:buNone/>
+            </a:pPr>
+            <a:r>
+              <a:rPr lang="en-US" sz="2000" b="1" smtClean="0">
+                <a:solidFill>
+                  <a:srgbClr val="FF0000"/>
+                </a:solidFill>
+                <a:latin typeface="Consolas" panose="020B0609020204030204" pitchFamily="49" charset="0"/>
+              </a:rPr>
+              <a:t>    if </a:t>
             </a:r>
             <a:r>
               <a:rPr lang="en-US" sz="2000" b="1">
                 <a:solidFill>
-                  <a:srgbClr val="0070C0"/>
+                  <a:srgbClr val="FF0000"/>
                 </a:solidFill>
                 <a:latin typeface="Consolas" panose="020B0609020204030204" pitchFamily="49" charset="0"/>
               </a:rPr>
-              <a:t>new</a:t>
+              <a:t>(token.IsCancellationRequested)</a:t>
+            </a:r>
+            <a:endParaRPr lang="da-DK" sz="2000" b="1">
+              <a:solidFill>
+                <a:srgbClr val="FF0000"/>
+              </a:solidFill>
+              <a:latin typeface="Consolas" panose="020B0609020204030204" pitchFamily="49" charset="0"/>
+            </a:endParaRPr>
+          </a:p>
+          <a:p>
+            <a:pPr marL="0" indent="0">
+              <a:spcBef>
+                <a:spcPts val="0"/>
+              </a:spcBef>
+              <a:buNone/>
+            </a:pPr>
+            <a:r>
+              <a:rPr lang="en-US" sz="2000" b="1" smtClean="0">
+                <a:solidFill>
+                  <a:srgbClr val="FF0000"/>
+                </a:solidFill>
+                <a:latin typeface="Consolas" panose="020B0609020204030204" pitchFamily="49" charset="0"/>
+              </a:rPr>
+              <a:t>    {</a:t>
+            </a:r>
+            <a:endParaRPr lang="da-DK" sz="2000" b="1">
+              <a:solidFill>
+                <a:srgbClr val="FF0000"/>
+              </a:solidFill>
+              <a:latin typeface="Consolas" panose="020B0609020204030204" pitchFamily="49" charset="0"/>
+            </a:endParaRPr>
+          </a:p>
+          <a:p>
+            <a:pPr marL="0" indent="0">
+              <a:spcBef>
+                <a:spcPts val="0"/>
+              </a:spcBef>
+              <a:buNone/>
+            </a:pPr>
+            <a:r>
+              <a:rPr lang="en-US" sz="2000" b="1" smtClean="0">
+                <a:solidFill>
+                  <a:srgbClr val="FF0000"/>
+                </a:solidFill>
+                <a:latin typeface="Consolas" panose="020B0609020204030204" pitchFamily="49" charset="0"/>
+              </a:rPr>
+              <a:t>        </a:t>
             </a:r>
             <a:r>
               <a:rPr lang="en-US" sz="2000" b="1">
-                <a:latin typeface="Consolas" panose="020B0609020204030204" pitchFamily="49" charset="0"/>
-              </a:rPr>
-              <a:t> </a:t>
-            </a:r>
+                <a:solidFill>
+                  <a:srgbClr val="FF0000"/>
+                </a:solidFill>
+                <a:latin typeface="Consolas" panose="020B0609020204030204" pitchFamily="49" charset="0"/>
+              </a:rPr>
+              <a:t>// Do any operations needed before </a:t>
+            </a:r>
+            <a:r>
+              <a:rPr lang="en-US" sz="2000" b="1" smtClean="0">
+                <a:solidFill>
+                  <a:srgbClr val="FF0000"/>
+                </a:solidFill>
+                <a:latin typeface="Consolas" panose="020B0609020204030204" pitchFamily="49" charset="0"/>
+              </a:rPr>
+              <a:t>cancelling</a:t>
+            </a:r>
+            <a:endParaRPr lang="da-DK" sz="2000" b="1">
+              <a:solidFill>
+                <a:srgbClr val="FF0000"/>
+              </a:solidFill>
+              <a:latin typeface="Consolas" panose="020B0609020204030204" pitchFamily="49" charset="0"/>
+            </a:endParaRPr>
+          </a:p>
+          <a:p>
+            <a:pPr marL="0" indent="0">
+              <a:spcBef>
+                <a:spcPts val="0"/>
+              </a:spcBef>
+              <a:buNone/>
+            </a:pPr>
+            <a:r>
+              <a:rPr lang="en-US" sz="2000" b="1" smtClean="0">
+                <a:solidFill>
+                  <a:srgbClr val="FF0000"/>
+                </a:solidFill>
+                <a:latin typeface="Consolas" panose="020B0609020204030204" pitchFamily="49" charset="0"/>
+              </a:rPr>
+              <a:t>    }</a:t>
+            </a:r>
+          </a:p>
+          <a:p>
+            <a:pPr marL="0" indent="0">
+              <a:spcBef>
+                <a:spcPts val="0"/>
+              </a:spcBef>
+              <a:buNone/>
+            </a:pPr>
+            <a:endParaRPr lang="en-US" sz="2000" b="1">
+              <a:solidFill>
+                <a:srgbClr val="FF0000"/>
+              </a:solidFill>
+              <a:latin typeface="Consolas" panose="020B0609020204030204" pitchFamily="49" charset="0"/>
+            </a:endParaRPr>
+          </a:p>
+          <a:p>
+            <a:pPr marL="0" indent="0">
+              <a:spcBef>
+                <a:spcPts val="0"/>
+              </a:spcBef>
+              <a:buNone/>
+            </a:pPr>
             <a:r>
               <a:rPr lang="en-US" sz="2000" b="1">
                 <a:solidFill>
@@ -12934,22 +13365,19 @@
                 </a:solidFill>
                 <a:latin typeface="Consolas" panose="020B0609020204030204" pitchFamily="49" charset="0"/>
               </a:rPr>
-              <a:t>CancellationTokenSource</a:t>
+              <a:t> </a:t>
             </a:r>
             <a:r>
               <a:rPr lang="en-US" sz="2000" b="1" smtClean="0">
-                <a:latin typeface="Consolas" panose="020B0609020204030204" pitchFamily="49" charset="0"/>
-              </a:rPr>
-              <a:t>();</a:t>
-            </a:r>
-            <a:endParaRPr lang="da-DK" sz="2000" b="1">
-              <a:latin typeface="Consolas" panose="020B0609020204030204" pitchFamily="49" charset="0"/>
-            </a:endParaRPr>
-          </a:p>
-          <a:p>
-            <a:pPr marL="0" indent="0">
-              <a:buNone/>
-            </a:pPr>
+                <a:solidFill>
+                  <a:schemeClr val="accent6">
+                    <a:lumMod val="75000"/>
+                  </a:schemeClr>
+                </a:solidFill>
+                <a:latin typeface="Consolas" panose="020B0609020204030204" pitchFamily="49" charset="0"/>
+              </a:rPr>
+              <a:t>   // </a:t>
+            </a:r>
             <a:r>
               <a:rPr lang="en-US" sz="2000" b="1">
                 <a:solidFill>
@@ -12959,38 +13387,10 @@
                 </a:solidFill>
                 <a:latin typeface="Consolas" panose="020B0609020204030204" pitchFamily="49" charset="0"/>
               </a:rPr>
-              <a:t>CancellationToken</a:t>
-            </a:r>
-            <a:r>
-              <a:rPr lang="en-US" sz="2000" b="1">
-                <a:latin typeface="Consolas" panose="020B0609020204030204" pitchFamily="49" charset="0"/>
-              </a:rPr>
-              <a:t> token = tokenSource.Token;</a:t>
-            </a:r>
-            <a:endParaRPr lang="da-DK" sz="2000" b="1">
-              <a:latin typeface="Consolas" panose="020B0609020204030204" pitchFamily="49" charset="0"/>
-            </a:endParaRPr>
-          </a:p>
-          <a:p>
-            <a:pPr marL="0" indent="0">
-              <a:buNone/>
-            </a:pPr>
-            <a:r>
-              <a:rPr lang="en-US" sz="2000" b="1">
-                <a:latin typeface="Consolas" panose="020B0609020204030204" pitchFamily="49" charset="0"/>
-              </a:rPr>
-              <a:t> </a:t>
-            </a:r>
-            <a:endParaRPr lang="da-DK" sz="2000" b="1">
-              <a:latin typeface="Consolas" panose="020B0609020204030204" pitchFamily="49" charset="0"/>
-            </a:endParaRPr>
-          </a:p>
-          <a:p>
-            <a:pPr marL="0" indent="0">
-              <a:buNone/>
-            </a:pPr>
-            <a:r>
-              <a:rPr lang="en-US" sz="2000" b="1">
+              <a:t>Do any operations needed before </a:t>
+            </a:r>
+            <a:r>
+              <a:rPr lang="en-US" sz="2000" b="1" smtClean="0">
                 <a:solidFill>
                   <a:schemeClr val="accent6">
                     <a:lumMod val="75000"/>
@@ -12998,85 +13398,27 @@
                 </a:solidFill>
                 <a:latin typeface="Consolas" panose="020B0609020204030204" pitchFamily="49" charset="0"/>
               </a:rPr>
-              <a:t>Task</a:t>
-            </a:r>
-            <a:r>
-              <a:rPr lang="en-US" sz="2000" b="1">
-                <a:latin typeface="Consolas" panose="020B0609020204030204" pitchFamily="49" charset="0"/>
-              </a:rPr>
-              <a:t> taskCalcA = </a:t>
-            </a:r>
-            <a:r>
-              <a:rPr lang="en-US" sz="2000" b="1">
-                <a:solidFill>
-                  <a:schemeClr val="accent6">
-                    <a:lumMod val="75000"/>
-                  </a:schemeClr>
-                </a:solidFill>
-                <a:latin typeface="Consolas" panose="020B0609020204030204" pitchFamily="49" charset="0"/>
-              </a:rPr>
-              <a:t>Task</a:t>
-            </a:r>
-            <a:r>
-              <a:rPr lang="en-US" sz="2000" b="1" smtClean="0">
-                <a:latin typeface="Consolas" panose="020B0609020204030204" pitchFamily="49" charset="0"/>
-              </a:rPr>
-              <a:t>.Run</a:t>
-            </a:r>
-            <a:r>
-              <a:rPr lang="en-US" sz="2000" b="1">
-                <a:latin typeface="Consolas" panose="020B0609020204030204" pitchFamily="49" charset="0"/>
-              </a:rPr>
-              <a:t>(() =&gt; CalcA(token), token</a:t>
-            </a:r>
-            <a:r>
-              <a:rPr lang="en-US" sz="2000" b="1" smtClean="0">
-                <a:latin typeface="Consolas" panose="020B0609020204030204" pitchFamily="49" charset="0"/>
-              </a:rPr>
-              <a:t>);</a:t>
-            </a:r>
-          </a:p>
-          <a:p>
-            <a:pPr marL="0" indent="0">
-              <a:buNone/>
-            </a:pPr>
-            <a:endParaRPr lang="en-US" sz="2000" b="1" smtClean="0">
+              <a:t>finishing</a:t>
+            </a:r>
+            <a:endParaRPr lang="da-DK" sz="2000" b="1">
+              <a:solidFill>
+                <a:srgbClr val="FF0000"/>
+              </a:solidFill>
               <a:latin typeface="Consolas" panose="020B0609020204030204" pitchFamily="49" charset="0"/>
             </a:endParaRPr>
           </a:p>
           <a:p>
             <a:pPr marL="0" indent="0">
+              <a:spcBef>
+                <a:spcPts val="0"/>
+              </a:spcBef>
               <a:buNone/>
             </a:pPr>
             <a:r>
-              <a:rPr lang="en-US" sz="2000" b="1">
-                <a:solidFill>
-                  <a:schemeClr val="accent6">
-                    <a:lumMod val="75000"/>
-                  </a:schemeClr>
-                </a:solidFill>
-                <a:latin typeface="Consolas" panose="020B0609020204030204" pitchFamily="49" charset="0"/>
-              </a:rPr>
-              <a:t>// Do some work…</a:t>
-            </a:r>
-          </a:p>
-          <a:p>
-            <a:pPr marL="0" indent="0">
-              <a:buNone/>
-            </a:pPr>
-            <a:endParaRPr lang="en-US" sz="2000" b="1" smtClean="0">
-              <a:latin typeface="Consolas" panose="020B0609020204030204" pitchFamily="49" charset="0"/>
-            </a:endParaRPr>
-          </a:p>
-          <a:p>
-            <a:pPr marL="0" indent="0">
-              <a:buNone/>
-            </a:pPr>
-            <a:r>
               <a:rPr lang="en-US" sz="2000" b="1" smtClean="0">
                 <a:latin typeface="Consolas" panose="020B0609020204030204" pitchFamily="49" charset="0"/>
               </a:rPr>
-              <a:t>tokenSource.Cancel();</a:t>
+              <a:t>}</a:t>
             </a:r>
             <a:endParaRPr lang="da-DK" sz="2000" b="1">
               <a:latin typeface="Consolas" panose="020B0609020204030204" pitchFamily="49" charset="0"/>
@@ -13093,29 +13435,30 @@
               <a:latin typeface="Consolas" panose="020B0609020204030204" pitchFamily="49" charset="0"/>
             </a:endParaRPr>
           </a:p>
-          <a:p>
-            <a:pPr marL="0" indent="0">
-              <a:buNone/>
-            </a:pPr>
-            <a:endParaRPr lang="da-DK" sz="2000" b="1" smtClean="0">
-              <a:solidFill>
-                <a:srgbClr val="0070C0"/>
-              </a:solidFill>
-              <a:latin typeface="Consolas" panose="020B0609020204030204" pitchFamily="49" charset="0"/>
-            </a:endParaRPr>
-          </a:p>
         </p:txBody>
       </p:sp>
     </p:spTree>
     <p:extLst>
       <p:ext uri="{BB962C8B-B14F-4D97-AF65-F5344CB8AC3E}">
-        <p14:creationId xmlns:p14="http://schemas.microsoft.com/office/powerpoint/2010/main" val="2471802470"/>
+        <p14:creationId xmlns:p14="http://schemas.microsoft.com/office/powerpoint/2010/main" val="3068152112"/>
       </p:ext>
     </p:extLst>
   </p:cSld>
   <p:clrMapOvr>
     <a:masterClrMapping/>
   </p:clrMapOvr>
+  <mc:AlternateContent xmlns:mc="http://schemas.openxmlformats.org/markup-compatibility/2006" xmlns:p14="http://schemas.microsoft.com/office/powerpoint/2010/main">
+    <mc:Choice Requires="p14">
+      <p:transition spd="med" p14:dur="700">
+        <p:fade/>
+      </p:transition>
+    </mc:Choice>
+    <mc:Fallback xmlns="">
+      <p:transition spd="med">
+        <p:fade/>
+      </p:transition>
+    </mc:Fallback>
+  </mc:AlternateContent>
   <p:timing>
     <p:tnLst>
       <p:par>
@@ -13373,29 +13716,6 @@
       </p:grpSpPr>
       <p:sp>
         <p:nvSpPr>
-          <p:cNvPr id="2" name="Titel 1"/>
-          <p:cNvSpPr>
-            <a:spLocks noGrp="1"/>
-          </p:cNvSpPr>
-          <p:nvPr>
-            <p:ph type="title"/>
-          </p:nvPr>
-        </p:nvSpPr>
-        <p:spPr/>
-        <p:txBody>
-          <a:bodyPr/>
-          <a:lstStyle/>
-          <a:p>
-            <a:r>
-              <a:rPr lang="da-DK" smtClean="0"/>
-              <a:t>Complications…</a:t>
-            </a:r>
-            <a:endParaRPr lang="da-DK"/>
-          </a:p>
-        </p:txBody>
-      </p:sp>
-      <p:sp>
-        <p:nvSpPr>
           <p:cNvPr id="3" name="Pladsholder til indhold 2"/>
           <p:cNvSpPr>
             <a:spLocks noGrp="1"/>
@@ -13404,155 +13724,244 @@
             <p:ph idx="1"/>
           </p:nvPr>
         </p:nvSpPr>
-        <p:spPr/>
-        <p:txBody>
-          <a:bodyPr/>
-          <a:lstStyle/>
-          <a:p>
-            <a:r>
-              <a:rPr lang="da-DK" smtClean="0"/>
-              <a:t>A </a:t>
-            </a:r>
-            <a:r>
-              <a:rPr lang="da-DK" b="1" smtClean="0"/>
+        <p:spPr>
+          <a:xfrm>
+            <a:off x="858520" y="765387"/>
+            <a:ext cx="10515600" cy="5411576"/>
+          </a:xfrm>
+        </p:spPr>
+        <p:txBody>
+          <a:bodyPr>
+            <a:normAutofit/>
+          </a:bodyPr>
+          <a:lstStyle/>
+          <a:p>
+            <a:pPr marL="0" indent="0">
+              <a:buNone/>
+            </a:pPr>
+            <a:endParaRPr lang="da-DK" smtClean="0"/>
+          </a:p>
+          <a:p>
+            <a:pPr marL="0" indent="0">
+              <a:buNone/>
+            </a:pPr>
+            <a:r>
+              <a:rPr lang="en-US" sz="2000" b="1">
+                <a:solidFill>
+                  <a:schemeClr val="accent6">
+                    <a:lumMod val="75000"/>
+                  </a:schemeClr>
+                </a:solidFill>
+                <a:latin typeface="Consolas" panose="020B0609020204030204" pitchFamily="49" charset="0"/>
+              </a:rPr>
+              <a:t>CancellationTokenSource</a:t>
+            </a:r>
+            <a:r>
+              <a:rPr lang="en-US" sz="2000" b="1">
+                <a:latin typeface="Consolas" panose="020B0609020204030204" pitchFamily="49" charset="0"/>
+              </a:rPr>
+              <a:t> tokenSource = </a:t>
+            </a:r>
+            <a:r>
+              <a:rPr lang="en-US" sz="2000" b="1">
+                <a:solidFill>
+                  <a:srgbClr val="0070C0"/>
+                </a:solidFill>
+                <a:latin typeface="Consolas" panose="020B0609020204030204" pitchFamily="49" charset="0"/>
+              </a:rPr>
+              <a:t>new</a:t>
+            </a:r>
+            <a:r>
+              <a:rPr lang="en-US" sz="2000" b="1">
+                <a:latin typeface="Consolas" panose="020B0609020204030204" pitchFamily="49" charset="0"/>
+              </a:rPr>
+              <a:t> </a:t>
+            </a:r>
+            <a:r>
+              <a:rPr lang="en-US" sz="2000" b="1">
+                <a:solidFill>
+                  <a:schemeClr val="accent6">
+                    <a:lumMod val="75000"/>
+                  </a:schemeClr>
+                </a:solidFill>
+                <a:latin typeface="Consolas" panose="020B0609020204030204" pitchFamily="49" charset="0"/>
+              </a:rPr>
+              <a:t>CancellationTokenSource</a:t>
+            </a:r>
+            <a:r>
+              <a:rPr lang="en-US" sz="2000" b="1" smtClean="0">
+                <a:latin typeface="Consolas" panose="020B0609020204030204" pitchFamily="49" charset="0"/>
+              </a:rPr>
+              <a:t>();</a:t>
+            </a:r>
+            <a:endParaRPr lang="da-DK" sz="2000" b="1">
+              <a:latin typeface="Consolas" panose="020B0609020204030204" pitchFamily="49" charset="0"/>
+            </a:endParaRPr>
+          </a:p>
+          <a:p>
+            <a:pPr marL="0" indent="0">
+              <a:buNone/>
+            </a:pPr>
+            <a:r>
+              <a:rPr lang="en-US" sz="2000" b="1">
+                <a:solidFill>
+                  <a:schemeClr val="accent6">
+                    <a:lumMod val="75000"/>
+                  </a:schemeClr>
+                </a:solidFill>
+                <a:latin typeface="Consolas" panose="020B0609020204030204" pitchFamily="49" charset="0"/>
+              </a:rPr>
+              <a:t>CancellationToken</a:t>
+            </a:r>
+            <a:r>
+              <a:rPr lang="en-US" sz="2000" b="1">
+                <a:latin typeface="Consolas" panose="020B0609020204030204" pitchFamily="49" charset="0"/>
+              </a:rPr>
+              <a:t> token = tokenSource.Token;</a:t>
+            </a:r>
+            <a:endParaRPr lang="da-DK" sz="2000" b="1">
+              <a:latin typeface="Consolas" panose="020B0609020204030204" pitchFamily="49" charset="0"/>
+            </a:endParaRPr>
+          </a:p>
+          <a:p>
+            <a:pPr marL="0" indent="0">
+              <a:buNone/>
+            </a:pPr>
+            <a:r>
+              <a:rPr lang="en-US" sz="2000" b="1">
+                <a:latin typeface="Consolas" panose="020B0609020204030204" pitchFamily="49" charset="0"/>
+              </a:rPr>
+              <a:t> </a:t>
+            </a:r>
+            <a:endParaRPr lang="da-DK" sz="2000" b="1">
+              <a:latin typeface="Consolas" panose="020B0609020204030204" pitchFamily="49" charset="0"/>
+            </a:endParaRPr>
+          </a:p>
+          <a:p>
+            <a:pPr marL="0" indent="0">
+              <a:buNone/>
+            </a:pPr>
+            <a:r>
+              <a:rPr lang="en-US" sz="2000" b="1">
+                <a:solidFill>
+                  <a:schemeClr val="accent6">
+                    <a:lumMod val="75000"/>
+                  </a:schemeClr>
+                </a:solidFill>
+                <a:latin typeface="Consolas" panose="020B0609020204030204" pitchFamily="49" charset="0"/>
+              </a:rPr>
               <a:t>Task</a:t>
             </a:r>
             <a:r>
-              <a:rPr lang="da-DK" smtClean="0"/>
-              <a:t> object can at any time be in one of several </a:t>
-            </a:r>
-            <a:r>
-              <a:rPr lang="da-DK" u="sng" smtClean="0"/>
-              <a:t>states</a:t>
-            </a:r>
-            <a:r>
-              <a:rPr lang="da-DK" smtClean="0"/>
-              <a:t>:</a:t>
-            </a:r>
-          </a:p>
-          <a:p>
-            <a:pPr lvl="1"/>
-            <a:r>
-              <a:rPr lang="en-US" b="1"/>
-              <a:t>Created</a:t>
-            </a:r>
-            <a:r>
-              <a:rPr lang="en-US"/>
-              <a:t>: Task </a:t>
-            </a:r>
-            <a:r>
-              <a:rPr lang="en-US" smtClean="0"/>
-              <a:t>is created, but not yet scheduled to run</a:t>
-            </a:r>
-            <a:endParaRPr lang="da-DK"/>
-          </a:p>
-          <a:p>
-            <a:pPr lvl="1"/>
-            <a:r>
-              <a:rPr lang="en-US" b="1"/>
-              <a:t>WaitingToRun</a:t>
-            </a:r>
-            <a:r>
-              <a:rPr lang="en-US"/>
-              <a:t>: Task is </a:t>
-            </a:r>
-            <a:r>
-              <a:rPr lang="en-US" smtClean="0"/>
-              <a:t>created and scheduled </a:t>
-            </a:r>
-            <a:r>
-              <a:rPr lang="en-US"/>
-              <a:t>to </a:t>
-            </a:r>
-            <a:r>
-              <a:rPr lang="en-US" smtClean="0"/>
-              <a:t>run, but is not running yet</a:t>
-            </a:r>
-            <a:endParaRPr lang="da-DK"/>
-          </a:p>
-          <a:p>
-            <a:pPr lvl="1"/>
-            <a:r>
-              <a:rPr lang="en-US" b="1"/>
-              <a:t>Running</a:t>
-            </a:r>
-            <a:r>
-              <a:rPr lang="en-US"/>
-              <a:t>: Task </a:t>
-            </a:r>
-            <a:r>
-              <a:rPr lang="en-US" smtClean="0"/>
-              <a:t>is running</a:t>
-            </a:r>
-            <a:endParaRPr lang="da-DK"/>
-          </a:p>
-          <a:p>
-            <a:pPr lvl="1"/>
-            <a:r>
-              <a:rPr lang="en-US" b="1"/>
-              <a:t>RanToCompletion</a:t>
-            </a:r>
-            <a:r>
-              <a:rPr lang="en-US"/>
-              <a:t>: Task </a:t>
-            </a:r>
-            <a:r>
-              <a:rPr lang="en-US" smtClean="0"/>
-              <a:t>completed normally</a:t>
-            </a:r>
-            <a:endParaRPr lang="da-DK"/>
-          </a:p>
-          <a:p>
-            <a:pPr lvl="1"/>
-            <a:r>
-              <a:rPr lang="en-US" b="1"/>
-              <a:t>Cancelled</a:t>
-            </a:r>
-            <a:r>
-              <a:rPr lang="en-US"/>
-              <a:t>: Task </a:t>
-            </a:r>
-            <a:r>
-              <a:rPr lang="en-US" smtClean="0"/>
-              <a:t>was cancelled</a:t>
-            </a:r>
-            <a:endParaRPr lang="da-DK"/>
-          </a:p>
-          <a:p>
-            <a:pPr lvl="1"/>
-            <a:r>
-              <a:rPr lang="en-US" b="1"/>
-              <a:t>Faulted</a:t>
-            </a:r>
-            <a:r>
-              <a:rPr lang="en-US"/>
-              <a:t>: Task </a:t>
-            </a:r>
-            <a:r>
-              <a:rPr lang="en-US" smtClean="0"/>
-              <a:t>threw an exception</a:t>
-            </a:r>
-            <a:endParaRPr lang="da-DK" b="1"/>
-          </a:p>
-          <a:p>
-            <a:r>
-              <a:rPr lang="da-DK" smtClean="0"/>
-              <a:t>How to handle all possible combinations for several tasks…?</a:t>
-            </a:r>
-          </a:p>
-          <a:p>
-            <a:r>
-              <a:rPr lang="da-DK" smtClean="0"/>
-              <a:t>Sveral exceptions can be throw concurrently…</a:t>
-            </a:r>
-            <a:endParaRPr lang="da-DK"/>
+              <a:rPr lang="en-US" sz="2000" b="1">
+                <a:latin typeface="Consolas" panose="020B0609020204030204" pitchFamily="49" charset="0"/>
+              </a:rPr>
+              <a:t> taskCalcA = </a:t>
+            </a:r>
+            <a:r>
+              <a:rPr lang="en-US" sz="2000" b="1">
+                <a:solidFill>
+                  <a:schemeClr val="accent6">
+                    <a:lumMod val="75000"/>
+                  </a:schemeClr>
+                </a:solidFill>
+                <a:latin typeface="Consolas" panose="020B0609020204030204" pitchFamily="49" charset="0"/>
+              </a:rPr>
+              <a:t>Task</a:t>
+            </a:r>
+            <a:r>
+              <a:rPr lang="en-US" sz="2000" b="1" smtClean="0">
+                <a:latin typeface="Consolas" panose="020B0609020204030204" pitchFamily="49" charset="0"/>
+              </a:rPr>
+              <a:t>.Run</a:t>
+            </a:r>
+            <a:r>
+              <a:rPr lang="en-US" sz="2000" b="1">
+                <a:latin typeface="Consolas" panose="020B0609020204030204" pitchFamily="49" charset="0"/>
+              </a:rPr>
+              <a:t>(() =&gt; CalcA(token), token</a:t>
+            </a:r>
+            <a:r>
+              <a:rPr lang="en-US" sz="2000" b="1" smtClean="0">
+                <a:latin typeface="Consolas" panose="020B0609020204030204" pitchFamily="49" charset="0"/>
+              </a:rPr>
+              <a:t>);</a:t>
+            </a:r>
+          </a:p>
+          <a:p>
+            <a:pPr marL="0" indent="0">
+              <a:buNone/>
+            </a:pPr>
+            <a:endParaRPr lang="en-US" sz="2000" b="1" smtClean="0">
+              <a:latin typeface="Consolas" panose="020B0609020204030204" pitchFamily="49" charset="0"/>
+            </a:endParaRPr>
+          </a:p>
+          <a:p>
+            <a:pPr marL="0" indent="0">
+              <a:buNone/>
+            </a:pPr>
+            <a:r>
+              <a:rPr lang="en-US" sz="2000" b="1">
+                <a:solidFill>
+                  <a:schemeClr val="accent6">
+                    <a:lumMod val="75000"/>
+                  </a:schemeClr>
+                </a:solidFill>
+                <a:latin typeface="Consolas" panose="020B0609020204030204" pitchFamily="49" charset="0"/>
+              </a:rPr>
+              <a:t>// Do some work…</a:t>
+            </a:r>
+          </a:p>
+          <a:p>
+            <a:pPr marL="0" indent="0">
+              <a:buNone/>
+            </a:pPr>
+            <a:endParaRPr lang="en-US" sz="2000" b="1" smtClean="0">
+              <a:latin typeface="Consolas" panose="020B0609020204030204" pitchFamily="49" charset="0"/>
+            </a:endParaRPr>
+          </a:p>
+          <a:p>
+            <a:pPr marL="0" indent="0">
+              <a:buNone/>
+            </a:pPr>
+            <a:r>
+              <a:rPr lang="en-US" sz="2000" b="1" smtClean="0">
+                <a:latin typeface="Consolas" panose="020B0609020204030204" pitchFamily="49" charset="0"/>
+              </a:rPr>
+              <a:t>tokenSource.Cancel();</a:t>
+            </a:r>
+            <a:endParaRPr lang="da-DK" sz="2000" b="1">
+              <a:latin typeface="Consolas" panose="020B0609020204030204" pitchFamily="49" charset="0"/>
+            </a:endParaRPr>
+          </a:p>
+          <a:p>
+            <a:pPr marL="0" indent="0">
+              <a:buNone/>
+            </a:pPr>
+            <a:endParaRPr lang="da-DK" sz="2000" b="1" smtClean="0">
+              <a:solidFill>
+                <a:srgbClr val="0070C0"/>
+              </a:solidFill>
+              <a:latin typeface="Consolas" panose="020B0609020204030204" pitchFamily="49" charset="0"/>
+            </a:endParaRPr>
+          </a:p>
+          <a:p>
+            <a:pPr marL="0" indent="0">
+              <a:buNone/>
+            </a:pPr>
+            <a:endParaRPr lang="da-DK" sz="2000" b="1" smtClean="0">
+              <a:solidFill>
+                <a:srgbClr val="0070C0"/>
+              </a:solidFill>
+              <a:latin typeface="Consolas" panose="020B0609020204030204" pitchFamily="49" charset="0"/>
+            </a:endParaRPr>
           </a:p>
         </p:txBody>
       </p:sp>
     </p:spTree>
     <p:extLst>
       <p:ext uri="{BB962C8B-B14F-4D97-AF65-F5344CB8AC3E}">
-        <p14:creationId xmlns:p14="http://schemas.microsoft.com/office/powerpoint/2010/main" val="3742443066"/>
+        <p14:creationId xmlns:p14="http://schemas.microsoft.com/office/powerpoint/2010/main" val="2471802470"/>
       </p:ext>
     </p:extLst>
   </p:cSld>
@@ -13603,7 +14012,7 @@
           <a:p>
             <a:r>
               <a:rPr lang="da-DK" smtClean="0"/>
-              <a:t>Simplifications…</a:t>
+              <a:t>Complications…</a:t>
             </a:r>
             <a:endParaRPr lang="da-DK"/>
           </a:p>
@@ -13619,44 +14028,155 @@
             <p:ph idx="1"/>
           </p:nvPr>
         </p:nvSpPr>
-        <p:spPr>
-          <a:xfrm>
-            <a:off x="838200" y="1825625"/>
-            <a:ext cx="7902742" cy="4351338"/>
-          </a:xfrm>
-        </p:spPr>
+        <p:spPr/>
         <p:txBody>
           <a:bodyPr/>
           <a:lstStyle/>
           <a:p>
             <a:r>
               <a:rPr lang="da-DK" smtClean="0"/>
-              <a:t>The same calculation is to be performed for a large number of values…</a:t>
-            </a:r>
-          </a:p>
-          <a:p>
+              <a:t>A </a:t>
+            </a:r>
+            <a:r>
+              <a:rPr lang="da-DK" b="1" smtClean="0"/>
+              <a:t>Task</a:t>
+            </a:r>
             <a:r>
               <a:rPr lang="da-DK" smtClean="0"/>
-              <a:t>Calculations are independent…</a:t>
-            </a:r>
-          </a:p>
-          <a:p>
+              <a:t> object can at any time be in one of several </a:t>
+            </a:r>
+            <a:r>
+              <a:rPr lang="da-DK" u="sng" smtClean="0"/>
+              <a:t>states</a:t>
+            </a:r>
             <a:r>
               <a:rPr lang="da-DK" smtClean="0"/>
-              <a:t>…use </a:t>
-            </a:r>
-            <a:r>
-              <a:rPr lang="da-DK" b="1" smtClean="0"/>
-              <a:t>Parallel.For(…)</a:t>
+              <a:t>:</a:t>
+            </a:r>
+          </a:p>
+          <a:p>
+            <a:pPr lvl="1"/>
+            <a:r>
+              <a:rPr lang="en-US" b="1"/>
+              <a:t>Created</a:t>
+            </a:r>
+            <a:r>
+              <a:rPr lang="en-US"/>
+              <a:t>: Task </a:t>
+            </a:r>
+            <a:r>
+              <a:rPr lang="en-US" smtClean="0"/>
+              <a:t>is created, but not yet scheduled to run</a:t>
+            </a:r>
+            <a:endParaRPr lang="da-DK"/>
+          </a:p>
+          <a:p>
+            <a:pPr lvl="1"/>
+            <a:r>
+              <a:rPr lang="en-US" b="1"/>
+              <a:t>WaitingToRun</a:t>
+            </a:r>
+            <a:r>
+              <a:rPr lang="en-US"/>
+              <a:t>: Task is </a:t>
+            </a:r>
+            <a:r>
+              <a:rPr lang="en-US" smtClean="0"/>
+              <a:t>created and scheduled </a:t>
+            </a:r>
+            <a:r>
+              <a:rPr lang="en-US"/>
+              <a:t>to </a:t>
+            </a:r>
+            <a:r>
+              <a:rPr lang="en-US" smtClean="0"/>
+              <a:t>run, but is not running yet</a:t>
+            </a:r>
+            <a:endParaRPr lang="da-DK"/>
+          </a:p>
+          <a:p>
+            <a:pPr lvl="1"/>
+            <a:r>
+              <a:rPr lang="en-US" b="1"/>
+              <a:t>Running</a:t>
+            </a:r>
+            <a:r>
+              <a:rPr lang="en-US"/>
+              <a:t>: Task </a:t>
+            </a:r>
+            <a:r>
+              <a:rPr lang="en-US" smtClean="0"/>
+              <a:t>is running</a:t>
+            </a:r>
+            <a:endParaRPr lang="da-DK"/>
+          </a:p>
+          <a:p>
+            <a:pPr lvl="1"/>
+            <a:r>
+              <a:rPr lang="en-US" b="1"/>
+              <a:t>RanToCompletion</a:t>
+            </a:r>
+            <a:r>
+              <a:rPr lang="en-US"/>
+              <a:t>: Task </a:t>
+            </a:r>
+            <a:r>
+              <a:rPr lang="en-US" smtClean="0"/>
+              <a:t>completed normally</a:t>
+            </a:r>
+            <a:endParaRPr lang="da-DK"/>
+          </a:p>
+          <a:p>
+            <a:pPr lvl="1"/>
+            <a:r>
+              <a:rPr lang="en-US" b="1"/>
+              <a:t>Cancelled</a:t>
+            </a:r>
+            <a:r>
+              <a:rPr lang="en-US"/>
+              <a:t>: Task </a:t>
+            </a:r>
+            <a:r>
+              <a:rPr lang="en-US" smtClean="0"/>
+              <a:t>was cancelled</a:t>
+            </a:r>
+            <a:endParaRPr lang="da-DK"/>
+          </a:p>
+          <a:p>
+            <a:pPr lvl="1"/>
+            <a:r>
+              <a:rPr lang="en-US" b="1"/>
+              <a:t>Faulted</a:t>
+            </a:r>
+            <a:r>
+              <a:rPr lang="en-US"/>
+              <a:t>: Task </a:t>
+            </a:r>
+            <a:r>
+              <a:rPr lang="en-US" smtClean="0"/>
+              <a:t>threw an exception</a:t>
             </a:r>
             <a:endParaRPr lang="da-DK" b="1"/>
+          </a:p>
+          <a:p>
+            <a:r>
+              <a:rPr lang="da-DK" smtClean="0"/>
+              <a:t>How to handle all possible combinations for several tasks…?</a:t>
+            </a:r>
+          </a:p>
+          <a:p>
+            <a:r>
+              <a:rPr lang="da-DK" smtClean="0"/>
+              <a:t>Several exceptions can be thrown concurrently…</a:t>
+            </a:r>
+            <a:endParaRPr lang="da-DK"/>
           </a:p>
         </p:txBody>
       </p:sp>
     </p:spTree>
     <p:extLst>
       <p:ext uri="{BB962C8B-B14F-4D97-AF65-F5344CB8AC3E}">
-        <p14:creationId xmlns:p14="http://schemas.microsoft.com/office/powerpoint/2010/main" val="2328383509"/>
+        <p14:creationId xmlns:p14="http://schemas.microsoft.com/office/powerpoint/2010/main" val="3742443066"/>
       </p:ext>
     </p:extLst>
   </p:cSld>
@@ -13692,6 +14212,29 @@
       </p:grpSpPr>
       <p:sp>
         <p:nvSpPr>
+          <p:cNvPr id="2" name="Titel 1"/>
+          <p:cNvSpPr>
+            <a:spLocks noGrp="1"/>
+          </p:cNvSpPr>
+          <p:nvPr>
+            <p:ph type="title"/>
+          </p:nvPr>
+        </p:nvSpPr>
+        <p:spPr/>
+        <p:txBody>
+          <a:bodyPr/>
+          <a:lstStyle/>
+          <a:p>
+            <a:r>
+              <a:rPr lang="da-DK" smtClean="0"/>
+              <a:t>Simplifications…</a:t>
+            </a:r>
+            <a:endParaRPr lang="da-DK"/>
+          </a:p>
+        </p:txBody>
+      </p:sp>
+      <p:sp>
+        <p:nvSpPr>
           <p:cNvPr id="3" name="Pladsholder til indhold 2"/>
           <p:cNvSpPr>
             <a:spLocks noGrp="1"/>
@@ -13702,175 +14245,42 @@
         </p:nvSpPr>
         <p:spPr>
           <a:xfrm>
-            <a:off x="858520" y="765387"/>
-            <a:ext cx="10515600" cy="5411576"/>
-          </a:xfrm>
-        </p:spPr>
-        <p:txBody>
-          <a:bodyPr>
-            <a:normAutofit/>
-          </a:bodyPr>
-          <a:lstStyle/>
-          <a:p>
-            <a:pPr marL="0" indent="0">
-              <a:buNone/>
-            </a:pPr>
-            <a:endParaRPr lang="da-DK" sz="2000" b="1">
-              <a:latin typeface="Consolas" panose="020B0609020204030204" pitchFamily="49" charset="0"/>
-            </a:endParaRPr>
-          </a:p>
-          <a:p>
-            <a:pPr marL="0" indent="0">
-              <a:spcBef>
-                <a:spcPts val="0"/>
-              </a:spcBef>
-              <a:buNone/>
-            </a:pPr>
-            <a:r>
-              <a:rPr lang="en-US" sz="2400" b="1" smtClean="0">
-                <a:solidFill>
-                  <a:srgbClr val="0070C0"/>
-                </a:solidFill>
-                <a:latin typeface="Consolas" panose="020B0609020204030204" pitchFamily="49" charset="0"/>
-              </a:rPr>
-              <a:t>for</a:t>
-            </a:r>
-            <a:r>
-              <a:rPr lang="en-US" sz="2400" b="1" smtClean="0">
-                <a:latin typeface="Consolas" panose="020B0609020204030204" pitchFamily="49" charset="0"/>
-              </a:rPr>
-              <a:t> (</a:t>
-            </a:r>
-            <a:r>
-              <a:rPr lang="en-US" sz="2400" b="1" smtClean="0">
-                <a:solidFill>
-                  <a:srgbClr val="0070C0"/>
-                </a:solidFill>
-                <a:latin typeface="Consolas" panose="020B0609020204030204" pitchFamily="49" charset="0"/>
-              </a:rPr>
-              <a:t>int</a:t>
-            </a:r>
-            <a:r>
-              <a:rPr lang="en-US" sz="2400" b="1" smtClean="0">
-                <a:latin typeface="Consolas" panose="020B0609020204030204" pitchFamily="49" charset="0"/>
-              </a:rPr>
-              <a:t> </a:t>
-            </a:r>
-            <a:r>
-              <a:rPr lang="en-US" sz="2400" b="1">
-                <a:latin typeface="Consolas" panose="020B0609020204030204" pitchFamily="49" charset="0"/>
-              </a:rPr>
-              <a:t>i = 0; i &lt; </a:t>
-            </a:r>
-            <a:r>
-              <a:rPr lang="en-US" sz="2400" b="1" smtClean="0">
-                <a:latin typeface="Consolas" panose="020B0609020204030204" pitchFamily="49" charset="0"/>
-              </a:rPr>
-              <a:t>100</a:t>
-            </a:r>
-            <a:r>
-              <a:rPr lang="en-US" sz="2400" b="1">
-                <a:latin typeface="Consolas" panose="020B0609020204030204" pitchFamily="49" charset="0"/>
-              </a:rPr>
-              <a:t>; i++)</a:t>
-            </a:r>
-            <a:endParaRPr lang="da-DK" sz="2400" b="1">
-              <a:latin typeface="Consolas" panose="020B0609020204030204" pitchFamily="49" charset="0"/>
-            </a:endParaRPr>
-          </a:p>
-          <a:p>
-            <a:pPr marL="0" indent="0">
-              <a:spcBef>
-                <a:spcPts val="0"/>
-              </a:spcBef>
-              <a:buNone/>
-            </a:pPr>
-            <a:r>
-              <a:rPr lang="en-US" sz="2400" b="1">
-                <a:latin typeface="Consolas" panose="020B0609020204030204" pitchFamily="49" charset="0"/>
-              </a:rPr>
-              <a:t>{</a:t>
-            </a:r>
-            <a:endParaRPr lang="da-DK" sz="2400" b="1">
-              <a:latin typeface="Consolas" panose="020B0609020204030204" pitchFamily="49" charset="0"/>
-            </a:endParaRPr>
-          </a:p>
-          <a:p>
-            <a:pPr marL="0" indent="0">
-              <a:spcBef>
-                <a:spcPts val="0"/>
-              </a:spcBef>
-              <a:buNone/>
-            </a:pPr>
-            <a:r>
-              <a:rPr lang="en-US" sz="2400" b="1" smtClean="0">
-                <a:latin typeface="Consolas" panose="020B0609020204030204" pitchFamily="49" charset="0"/>
-              </a:rPr>
-              <a:t>    Calculate(i</a:t>
-            </a:r>
-            <a:r>
-              <a:rPr lang="en-US" sz="2400" b="1">
-                <a:latin typeface="Consolas" panose="020B0609020204030204" pitchFamily="49" charset="0"/>
-              </a:rPr>
-              <a:t>);</a:t>
-            </a:r>
-            <a:endParaRPr lang="da-DK" sz="2400" b="1">
-              <a:latin typeface="Consolas" panose="020B0609020204030204" pitchFamily="49" charset="0"/>
-            </a:endParaRPr>
-          </a:p>
-          <a:p>
-            <a:pPr marL="0" indent="0">
-              <a:spcBef>
-                <a:spcPts val="0"/>
-              </a:spcBef>
-              <a:buNone/>
-            </a:pPr>
-            <a:r>
-              <a:rPr lang="en-US" sz="2400" b="1">
-                <a:latin typeface="Consolas" panose="020B0609020204030204" pitchFamily="49" charset="0"/>
-              </a:rPr>
-              <a:t>}</a:t>
-            </a:r>
-            <a:endParaRPr lang="da-DK" sz="2400" b="1">
-              <a:latin typeface="Consolas" panose="020B0609020204030204" pitchFamily="49" charset="0"/>
-            </a:endParaRPr>
-          </a:p>
-          <a:p>
-            <a:pPr marL="0" indent="0">
-              <a:buNone/>
-            </a:pPr>
-            <a:endParaRPr lang="en-US" sz="2000" b="1" smtClean="0">
-              <a:latin typeface="Consolas" panose="020B0609020204030204" pitchFamily="49" charset="0"/>
-            </a:endParaRPr>
-          </a:p>
-          <a:p>
-            <a:pPr marL="0" indent="0">
-              <a:buNone/>
-            </a:pPr>
-            <a:endParaRPr lang="da-DK" sz="2000" b="1" smtClean="0">
-              <a:solidFill>
-                <a:srgbClr val="0070C0"/>
-              </a:solidFill>
-              <a:latin typeface="Consolas" panose="020B0609020204030204" pitchFamily="49" charset="0"/>
-            </a:endParaRPr>
-          </a:p>
-          <a:p>
-            <a:pPr marL="0" indent="0">
-              <a:buNone/>
-            </a:pPr>
-            <a:endParaRPr lang="da-DK" sz="2000" b="1" smtClean="0">
-              <a:solidFill>
-                <a:srgbClr val="0070C0"/>
-              </a:solidFill>
-              <a:latin typeface="Consolas" panose="020B0609020204030204" pitchFamily="49" charset="0"/>
-            </a:endParaRPr>
+            <a:off x="838200" y="1825625"/>
+            <a:ext cx="7902742" cy="4351338"/>
+          </a:xfrm>
+        </p:spPr>
+        <p:txBody>
+          <a:bodyPr/>
+          <a:lstStyle/>
+          <a:p>
+            <a:r>
+              <a:rPr lang="da-DK" smtClean="0"/>
+              <a:t>The same calculation is to be performed for a large number of values…</a:t>
+            </a:r>
+          </a:p>
+          <a:p>
+            <a:r>
+              <a:rPr lang="da-DK" smtClean="0"/>
+              <a:t>Calculations are independent…</a:t>
+            </a:r>
+          </a:p>
+          <a:p>
+            <a:r>
+              <a:rPr lang="da-DK" smtClean="0"/>
+              <a:t>…use </a:t>
+            </a:r>
+            <a:r>
+              <a:rPr lang="da-DK" b="1" smtClean="0"/>
+              <a:t>Parallel.For(…)</a:t>
+            </a:r>
+            <a:endParaRPr lang="da-DK" b="1"/>
           </a:p>
         </p:txBody>
       </p:sp>
     </p:spTree>
     <p:extLst>
       <p:ext uri="{BB962C8B-B14F-4D97-AF65-F5344CB8AC3E}">
-        <p14:creationId xmlns:p14="http://schemas.microsoft.com/office/powerpoint/2010/main" val="2166264943"/>
+        <p14:creationId xmlns:p14="http://schemas.microsoft.com/office/powerpoint/2010/main" val="2328383509"/>
       </p:ext>
     </p:extLst>
   </p:cSld>
@@ -14061,6 +14471,220 @@
             <a:pPr marL="0" indent="0">
               <a:buNone/>
             </a:pPr>
+            <a:endParaRPr lang="da-DK" sz="2000" b="1" smtClean="0">
+              <a:solidFill>
+                <a:srgbClr val="0070C0"/>
+              </a:solidFill>
+              <a:latin typeface="Consolas" panose="020B0609020204030204" pitchFamily="49" charset="0"/>
+            </a:endParaRPr>
+          </a:p>
+          <a:p>
+            <a:pPr marL="0" indent="0">
+              <a:buNone/>
+            </a:pPr>
+            <a:endParaRPr lang="da-DK" sz="2000" b="1" smtClean="0">
+              <a:solidFill>
+                <a:srgbClr val="0070C0"/>
+              </a:solidFill>
+              <a:latin typeface="Consolas" panose="020B0609020204030204" pitchFamily="49" charset="0"/>
+            </a:endParaRPr>
+          </a:p>
+        </p:txBody>
+      </p:sp>
+    </p:spTree>
+    <p:extLst>
+      <p:ext uri="{BB962C8B-B14F-4D97-AF65-F5344CB8AC3E}">
+        <p14:creationId xmlns:p14="http://schemas.microsoft.com/office/powerpoint/2010/main" val="2166264943"/>
+      </p:ext>
+    </p:extLst>
+  </p:cSld>
+  <p:clrMapOvr>
+    <a:masterClrMapping/>
+  </p:clrMapOvr>
+  <p:timing>
+    <p:tnLst>
+      <p:par>
+        <p:cTn id="1" dur="indefinite" restart="never" nodeType="tmRoot"/>
+      </p:par>
+    </p:tnLst>
+  </p:timing>
+</p:sld>
+</file>
+
+<file path=ppt/slides/slide34.xml><?xml version="1.0" encoding="utf-8"?>
+<p:sld xmlns:a="http://schemas.openxmlformats.org/drawingml/2006/main" xmlns:r="http://schemas.openxmlformats.org/officeDocument/2006/relationships" xmlns:p="http://schemas.openxmlformats.org/presentationml/2006/main">
+  <p:cSld>
+    <p:spTree>
+      <p:nvGrpSpPr>
+        <p:cNvPr id="1" name=""/>
+        <p:cNvGrpSpPr/>
+        <p:nvPr/>
+      </p:nvGrpSpPr>
+      <p:grpSpPr>
+        <a:xfrm>
+          <a:off x="0" y="0"/>
+          <a:ext cx="0" cy="0"/>
+          <a:chOff x="0" y="0"/>
+          <a:chExt cx="0" cy="0"/>
+        </a:xfrm>
+      </p:grpSpPr>
+      <p:sp>
+        <p:nvSpPr>
+          <p:cNvPr id="3" name="Pladsholder til indhold 2"/>
+          <p:cNvSpPr>
+            <a:spLocks noGrp="1"/>
+          </p:cNvSpPr>
+          <p:nvPr>
+            <p:ph idx="1"/>
+          </p:nvPr>
+        </p:nvSpPr>
+        <p:spPr>
+          <a:xfrm>
+            <a:off x="858520" y="765387"/>
+            <a:ext cx="10515600" cy="5411576"/>
+          </a:xfrm>
+        </p:spPr>
+        <p:txBody>
+          <a:bodyPr>
+            <a:normAutofit/>
+          </a:bodyPr>
+          <a:lstStyle/>
+          <a:p>
+            <a:pPr marL="0" indent="0">
+              <a:buNone/>
+            </a:pPr>
+            <a:endParaRPr lang="da-DK" sz="2000" b="1">
+              <a:latin typeface="Consolas" panose="020B0609020204030204" pitchFamily="49" charset="0"/>
+            </a:endParaRPr>
+          </a:p>
+          <a:p>
+            <a:pPr marL="0" indent="0">
+              <a:spcBef>
+                <a:spcPts val="0"/>
+              </a:spcBef>
+              <a:buNone/>
+            </a:pPr>
+            <a:r>
+              <a:rPr lang="en-US" sz="2400" b="1" smtClean="0">
+                <a:solidFill>
+                  <a:srgbClr val="0070C0"/>
+                </a:solidFill>
+                <a:latin typeface="Consolas" panose="020B0609020204030204" pitchFamily="49" charset="0"/>
+              </a:rPr>
+              <a:t>for</a:t>
+            </a:r>
+            <a:r>
+              <a:rPr lang="en-US" sz="2400" b="1" smtClean="0">
+                <a:latin typeface="Consolas" panose="020B0609020204030204" pitchFamily="49" charset="0"/>
+              </a:rPr>
+              <a:t> (</a:t>
+            </a:r>
+            <a:r>
+              <a:rPr lang="en-US" sz="2400" b="1" smtClean="0">
+                <a:solidFill>
+                  <a:srgbClr val="0070C0"/>
+                </a:solidFill>
+                <a:latin typeface="Consolas" panose="020B0609020204030204" pitchFamily="49" charset="0"/>
+              </a:rPr>
+              <a:t>int</a:t>
+            </a:r>
+            <a:r>
+              <a:rPr lang="en-US" sz="2400" b="1" smtClean="0">
+                <a:latin typeface="Consolas" panose="020B0609020204030204" pitchFamily="49" charset="0"/>
+              </a:rPr>
+              <a:t> </a:t>
+            </a:r>
+            <a:r>
+              <a:rPr lang="en-US" sz="2400" b="1">
+                <a:latin typeface="Consolas" panose="020B0609020204030204" pitchFamily="49" charset="0"/>
+              </a:rPr>
+              <a:t>i = 0; i &lt; </a:t>
+            </a:r>
+            <a:r>
+              <a:rPr lang="en-US" sz="2400" b="1" smtClean="0">
+                <a:latin typeface="Consolas" panose="020B0609020204030204" pitchFamily="49" charset="0"/>
+              </a:rPr>
+              <a:t>100</a:t>
+            </a:r>
+            <a:r>
+              <a:rPr lang="en-US" sz="2400" b="1">
+                <a:latin typeface="Consolas" panose="020B0609020204030204" pitchFamily="49" charset="0"/>
+              </a:rPr>
+              <a:t>; i++)</a:t>
+            </a:r>
+            <a:endParaRPr lang="da-DK" sz="2400" b="1">
+              <a:latin typeface="Consolas" panose="020B0609020204030204" pitchFamily="49" charset="0"/>
+            </a:endParaRPr>
+          </a:p>
+          <a:p>
+            <a:pPr marL="0" indent="0">
+              <a:spcBef>
+                <a:spcPts val="0"/>
+              </a:spcBef>
+              <a:buNone/>
+            </a:pPr>
+            <a:r>
+              <a:rPr lang="en-US" sz="2400" b="1">
+                <a:latin typeface="Consolas" panose="020B0609020204030204" pitchFamily="49" charset="0"/>
+              </a:rPr>
+              <a:t>{</a:t>
+            </a:r>
+            <a:endParaRPr lang="da-DK" sz="2400" b="1">
+              <a:latin typeface="Consolas" panose="020B0609020204030204" pitchFamily="49" charset="0"/>
+            </a:endParaRPr>
+          </a:p>
+          <a:p>
+            <a:pPr marL="0" indent="0">
+              <a:spcBef>
+                <a:spcPts val="0"/>
+              </a:spcBef>
+              <a:buNone/>
+            </a:pPr>
+            <a:r>
+              <a:rPr lang="en-US" sz="2400" b="1" smtClean="0">
+                <a:latin typeface="Consolas" panose="020B0609020204030204" pitchFamily="49" charset="0"/>
+              </a:rPr>
+              <a:t>    Calculate(i</a:t>
+            </a:r>
+            <a:r>
+              <a:rPr lang="en-US" sz="2400" b="1">
+                <a:latin typeface="Consolas" panose="020B0609020204030204" pitchFamily="49" charset="0"/>
+              </a:rPr>
+              <a:t>);</a:t>
+            </a:r>
+            <a:endParaRPr lang="da-DK" sz="2400" b="1">
+              <a:latin typeface="Consolas" panose="020B0609020204030204" pitchFamily="49" charset="0"/>
+            </a:endParaRPr>
+          </a:p>
+          <a:p>
+            <a:pPr marL="0" indent="0">
+              <a:spcBef>
+                <a:spcPts val="0"/>
+              </a:spcBef>
+              <a:buNone/>
+            </a:pPr>
+            <a:r>
+              <a:rPr lang="en-US" sz="2400" b="1">
+                <a:latin typeface="Consolas" panose="020B0609020204030204" pitchFamily="49" charset="0"/>
+              </a:rPr>
+              <a:t>}</a:t>
+            </a:r>
+            <a:endParaRPr lang="da-DK" sz="2400" b="1">
+              <a:latin typeface="Consolas" panose="020B0609020204030204" pitchFamily="49" charset="0"/>
+            </a:endParaRPr>
+          </a:p>
+          <a:p>
+            <a:pPr marL="0" indent="0">
+              <a:buNone/>
+            </a:pPr>
+            <a:endParaRPr lang="en-US" sz="2000" b="1" smtClean="0">
+              <a:latin typeface="Consolas" panose="020B0609020204030204" pitchFamily="49" charset="0"/>
+            </a:endParaRPr>
+          </a:p>
+          <a:p>
+            <a:pPr marL="0" indent="0">
+              <a:buNone/>
+            </a:pPr>
             <a:r>
               <a:rPr lang="en-US" sz="2400" b="1">
                 <a:solidFill>
@@ -14195,7 +14819,7 @@
 </p:sld>
 </file>
 
-<file path=ppt/slides/slide34.xml><?xml version="1.0" encoding="utf-8"?>
+<file path=ppt/slides/slide35.xml><?xml version="1.0" encoding="utf-8"?>
 <p:sld xmlns:a="http://schemas.openxmlformats.org/drawingml/2006/main" xmlns:r="http://schemas.openxmlformats.org/officeDocument/2006/relationships" xmlns:p="http://schemas.openxmlformats.org/presentationml/2006/main">
   <p:cSld>
     <p:spTree>
@@ -15351,10 +15975,10 @@
           <a:lstStyle/>
           <a:p>
             <a:r>
-              <a:rPr lang="da-DK" smtClean="0"/>
+              <a:rPr lang="da-DK" b="1" smtClean="0"/>
               <a:t>What kinds of operations?</a:t>
             </a:r>
-            <a:endParaRPr lang="da-DK"/>
+            <a:endParaRPr lang="da-DK" b="1"/>
           </a:p>
         </p:txBody>
       </p:sp>
@@ -15389,8 +16013,8 @@
           </a:p>
           <a:p>
             <a:r>
-              <a:rPr lang="da-DK" b="1" smtClean="0"/>
-              <a:t>I/O-relaterede</a:t>
+              <a:rPr lang="da-DK" b="1"/>
+              <a:t>I/O-bound</a:t>
             </a:r>
             <a:r>
               <a:rPr lang="da-DK" smtClean="0"/>
@@ -15512,10 +16136,10 @@
           <a:lstStyle/>
           <a:p>
             <a:r>
-              <a:rPr lang="da-DK" smtClean="0"/>
+              <a:rPr lang="da-DK" b="1" smtClean="0"/>
               <a:t>CPU-bound</a:t>
             </a:r>
-            <a:endParaRPr lang="da-DK"/>
+            <a:endParaRPr lang="da-DK" b="1"/>
           </a:p>
         </p:txBody>
       </p:sp>
